--- a/Documentation/BioInformaticsPresentation.pptx
+++ b/Documentation/BioInformaticsPresentation.pptx
@@ -123,7 +123,7 @@
   </p:defaultTextStyle>
   <p:extLst>
     <p:ext uri="{EFAFB233-063F-42B5-8137-9DF3F51BA10A}">
-      <p15:sldGuideLst xmlns:p15="http://schemas.microsoft.com/office/powerpoint/2012/main" xmlns="">
+      <p15:sldGuideLst xmlns="" xmlns:p15="http://schemas.microsoft.com/office/powerpoint/2012/main">
         <p15:guide id="1" orient="horz" pos="2160">
           <p15:clr>
             <a:srgbClr val="A4A3A4"/>
@@ -2051,8 +2051,8 @@
     <dgm:cxn modelId="{03460D56-A595-4A67-A64C-778F18963B5D}" srcId="{F8160A3E-A963-467A-8219-313B6B055B31}" destId="{467995B1-BBA4-402F-BF81-52C0AA2B1042}" srcOrd="0" destOrd="0" parTransId="{B748413D-08B3-4F7F-84B8-DE2956615C70}" sibTransId="{963485DB-7438-4272-871E-A12D01E3925E}"/>
     <dgm:cxn modelId="{91611031-8882-9B48-BA7F-51E351C173FA}" type="presOf" srcId="{B2119B6F-2E65-4496-9F68-031377BB61EE}" destId="{84C0BC7E-E281-1242-9D58-364FF13AB1E1}" srcOrd="1" destOrd="0" presId="urn:microsoft.com/office/officeart/2005/8/layout/vProcess5"/>
     <dgm:cxn modelId="{B29C893A-37B3-0342-95B1-4A8906D0B839}" type="presOf" srcId="{B2119B6F-2E65-4496-9F68-031377BB61EE}" destId="{A9679CB7-9A45-E142-BD24-FF3350DC8672}" srcOrd="0" destOrd="0" presId="urn:microsoft.com/office/officeart/2005/8/layout/vProcess5"/>
+    <dgm:cxn modelId="{B12C82AE-3A69-3B46-8F08-D2E0E9C432AB}" type="presOf" srcId="{467995B1-BBA4-402F-BF81-52C0AA2B1042}" destId="{CE717D46-B337-CB42-841A-76A3ED4E739B}" srcOrd="1" destOrd="0" presId="urn:microsoft.com/office/officeart/2005/8/layout/vProcess5"/>
     <dgm:cxn modelId="{B11B08BB-7C60-7941-91F3-83B989B5F9DB}" type="presOf" srcId="{F8160A3E-A963-467A-8219-313B6B055B31}" destId="{685947E2-C2F8-E24E-89DF-828398CF5487}" srcOrd="0" destOrd="0" presId="urn:microsoft.com/office/officeart/2005/8/layout/vProcess5"/>
-    <dgm:cxn modelId="{B12C82AE-3A69-3B46-8F08-D2E0E9C432AB}" type="presOf" srcId="{467995B1-BBA4-402F-BF81-52C0AA2B1042}" destId="{CE717D46-B337-CB42-841A-76A3ED4E739B}" srcOrd="1" destOrd="0" presId="urn:microsoft.com/office/officeart/2005/8/layout/vProcess5"/>
     <dgm:cxn modelId="{D5D215C6-B41C-42B1-A69B-59A643E91A3D}" srcId="{F8160A3E-A963-467A-8219-313B6B055B31}" destId="{A96EB6D9-31A7-489C-B289-15B8E314C7D8}" srcOrd="1" destOrd="0" parTransId="{18AA0681-5067-4FBF-990F-F2CD98FF460A}" sibTransId="{ED533DBB-5160-4B81-B999-99A9933E2963}"/>
     <dgm:cxn modelId="{38B95213-EC19-FF4B-9BF0-F046F7AF24D5}" type="presOf" srcId="{ED533DBB-5160-4B81-B999-99A9933E2963}" destId="{73746F15-01FE-6349-96A5-09493BE3BB47}" srcOrd="0" destOrd="0" presId="urn:microsoft.com/office/officeart/2005/8/layout/vProcess5"/>
     <dgm:cxn modelId="{0147DA94-94CF-6047-8356-59B65BD4C80B}" type="presOf" srcId="{A96EB6D9-31A7-489C-B289-15B8E314C7D8}" destId="{728A8E2F-67E7-D644-8225-52299CFA3FEA}" srcOrd="1" destOrd="0" presId="urn:microsoft.com/office/officeart/2005/8/layout/vProcess5"/>
@@ -2072,7 +2072,7 @@
   <dgm:whole/>
   <dgm:extLst>
     <a:ext uri="http://schemas.microsoft.com/office/drawing/2008/diagram">
-      <dsp:dataModelExt xmlns:dsp="http://schemas.microsoft.com/office/drawing/2008/diagram" xmlns="" relId="rId6" minVer="http://schemas.openxmlformats.org/drawingml/2006/diagram"/>
+      <dsp:dataModelExt xmlns="" xmlns:dsp="http://schemas.microsoft.com/office/drawing/2008/diagram" relId="rId6" minVer="http://schemas.openxmlformats.org/drawingml/2006/diagram"/>
     </a:ext>
   </dgm:extLst>
 </dgm:dataModel>
@@ -2511,7 +2511,7 @@
   <dgm:whole/>
   <dgm:extLst>
     <a:ext uri="http://schemas.microsoft.com/office/drawing/2008/diagram">
-      <dsp:dataModelExt xmlns:dsp="http://schemas.microsoft.com/office/drawing/2008/diagram" xmlns="" relId="rId6" minVer="http://schemas.openxmlformats.org/drawingml/2006/diagram"/>
+      <dsp:dataModelExt xmlns="" xmlns:dsp="http://schemas.microsoft.com/office/drawing/2008/diagram" relId="rId6" minVer="http://schemas.openxmlformats.org/drawingml/2006/diagram"/>
     </a:ext>
   </dgm:extLst>
 </dgm:dataModel>
@@ -8375,7 +8375,7 @@
     </p:spTree>
     <p:extLst>
       <p:ext uri="{BB962C8B-B14F-4D97-AF65-F5344CB8AC3E}">
-        <p14:creationId xmlns:p14="http://schemas.microsoft.com/office/powerpoint/2010/main" xmlns="" val="3579200026"/>
+        <p14:creationId xmlns="" xmlns:p14="http://schemas.microsoft.com/office/powerpoint/2010/main" val="3579200026"/>
       </p:ext>
     </p:extLst>
   </p:cSld>
@@ -8552,7 +8552,7 @@
     </p:spTree>
     <p:extLst>
       <p:ext uri="{BB962C8B-B14F-4D97-AF65-F5344CB8AC3E}">
-        <p14:creationId xmlns:p14="http://schemas.microsoft.com/office/powerpoint/2010/main" xmlns="" val="272775438"/>
+        <p14:creationId xmlns="" xmlns:p14="http://schemas.microsoft.com/office/powerpoint/2010/main" val="272775438"/>
       </p:ext>
     </p:extLst>
   </p:cSld>
@@ -14310,10 +14310,10 @@
           <p:cNvPr id="30" name="Rectangle 29">
             <a:extLst>
               <a:ext uri="{FF2B5EF4-FFF2-40B4-BE49-F238E27FC236}">
-                <a16:creationId xmlns:a16="http://schemas.microsoft.com/office/drawing/2014/main" xmlns="" id="{9179DE42-5613-4B35-A1E6-6CCBAA13C743}"/>
+                <a16:creationId xmlns="" xmlns:a16="http://schemas.microsoft.com/office/drawing/2014/main" id="{9179DE42-5613-4B35-A1E6-6CCBAA13C743}"/>
               </a:ext>
               <a:ext uri="{C183D7F6-B498-43B3-948B-1728B52AA6E4}">
-                <adec:decorative xmlns:adec="http://schemas.microsoft.com/office/drawing/2017/decorative" xmlns="" val="1"/>
+                <adec:decorative xmlns="" xmlns:adec="http://schemas.microsoft.com/office/drawing/2017/decorative" val="1"/>
               </a:ext>
             </a:extLst>
           </p:cNvPr>
@@ -14323,7 +14323,7 @@
           <p:nvPr>
             <p:extLst>
               <p:ext uri="{386F3935-93C4-4BCD-93E2-E3B085C9AB24}">
-                <p16:designElem xmlns:p16="http://schemas.microsoft.com/office/powerpoint/2015/main" xmlns="" val="1"/>
+                <p16:designElem xmlns="" xmlns:p16="http://schemas.microsoft.com/office/powerpoint/2015/main" val="1"/>
               </p:ext>
             </p:extLst>
           </p:nvPr>
@@ -14370,10 +14370,10 @@
           <p:cNvPr id="32" name="Straight Connector 31">
             <a:extLst>
               <a:ext uri="{FF2B5EF4-FFF2-40B4-BE49-F238E27FC236}">
-                <a16:creationId xmlns:a16="http://schemas.microsoft.com/office/drawing/2014/main" xmlns="" id="{EB898B32-3891-4C3A-8F58-C5969D2E9033}"/>
+                <a16:creationId xmlns="" xmlns:a16="http://schemas.microsoft.com/office/drawing/2014/main" id="{EB898B32-3891-4C3A-8F58-C5969D2E9033}"/>
               </a:ext>
               <a:ext uri="{C183D7F6-B498-43B3-948B-1728B52AA6E4}">
-                <adec:decorative xmlns:adec="http://schemas.microsoft.com/office/drawing/2017/decorative" xmlns="" val="1"/>
+                <adec:decorative xmlns="" xmlns:adec="http://schemas.microsoft.com/office/drawing/2017/decorative" val="1"/>
               </a:ext>
             </a:extLst>
           </p:cNvPr>
@@ -14383,7 +14383,7 @@
           <p:nvPr>
             <p:extLst>
               <p:ext uri="{386F3935-93C4-4BCD-93E2-E3B085C9AB24}">
-                <p16:designElem xmlns:p16="http://schemas.microsoft.com/office/powerpoint/2015/main" xmlns="" val="1"/>
+                <p16:designElem xmlns="" xmlns:p16="http://schemas.microsoft.com/office/powerpoint/2015/main" val="1"/>
               </p:ext>
             </p:extLst>
           </p:nvPr>
@@ -14424,10 +14424,10 @@
           <p:cNvPr id="34" name="Straight Connector 33">
             <a:extLst>
               <a:ext uri="{FF2B5EF4-FFF2-40B4-BE49-F238E27FC236}">
-                <a16:creationId xmlns:a16="http://schemas.microsoft.com/office/drawing/2014/main" xmlns="" id="{4AE4806D-B8F9-4679-A68A-9BD21C01A301}"/>
+                <a16:creationId xmlns="" xmlns:a16="http://schemas.microsoft.com/office/drawing/2014/main" id="{4AE4806D-B8F9-4679-A68A-9BD21C01A301}"/>
               </a:ext>
               <a:ext uri="{C183D7F6-B498-43B3-948B-1728B52AA6E4}">
-                <adec:decorative xmlns:adec="http://schemas.microsoft.com/office/drawing/2017/decorative" xmlns="" val="1"/>
+                <adec:decorative xmlns="" xmlns:adec="http://schemas.microsoft.com/office/drawing/2017/decorative" val="1"/>
               </a:ext>
             </a:extLst>
           </p:cNvPr>
@@ -14437,7 +14437,7 @@
           <p:nvPr>
             <p:extLst>
               <p:ext uri="{386F3935-93C4-4BCD-93E2-E3B085C9AB24}">
-                <p16:designElem xmlns:p16="http://schemas.microsoft.com/office/powerpoint/2015/main" xmlns="" val="1"/>
+                <p16:designElem xmlns="" xmlns:p16="http://schemas.microsoft.com/office/powerpoint/2015/main" val="1"/>
               </p:ext>
             </p:extLst>
           </p:nvPr>
@@ -14480,10 +14480,10 @@
           <p:cNvPr id="36" name="Rectangle 23">
             <a:extLst>
               <a:ext uri="{FF2B5EF4-FFF2-40B4-BE49-F238E27FC236}">
-                <a16:creationId xmlns:a16="http://schemas.microsoft.com/office/drawing/2014/main" xmlns="" id="{52FB45E9-914E-4471-AC87-E475CD51767D}"/>
+                <a16:creationId xmlns="" xmlns:a16="http://schemas.microsoft.com/office/drawing/2014/main" id="{52FB45E9-914E-4471-AC87-E475CD51767D}"/>
               </a:ext>
               <a:ext uri="{C183D7F6-B498-43B3-948B-1728B52AA6E4}">
-                <adec:decorative xmlns:adec="http://schemas.microsoft.com/office/drawing/2017/decorative" xmlns="" val="1"/>
+                <adec:decorative xmlns="" xmlns:adec="http://schemas.microsoft.com/office/drawing/2017/decorative" val="1"/>
               </a:ext>
             </a:extLst>
           </p:cNvPr>
@@ -14493,7 +14493,7 @@
           <p:nvPr>
             <p:extLst>
               <p:ext uri="{386F3935-93C4-4BCD-93E2-E3B085C9AB24}">
-                <p16:designElem xmlns:p16="http://schemas.microsoft.com/office/powerpoint/2015/main" xmlns="" val="1"/>
+                <p16:designElem xmlns="" xmlns:p16="http://schemas.microsoft.com/office/powerpoint/2015/main" val="1"/>
               </p:ext>
             </p:extLst>
           </p:nvPr>
@@ -14560,10 +14560,10 @@
           <p:cNvPr id="38" name="Rectangle 25">
             <a:extLst>
               <a:ext uri="{FF2B5EF4-FFF2-40B4-BE49-F238E27FC236}">
-                <a16:creationId xmlns:a16="http://schemas.microsoft.com/office/drawing/2014/main" xmlns="" id="{C310626D-5743-49D4-8F7D-88C4F8F05774}"/>
+                <a16:creationId xmlns="" xmlns:a16="http://schemas.microsoft.com/office/drawing/2014/main" id="{C310626D-5743-49D4-8F7D-88C4F8F05774}"/>
               </a:ext>
               <a:ext uri="{C183D7F6-B498-43B3-948B-1728B52AA6E4}">
-                <adec:decorative xmlns:adec="http://schemas.microsoft.com/office/drawing/2017/decorative" xmlns="" val="1"/>
+                <adec:decorative xmlns="" xmlns:adec="http://schemas.microsoft.com/office/drawing/2017/decorative" val="1"/>
               </a:ext>
             </a:extLst>
           </p:cNvPr>
@@ -14573,7 +14573,7 @@
           <p:nvPr>
             <p:extLst>
               <p:ext uri="{386F3935-93C4-4BCD-93E2-E3B085C9AB24}">
-                <p16:designElem xmlns:p16="http://schemas.microsoft.com/office/powerpoint/2015/main" xmlns="" val="1"/>
+                <p16:designElem xmlns="" xmlns:p16="http://schemas.microsoft.com/office/powerpoint/2015/main" val="1"/>
               </p:ext>
             </p:extLst>
           </p:nvPr>
@@ -14640,10 +14640,10 @@
           <p:cNvPr id="40" name="Isosceles Triangle 39">
             <a:extLst>
               <a:ext uri="{FF2B5EF4-FFF2-40B4-BE49-F238E27FC236}">
-                <a16:creationId xmlns:a16="http://schemas.microsoft.com/office/drawing/2014/main" xmlns="" id="{3C195FC1-B568-4C72-9902-34CB35DDD7A1}"/>
+                <a16:creationId xmlns="" xmlns:a16="http://schemas.microsoft.com/office/drawing/2014/main" id="{3C195FC1-B568-4C72-9902-34CB35DDD7A1}"/>
               </a:ext>
               <a:ext uri="{C183D7F6-B498-43B3-948B-1728B52AA6E4}">
-                <adec:decorative xmlns:adec="http://schemas.microsoft.com/office/drawing/2017/decorative" xmlns="" val="1"/>
+                <adec:decorative xmlns="" xmlns:adec="http://schemas.microsoft.com/office/drawing/2017/decorative" val="1"/>
               </a:ext>
             </a:extLst>
           </p:cNvPr>
@@ -14653,7 +14653,7 @@
           <p:nvPr>
             <p:extLst>
               <p:ext uri="{386F3935-93C4-4BCD-93E2-E3B085C9AB24}">
-                <p16:designElem xmlns:p16="http://schemas.microsoft.com/office/powerpoint/2015/main" xmlns="" val="1"/>
+                <p16:designElem xmlns="" xmlns:p16="http://schemas.microsoft.com/office/powerpoint/2015/main" val="1"/>
               </p:ext>
             </p:extLst>
           </p:nvPr>
@@ -14698,10 +14698,10 @@
           <p:cNvPr id="42" name="Rectangle 27">
             <a:extLst>
               <a:ext uri="{FF2B5EF4-FFF2-40B4-BE49-F238E27FC236}">
-                <a16:creationId xmlns:a16="http://schemas.microsoft.com/office/drawing/2014/main" xmlns="" id="{EF2BDF77-362C-43F0-8CBB-A969EC2AE0C4}"/>
+                <a16:creationId xmlns="" xmlns:a16="http://schemas.microsoft.com/office/drawing/2014/main" id="{EF2BDF77-362C-43F0-8CBB-A969EC2AE0C4}"/>
               </a:ext>
               <a:ext uri="{C183D7F6-B498-43B3-948B-1728B52AA6E4}">
-                <adec:decorative xmlns:adec="http://schemas.microsoft.com/office/drawing/2017/decorative" xmlns="" val="1"/>
+                <adec:decorative xmlns="" xmlns:adec="http://schemas.microsoft.com/office/drawing/2017/decorative" val="1"/>
               </a:ext>
             </a:extLst>
           </p:cNvPr>
@@ -14711,7 +14711,7 @@
           <p:nvPr>
             <p:extLst>
               <p:ext uri="{386F3935-93C4-4BCD-93E2-E3B085C9AB24}">
-                <p16:designElem xmlns:p16="http://schemas.microsoft.com/office/powerpoint/2015/main" xmlns="" val="1"/>
+                <p16:designElem xmlns="" xmlns:p16="http://schemas.microsoft.com/office/powerpoint/2015/main" val="1"/>
               </p:ext>
             </p:extLst>
           </p:nvPr>
@@ -14779,10 +14779,10 @@
           <p:cNvPr id="44" name="Isosceles Triangle 43">
             <a:extLst>
               <a:ext uri="{FF2B5EF4-FFF2-40B4-BE49-F238E27FC236}">
-                <a16:creationId xmlns:a16="http://schemas.microsoft.com/office/drawing/2014/main" xmlns="" id="{4BE96B01-3929-432D-B8C2-ADBCB74C2EF4}"/>
+                <a16:creationId xmlns="" xmlns:a16="http://schemas.microsoft.com/office/drawing/2014/main" id="{4BE96B01-3929-432D-B8C2-ADBCB74C2EF4}"/>
               </a:ext>
               <a:ext uri="{C183D7F6-B498-43B3-948B-1728B52AA6E4}">
-                <adec:decorative xmlns:adec="http://schemas.microsoft.com/office/drawing/2017/decorative" xmlns="" val="1"/>
+                <adec:decorative xmlns="" xmlns:adec="http://schemas.microsoft.com/office/drawing/2017/decorative" val="1"/>
               </a:ext>
             </a:extLst>
           </p:cNvPr>
@@ -14792,7 +14792,7 @@
           <p:nvPr>
             <p:extLst>
               <p:ext uri="{386F3935-93C4-4BCD-93E2-E3B085C9AB24}">
-                <p16:designElem xmlns:p16="http://schemas.microsoft.com/office/powerpoint/2015/main" xmlns="" val="1"/>
+                <p16:designElem xmlns="" xmlns:p16="http://schemas.microsoft.com/office/powerpoint/2015/main" val="1"/>
               </p:ext>
             </p:extLst>
           </p:nvPr>
@@ -14837,10 +14837,10 @@
           <p:cNvPr id="46" name="Freeform: Shape 45">
             <a:extLst>
               <a:ext uri="{FF2B5EF4-FFF2-40B4-BE49-F238E27FC236}">
-                <a16:creationId xmlns:a16="http://schemas.microsoft.com/office/drawing/2014/main" xmlns="" id="{2A6FCDE6-CDE2-4C51-B18E-A95CFB679714}"/>
+                <a16:creationId xmlns="" xmlns:a16="http://schemas.microsoft.com/office/drawing/2014/main" id="{2A6FCDE6-CDE2-4C51-B18E-A95CFB679714}"/>
               </a:ext>
               <a:ext uri="{C183D7F6-B498-43B3-948B-1728B52AA6E4}">
-                <adec:decorative xmlns:adec="http://schemas.microsoft.com/office/drawing/2017/decorative" xmlns="" val="1"/>
+                <adec:decorative xmlns="" xmlns:adec="http://schemas.microsoft.com/office/drawing/2017/decorative" val="1"/>
               </a:ext>
             </a:extLst>
           </p:cNvPr>
@@ -14850,7 +14850,7 @@
           <p:nvPr>
             <p:extLst>
               <p:ext uri="{386F3935-93C4-4BCD-93E2-E3B085C9AB24}">
-                <p16:designElem xmlns:p16="http://schemas.microsoft.com/office/powerpoint/2015/main" xmlns="" val="1"/>
+                <p16:designElem xmlns="" xmlns:p16="http://schemas.microsoft.com/office/powerpoint/2015/main" val="1"/>
               </p:ext>
             </p:extLst>
           </p:nvPr>
@@ -14967,7 +14967,7 @@
           <p:cNvPr id="2" name="Titolo 1">
             <a:extLst>
               <a:ext uri="{FF2B5EF4-FFF2-40B4-BE49-F238E27FC236}">
-                <a16:creationId xmlns:a16="http://schemas.microsoft.com/office/drawing/2014/main" xmlns="" id="{41E39AAA-84F0-574A-AAED-DB0E69339B75}"/>
+                <a16:creationId xmlns="" xmlns:a16="http://schemas.microsoft.com/office/drawing/2014/main" id="{41E39AAA-84F0-574A-AAED-DB0E69339B75}"/>
               </a:ext>
             </a:extLst>
           </p:cNvPr>
@@ -15028,7 +15028,7 @@
           <p:cNvPr id="3" name="Sottotitolo 2">
             <a:extLst>
               <a:ext uri="{FF2B5EF4-FFF2-40B4-BE49-F238E27FC236}">
-                <a16:creationId xmlns:a16="http://schemas.microsoft.com/office/drawing/2014/main" xmlns="" id="{B1ADB9C9-3D30-F44D-BDC9-A4A75AD5A672}"/>
+                <a16:creationId xmlns="" xmlns:a16="http://schemas.microsoft.com/office/drawing/2014/main" id="{B1ADB9C9-3D30-F44D-BDC9-A4A75AD5A672}"/>
               </a:ext>
             </a:extLst>
           </p:cNvPr>
@@ -15120,21 +15120,21 @@
                 <a:gridCol w="1557495">
                   <a:extLst>
                     <a:ext uri="{9D8B030D-6E8A-4147-A177-3AD203B41FA5}">
-                      <a16:colId xmlns:a16="http://schemas.microsoft.com/office/drawing/2014/main" xmlns="" val="20000"/>
+                      <a16:colId xmlns="" xmlns:a16="http://schemas.microsoft.com/office/drawing/2014/main" val="20000"/>
                     </a:ext>
                   </a:extLst>
                 </a:gridCol>
                 <a:gridCol w="1637379">
                   <a:extLst>
                     <a:ext uri="{9D8B030D-6E8A-4147-A177-3AD203B41FA5}">
-                      <a16:colId xmlns:a16="http://schemas.microsoft.com/office/drawing/2014/main" xmlns="" val="20001"/>
+                      <a16:colId xmlns="" xmlns:a16="http://schemas.microsoft.com/office/drawing/2014/main" val="20001"/>
                     </a:ext>
                   </a:extLst>
                 </a:gridCol>
                 <a:gridCol w="1477611">
                   <a:extLst>
                     <a:ext uri="{9D8B030D-6E8A-4147-A177-3AD203B41FA5}">
-                      <a16:colId xmlns:a16="http://schemas.microsoft.com/office/drawing/2014/main" xmlns="" val="20002"/>
+                      <a16:colId xmlns="" xmlns:a16="http://schemas.microsoft.com/office/drawing/2014/main" val="20002"/>
                     </a:ext>
                   </a:extLst>
                 </a:gridCol>
@@ -15184,7 +15184,7 @@
                 </a:tc>
                 <a:extLst>
                   <a:ext uri="{0D108BD9-81ED-4DB2-BD59-A6C34878D82A}">
-                    <a16:rowId xmlns:a16="http://schemas.microsoft.com/office/drawing/2014/main" xmlns="" val="10000"/>
+                    <a16:rowId xmlns="" xmlns:a16="http://schemas.microsoft.com/office/drawing/2014/main" val="10000"/>
                   </a:ext>
                 </a:extLst>
               </a:tr>
@@ -15231,7 +15231,7 @@
                 </a:tc>
                 <a:extLst>
                   <a:ext uri="{0D108BD9-81ED-4DB2-BD59-A6C34878D82A}">
-                    <a16:rowId xmlns:a16="http://schemas.microsoft.com/office/drawing/2014/main" xmlns="" val="10001"/>
+                    <a16:rowId xmlns="" xmlns:a16="http://schemas.microsoft.com/office/drawing/2014/main" val="10001"/>
                   </a:ext>
                 </a:extLst>
               </a:tr>
@@ -15287,7 +15287,7 @@
                 </a:tc>
                 <a:extLst>
                   <a:ext uri="{0D108BD9-81ED-4DB2-BD59-A6C34878D82A}">
-                    <a16:rowId xmlns:a16="http://schemas.microsoft.com/office/drawing/2014/main" xmlns="" val="10002"/>
+                    <a16:rowId xmlns="" xmlns:a16="http://schemas.microsoft.com/office/drawing/2014/main" val="10002"/>
                   </a:ext>
                 </a:extLst>
               </a:tr>
@@ -15334,7 +15334,7 @@
                 </a:tc>
                 <a:extLst>
                   <a:ext uri="{0D108BD9-81ED-4DB2-BD59-A6C34878D82A}">
-                    <a16:rowId xmlns:a16="http://schemas.microsoft.com/office/drawing/2014/main" xmlns="" val="10003"/>
+                    <a16:rowId xmlns="" xmlns:a16="http://schemas.microsoft.com/office/drawing/2014/main" val="10003"/>
                   </a:ext>
                 </a:extLst>
               </a:tr>
@@ -15403,7 +15403,7 @@
     </p:spTree>
     <p:extLst>
       <p:ext uri="{BB962C8B-B14F-4D97-AF65-F5344CB8AC3E}">
-        <p14:creationId xmlns:p14="http://schemas.microsoft.com/office/powerpoint/2010/main" xmlns="" val="2609328390"/>
+        <p14:creationId xmlns="" xmlns:p14="http://schemas.microsoft.com/office/powerpoint/2010/main" val="2609328390"/>
       </p:ext>
     </p:extLst>
   </p:cSld>
@@ -15442,7 +15442,7 @@
           <p:cNvPr id="2" name="Titolo 1">
             <a:extLst>
               <a:ext uri="{FF2B5EF4-FFF2-40B4-BE49-F238E27FC236}">
-                <a16:creationId xmlns:a16="http://schemas.microsoft.com/office/drawing/2014/main" xmlns="" id="{5D73ED45-EE62-2B45-A9C7-B03EA7337517}"/>
+                <a16:creationId xmlns="" xmlns:a16="http://schemas.microsoft.com/office/drawing/2014/main" id="{5D73ED45-EE62-2B45-A9C7-B03EA7337517}"/>
               </a:ext>
             </a:extLst>
           </p:cNvPr>
@@ -15482,7 +15482,7 @@
           <p:cNvPr id="3" name="Segnaposto contenuto 2">
             <a:extLst>
               <a:ext uri="{FF2B5EF4-FFF2-40B4-BE49-F238E27FC236}">
-                <a16:creationId xmlns:a16="http://schemas.microsoft.com/office/drawing/2014/main" xmlns="" id="{5C459D56-CFA5-A34E-BAA3-821926BBFA27}"/>
+                <a16:creationId xmlns="" xmlns:a16="http://schemas.microsoft.com/office/drawing/2014/main" id="{5C459D56-CFA5-A34E-BAA3-821926BBFA27}"/>
               </a:ext>
             </a:extLst>
           </p:cNvPr>
@@ -15524,7 +15524,7 @@
           <p:cNvPr id="4" name="Segnaposto piè di pagina 3">
             <a:extLst>
               <a:ext uri="{FF2B5EF4-FFF2-40B4-BE49-F238E27FC236}">
-                <a16:creationId xmlns:a16="http://schemas.microsoft.com/office/drawing/2014/main" xmlns="" id="{6E618D9A-A5E7-E24A-8FBE-3F9AACD590F1}"/>
+                <a16:creationId xmlns="" xmlns:a16="http://schemas.microsoft.com/office/drawing/2014/main" id="{6E618D9A-A5E7-E24A-8FBE-3F9AACD590F1}"/>
               </a:ext>
             </a:extLst>
           </p:cNvPr>
@@ -15553,7 +15553,7 @@
           <p:cNvPr id="5" name="Segnaposto numero diapositiva 4">
             <a:extLst>
               <a:ext uri="{FF2B5EF4-FFF2-40B4-BE49-F238E27FC236}">
-                <a16:creationId xmlns:a16="http://schemas.microsoft.com/office/drawing/2014/main" xmlns="" id="{59FB03DF-1FB5-4B4E-AD52-6A1E62DD8A1D}"/>
+                <a16:creationId xmlns="" xmlns:a16="http://schemas.microsoft.com/office/drawing/2014/main" id="{59FB03DF-1FB5-4B4E-AD52-6A1E62DD8A1D}"/>
               </a:ext>
             </a:extLst>
           </p:cNvPr>
@@ -15581,7 +15581,7 @@
     </p:spTree>
     <p:extLst>
       <p:ext uri="{BB962C8B-B14F-4D97-AF65-F5344CB8AC3E}">
-        <p14:creationId xmlns:p14="http://schemas.microsoft.com/office/powerpoint/2010/main" xmlns="" val="3258943683"/>
+        <p14:creationId xmlns="" xmlns:p14="http://schemas.microsoft.com/office/powerpoint/2010/main" val="3258943683"/>
       </p:ext>
     </p:extLst>
   </p:cSld>
@@ -15621,10 +15621,10 @@
           <p:cNvPr id="11" name="Rectangle 10">
             <a:extLst>
               <a:ext uri="{FF2B5EF4-FFF2-40B4-BE49-F238E27FC236}">
-                <a16:creationId xmlns:a16="http://schemas.microsoft.com/office/drawing/2014/main" xmlns="" id="{9F4444CE-BC8D-4D61-B303-4C05614E62AB}"/>
+                <a16:creationId xmlns="" xmlns:a16="http://schemas.microsoft.com/office/drawing/2014/main" id="{9F4444CE-BC8D-4D61-B303-4C05614E62AB}"/>
               </a:ext>
               <a:ext uri="{C183D7F6-B498-43B3-948B-1728B52AA6E4}">
-                <adec:decorative xmlns:adec="http://schemas.microsoft.com/office/drawing/2017/decorative" xmlns="" val="1"/>
+                <adec:decorative xmlns="" xmlns:adec="http://schemas.microsoft.com/office/drawing/2017/decorative" val="1"/>
               </a:ext>
             </a:extLst>
           </p:cNvPr>
@@ -15634,7 +15634,7 @@
           <p:nvPr>
             <p:extLst>
               <p:ext uri="{386F3935-93C4-4BCD-93E2-E3B085C9AB24}">
-                <p16:designElem xmlns:p16="http://schemas.microsoft.com/office/powerpoint/2015/main" xmlns="" val="1"/>
+                <p16:designElem xmlns="" xmlns:p16="http://schemas.microsoft.com/office/powerpoint/2015/main" val="1"/>
               </p:ext>
             </p:extLst>
           </p:nvPr>
@@ -15681,7 +15681,7 @@
           <p:cNvPr id="2" name="Titolo 1">
             <a:extLst>
               <a:ext uri="{FF2B5EF4-FFF2-40B4-BE49-F238E27FC236}">
-                <a16:creationId xmlns:a16="http://schemas.microsoft.com/office/drawing/2014/main" xmlns="" id="{82A13A88-1286-4840-B73B-ED4798520CDB}"/>
+                <a16:creationId xmlns="" xmlns:a16="http://schemas.microsoft.com/office/drawing/2014/main" id="{82A13A88-1286-4840-B73B-ED4798520CDB}"/>
               </a:ext>
             </a:extLst>
           </p:cNvPr>
@@ -15716,10 +15716,10 @@
           <p:cNvPr id="13" name="Isosceles Triangle 12">
             <a:extLst>
               <a:ext uri="{FF2B5EF4-FFF2-40B4-BE49-F238E27FC236}">
-                <a16:creationId xmlns:a16="http://schemas.microsoft.com/office/drawing/2014/main" xmlns="" id="{73772B81-181F-48B7-8826-4D9686D15DF5}"/>
+                <a16:creationId xmlns="" xmlns:a16="http://schemas.microsoft.com/office/drawing/2014/main" id="{73772B81-181F-48B7-8826-4D9686D15DF5}"/>
               </a:ext>
               <a:ext uri="{C183D7F6-B498-43B3-948B-1728B52AA6E4}">
-                <adec:decorative xmlns:adec="http://schemas.microsoft.com/office/drawing/2017/decorative" xmlns="" val="1"/>
+                <adec:decorative xmlns="" xmlns:adec="http://schemas.microsoft.com/office/drawing/2017/decorative" val="1"/>
               </a:ext>
             </a:extLst>
           </p:cNvPr>
@@ -15729,7 +15729,7 @@
           <p:nvPr>
             <p:extLst>
               <p:ext uri="{386F3935-93C4-4BCD-93E2-E3B085C9AB24}">
-                <p16:designElem xmlns:p16="http://schemas.microsoft.com/office/powerpoint/2015/main" xmlns="" val="1"/>
+                <p16:designElem xmlns="" xmlns:p16="http://schemas.microsoft.com/office/powerpoint/2015/main" val="1"/>
               </p:ext>
             </p:extLst>
           </p:nvPr>
@@ -15774,7 +15774,7 @@
           <p:cNvPr id="4" name="Segnaposto piè di pagina 3">
             <a:extLst>
               <a:ext uri="{FF2B5EF4-FFF2-40B4-BE49-F238E27FC236}">
-                <a16:creationId xmlns:a16="http://schemas.microsoft.com/office/drawing/2014/main" xmlns="" id="{96F39C26-4AD6-0E45-9E97-C2AD57637CFA}"/>
+                <a16:creationId xmlns="" xmlns:a16="http://schemas.microsoft.com/office/drawing/2014/main" id="{96F39C26-4AD6-0E45-9E97-C2AD57637CFA}"/>
               </a:ext>
             </a:extLst>
           </p:cNvPr>
@@ -15814,7 +15814,7 @@
           <p:cNvPr id="5" name="Segnaposto numero diapositiva 4">
             <a:extLst>
               <a:ext uri="{FF2B5EF4-FFF2-40B4-BE49-F238E27FC236}">
-                <a16:creationId xmlns:a16="http://schemas.microsoft.com/office/drawing/2014/main" xmlns="" id="{A920B736-6239-F04A-A273-16C60B0D8D95}"/>
+                <a16:creationId xmlns="" xmlns:a16="http://schemas.microsoft.com/office/drawing/2014/main" id="{A920B736-6239-F04A-A273-16C60B0D8D95}"/>
               </a:ext>
             </a:extLst>
           </p:cNvPr>
@@ -15860,10 +15860,10 @@
           <p:cNvPr id="15" name="Isosceles Triangle 14">
             <a:extLst>
               <a:ext uri="{FF2B5EF4-FFF2-40B4-BE49-F238E27FC236}">
-                <a16:creationId xmlns:a16="http://schemas.microsoft.com/office/drawing/2014/main" xmlns="" id="{B2205F6E-03C6-4E92-877C-E2482F6599AA}"/>
+                <a16:creationId xmlns="" xmlns:a16="http://schemas.microsoft.com/office/drawing/2014/main" id="{B2205F6E-03C6-4E92-877C-E2482F6599AA}"/>
               </a:ext>
               <a:ext uri="{C183D7F6-B498-43B3-948B-1728B52AA6E4}">
-                <adec:decorative xmlns:adec="http://schemas.microsoft.com/office/drawing/2017/decorative" xmlns="" val="1"/>
+                <adec:decorative xmlns="" xmlns:adec="http://schemas.microsoft.com/office/drawing/2017/decorative" val="1"/>
               </a:ext>
             </a:extLst>
           </p:cNvPr>
@@ -15873,7 +15873,7 @@
           <p:nvPr>
             <p:extLst>
               <p:ext uri="{386F3935-93C4-4BCD-93E2-E3B085C9AB24}">
-                <p16:designElem xmlns:p16="http://schemas.microsoft.com/office/powerpoint/2015/main" xmlns="" val="1"/>
+                <p16:designElem xmlns="" xmlns:p16="http://schemas.microsoft.com/office/powerpoint/2015/main" val="1"/>
               </p:ext>
             </p:extLst>
           </p:nvPr>
@@ -15918,7 +15918,7 @@
           <p:cNvPr id="7" name="Segnaposto contenuto 2">
             <a:extLst>
               <a:ext uri="{FF2B5EF4-FFF2-40B4-BE49-F238E27FC236}">
-                <a16:creationId xmlns:a16="http://schemas.microsoft.com/office/drawing/2014/main" xmlns="" id="{BE484F61-2836-4977-8E95-4AC9C1403161}"/>
+                <a16:creationId xmlns="" xmlns:a16="http://schemas.microsoft.com/office/drawing/2014/main" id="{BE484F61-2836-4977-8E95-4AC9C1403161}"/>
               </a:ext>
             </a:extLst>
           </p:cNvPr>
@@ -15929,7 +15929,7 @@
             <p:ph idx="1"/>
             <p:extLst>
               <p:ext uri="{D42A27DB-BD31-4B8C-83A1-F6EECF244321}">
-                <p14:modId xmlns:p14="http://schemas.microsoft.com/office/powerpoint/2010/main" xmlns="" val="1338885174"/>
+                <p14:modId xmlns="" xmlns:p14="http://schemas.microsoft.com/office/powerpoint/2010/main" val="1338885174"/>
               </p:ext>
             </p:extLst>
           </p:nvPr>
@@ -15947,7 +15947,7 @@
     </p:spTree>
     <p:extLst>
       <p:ext uri="{BB962C8B-B14F-4D97-AF65-F5344CB8AC3E}">
-        <p14:creationId xmlns:p14="http://schemas.microsoft.com/office/powerpoint/2010/main" xmlns="" val="3559468118"/>
+        <p14:creationId xmlns="" xmlns:p14="http://schemas.microsoft.com/office/powerpoint/2010/main" val="3559468118"/>
       </p:ext>
     </p:extLst>
   </p:cSld>
@@ -15979,7 +15979,7 @@
           <p:cNvPr id="2" name="Titolo 1">
             <a:extLst>
               <a:ext uri="{FF2B5EF4-FFF2-40B4-BE49-F238E27FC236}">
-                <a16:creationId xmlns:a16="http://schemas.microsoft.com/office/drawing/2014/main" xmlns="" id="{DCB205BC-EE86-8741-8B53-9E26404A018B}"/>
+                <a16:creationId xmlns="" xmlns:a16="http://schemas.microsoft.com/office/drawing/2014/main" id="{DCB205BC-EE86-8741-8B53-9E26404A018B}"/>
               </a:ext>
             </a:extLst>
           </p:cNvPr>
@@ -16029,7 +16029,7 @@
           <p:cNvPr id="4" name="Segnaposto piè di pagina 3">
             <a:extLst>
               <a:ext uri="{FF2B5EF4-FFF2-40B4-BE49-F238E27FC236}">
-                <a16:creationId xmlns:a16="http://schemas.microsoft.com/office/drawing/2014/main" xmlns="" id="{F0084FF5-373D-0A4D-8F20-B711E60CF84A}"/>
+                <a16:creationId xmlns="" xmlns:a16="http://schemas.microsoft.com/office/drawing/2014/main" id="{F0084FF5-373D-0A4D-8F20-B711E60CF84A}"/>
               </a:ext>
             </a:extLst>
           </p:cNvPr>
@@ -16058,7 +16058,7 @@
           <p:cNvPr id="5" name="Segnaposto numero diapositiva 4">
             <a:extLst>
               <a:ext uri="{FF2B5EF4-FFF2-40B4-BE49-F238E27FC236}">
-                <a16:creationId xmlns:a16="http://schemas.microsoft.com/office/drawing/2014/main" xmlns="" id="{7B615658-01AA-F748-B7D9-A620574A53EA}"/>
+                <a16:creationId xmlns="" xmlns:a16="http://schemas.microsoft.com/office/drawing/2014/main" id="{7B615658-01AA-F748-B7D9-A620574A53EA}"/>
               </a:ext>
             </a:extLst>
           </p:cNvPr>
@@ -16088,7 +16088,7 @@
           <p:cNvPr id="15" name="CasellaDiTesto 14">
             <a:extLst>
               <a:ext uri="{FF2B5EF4-FFF2-40B4-BE49-F238E27FC236}">
-                <a16:creationId xmlns:a16="http://schemas.microsoft.com/office/drawing/2014/main" xmlns="" id="{9886809E-F48D-7742-B073-EBFFE60B3E30}"/>
+                <a16:creationId xmlns="" xmlns:a16="http://schemas.microsoft.com/office/drawing/2014/main" id="{9886809E-F48D-7742-B073-EBFFE60B3E30}"/>
               </a:ext>
             </a:extLst>
           </p:cNvPr>
@@ -16291,7 +16291,7 @@
     </p:spTree>
     <p:extLst>
       <p:ext uri="{BB962C8B-B14F-4D97-AF65-F5344CB8AC3E}">
-        <p14:creationId xmlns:p14="http://schemas.microsoft.com/office/powerpoint/2010/main" xmlns="" val="1299155168"/>
+        <p14:creationId xmlns="" xmlns:p14="http://schemas.microsoft.com/office/powerpoint/2010/main" val="1299155168"/>
       </p:ext>
     </p:extLst>
   </p:cSld>
@@ -16323,7 +16323,7 @@
           <p:cNvPr id="2" name="Titolo 1">
             <a:extLst>
               <a:ext uri="{FF2B5EF4-FFF2-40B4-BE49-F238E27FC236}">
-                <a16:creationId xmlns:a16="http://schemas.microsoft.com/office/drawing/2014/main" xmlns="" id="{1F43EA38-7198-1842-8F66-2ACD781D90E4}"/>
+                <a16:creationId xmlns="" xmlns:a16="http://schemas.microsoft.com/office/drawing/2014/main" id="{1F43EA38-7198-1842-8F66-2ACD781D90E4}"/>
               </a:ext>
             </a:extLst>
           </p:cNvPr>
@@ -16361,7 +16361,7 @@
           <p:cNvPr id="3" name="Segnaposto contenuto 2">
             <a:extLst>
               <a:ext uri="{FF2B5EF4-FFF2-40B4-BE49-F238E27FC236}">
-                <a16:creationId xmlns:a16="http://schemas.microsoft.com/office/drawing/2014/main" xmlns="" id="{17DD1FE0-26DC-EE47-93E9-758F1A82416D}"/>
+                <a16:creationId xmlns="" xmlns:a16="http://schemas.microsoft.com/office/drawing/2014/main" id="{17DD1FE0-26DC-EE47-93E9-758F1A82416D}"/>
               </a:ext>
             </a:extLst>
           </p:cNvPr>
@@ -16569,7 +16569,7 @@
           <p:cNvPr id="4" name="Segnaposto piè di pagina 3">
             <a:extLst>
               <a:ext uri="{FF2B5EF4-FFF2-40B4-BE49-F238E27FC236}">
-                <a16:creationId xmlns:a16="http://schemas.microsoft.com/office/drawing/2014/main" xmlns="" id="{99F581BA-59BF-C842-909A-7D69F8EBC6EC}"/>
+                <a16:creationId xmlns="" xmlns:a16="http://schemas.microsoft.com/office/drawing/2014/main" id="{99F581BA-59BF-C842-909A-7D69F8EBC6EC}"/>
               </a:ext>
             </a:extLst>
           </p:cNvPr>
@@ -16598,7 +16598,7 @@
           <p:cNvPr id="5" name="Segnaposto numero diapositiva 4">
             <a:extLst>
               <a:ext uri="{FF2B5EF4-FFF2-40B4-BE49-F238E27FC236}">
-                <a16:creationId xmlns:a16="http://schemas.microsoft.com/office/drawing/2014/main" xmlns="" id="{5BA999B2-1E71-3242-9F32-AA4400010A80}"/>
+                <a16:creationId xmlns="" xmlns:a16="http://schemas.microsoft.com/office/drawing/2014/main" id="{5BA999B2-1E71-3242-9F32-AA4400010A80}"/>
               </a:ext>
             </a:extLst>
           </p:cNvPr>
@@ -16876,7 +16876,7 @@
     </p:spTree>
     <p:extLst>
       <p:ext uri="{BB962C8B-B14F-4D97-AF65-F5344CB8AC3E}">
-        <p14:creationId xmlns:p14="http://schemas.microsoft.com/office/powerpoint/2010/main" xmlns="" val="3167436109"/>
+        <p14:creationId xmlns="" xmlns:p14="http://schemas.microsoft.com/office/powerpoint/2010/main" val="3167436109"/>
       </p:ext>
     </p:extLst>
   </p:cSld>
@@ -16908,7 +16908,7 @@
           <p:cNvPr id="2" name="Titolo 1">
             <a:extLst>
               <a:ext uri="{FF2B5EF4-FFF2-40B4-BE49-F238E27FC236}">
-                <a16:creationId xmlns:a16="http://schemas.microsoft.com/office/drawing/2014/main" xmlns="" id="{1F43EA38-7198-1842-8F66-2ACD781D90E4}"/>
+                <a16:creationId xmlns="" xmlns:a16="http://schemas.microsoft.com/office/drawing/2014/main" id="{1F43EA38-7198-1842-8F66-2ACD781D90E4}"/>
               </a:ext>
             </a:extLst>
           </p:cNvPr>
@@ -16946,7 +16946,7 @@
           <p:cNvPr id="3" name="Segnaposto contenuto 2">
             <a:extLst>
               <a:ext uri="{FF2B5EF4-FFF2-40B4-BE49-F238E27FC236}">
-                <a16:creationId xmlns:a16="http://schemas.microsoft.com/office/drawing/2014/main" xmlns="" id="{17DD1FE0-26DC-EE47-93E9-758F1A82416D}"/>
+                <a16:creationId xmlns="" xmlns:a16="http://schemas.microsoft.com/office/drawing/2014/main" id="{17DD1FE0-26DC-EE47-93E9-758F1A82416D}"/>
               </a:ext>
             </a:extLst>
           </p:cNvPr>
@@ -16997,7 +16997,7 @@
           <p:cNvPr id="4" name="Segnaposto piè di pagina 3">
             <a:extLst>
               <a:ext uri="{FF2B5EF4-FFF2-40B4-BE49-F238E27FC236}">
-                <a16:creationId xmlns:a16="http://schemas.microsoft.com/office/drawing/2014/main" xmlns="" id="{99F581BA-59BF-C842-909A-7D69F8EBC6EC}"/>
+                <a16:creationId xmlns="" xmlns:a16="http://schemas.microsoft.com/office/drawing/2014/main" id="{99F581BA-59BF-C842-909A-7D69F8EBC6EC}"/>
               </a:ext>
             </a:extLst>
           </p:cNvPr>
@@ -17029,7 +17029,7 @@
           <p:cNvPr id="5" name="Segnaposto numero diapositiva 4">
             <a:extLst>
               <a:ext uri="{FF2B5EF4-FFF2-40B4-BE49-F238E27FC236}">
-                <a16:creationId xmlns:a16="http://schemas.microsoft.com/office/drawing/2014/main" xmlns="" id="{5BA999B2-1E71-3242-9F32-AA4400010A80}"/>
+                <a16:creationId xmlns="" xmlns:a16="http://schemas.microsoft.com/office/drawing/2014/main" id="{5BA999B2-1E71-3242-9F32-AA4400010A80}"/>
               </a:ext>
             </a:extLst>
           </p:cNvPr>
@@ -17083,7 +17083,7 @@
     </p:spTree>
     <p:extLst>
       <p:ext uri="{BB962C8B-B14F-4D97-AF65-F5344CB8AC3E}">
-        <p14:creationId xmlns:p14="http://schemas.microsoft.com/office/powerpoint/2010/main" xmlns="" val="2163215880"/>
+        <p14:creationId xmlns="" xmlns:p14="http://schemas.microsoft.com/office/powerpoint/2010/main" val="2163215880"/>
       </p:ext>
     </p:extLst>
   </p:cSld>
@@ -17560,7 +17560,7 @@
           <p:cNvPr id="3" name="Segnaposto contenuto 2">
             <a:extLst>
               <a:ext uri="{FF2B5EF4-FFF2-40B4-BE49-F238E27FC236}">
-                <a16:creationId xmlns:a16="http://schemas.microsoft.com/office/drawing/2014/main" xmlns="" id="{FFFDE446-7210-F64F-B1A5-20B34C5813D6}"/>
+                <a16:creationId xmlns="" xmlns:a16="http://schemas.microsoft.com/office/drawing/2014/main" id="{FFFDE446-7210-F64F-B1A5-20B34C5813D6}"/>
               </a:ext>
             </a:extLst>
           </p:cNvPr>
@@ -17724,7 +17724,7 @@
           <p:cNvPr id="4" name="Segnaposto piè di pagina 3">
             <a:extLst>
               <a:ext uri="{FF2B5EF4-FFF2-40B4-BE49-F238E27FC236}">
-                <a16:creationId xmlns:a16="http://schemas.microsoft.com/office/drawing/2014/main" xmlns="" id="{7BEA13E5-1936-9340-8D03-C6FA72C9587F}"/>
+                <a16:creationId xmlns="" xmlns:a16="http://schemas.microsoft.com/office/drawing/2014/main" id="{7BEA13E5-1936-9340-8D03-C6FA72C9587F}"/>
               </a:ext>
             </a:extLst>
           </p:cNvPr>
@@ -17756,7 +17756,7 @@
           <p:cNvPr id="5" name="Segnaposto numero diapositiva 4">
             <a:extLst>
               <a:ext uri="{FF2B5EF4-FFF2-40B4-BE49-F238E27FC236}">
-                <a16:creationId xmlns:a16="http://schemas.microsoft.com/office/drawing/2014/main" xmlns="" id="{577F604D-4F99-A94E-A1D1-9E1951821D70}"/>
+                <a16:creationId xmlns="" xmlns:a16="http://schemas.microsoft.com/office/drawing/2014/main" id="{577F604D-4F99-A94E-A1D1-9E1951821D70}"/>
               </a:ext>
             </a:extLst>
           </p:cNvPr>
@@ -17784,7 +17784,7 @@
     </p:spTree>
     <p:extLst>
       <p:ext uri="{BB962C8B-B14F-4D97-AF65-F5344CB8AC3E}">
-        <p14:creationId xmlns:p14="http://schemas.microsoft.com/office/powerpoint/2010/main" xmlns="" val="152750251"/>
+        <p14:creationId xmlns="" xmlns:p14="http://schemas.microsoft.com/office/powerpoint/2010/main" val="152750251"/>
       </p:ext>
     </p:extLst>
   </p:cSld>
@@ -17823,7 +17823,7 @@
           <p:cNvPr id="2" name="Titolo 1">
             <a:extLst>
               <a:ext uri="{FF2B5EF4-FFF2-40B4-BE49-F238E27FC236}">
-                <a16:creationId xmlns:a16="http://schemas.microsoft.com/office/drawing/2014/main" xmlns="" id="{A8404C61-E819-1045-8CC4-156C066857FE}"/>
+                <a16:creationId xmlns="" xmlns:a16="http://schemas.microsoft.com/office/drawing/2014/main" id="{A8404C61-E819-1045-8CC4-156C066857FE}"/>
               </a:ext>
             </a:extLst>
           </p:cNvPr>
@@ -17871,7 +17871,7 @@
           <p:cNvPr id="5" name="Segnaposto contenuto 4" descr="Immagine che contiene testo, tavolo&#10;&#10;Descrizione generata automaticamente">
             <a:extLst>
               <a:ext uri="{FF2B5EF4-FFF2-40B4-BE49-F238E27FC236}">
-                <a16:creationId xmlns:a16="http://schemas.microsoft.com/office/drawing/2014/main" xmlns="" id="{6AD3680A-B307-1443-8174-14CACF041985}"/>
+                <a16:creationId xmlns="" xmlns:a16="http://schemas.microsoft.com/office/drawing/2014/main" id="{6AD3680A-B307-1443-8174-14CACF041985}"/>
               </a:ext>
             </a:extLst>
           </p:cNvPr>
@@ -17890,7 +17890,7 @@
         </p:blipFill>
         <p:spPr>
           <a:xfrm>
-            <a:off x="4492060" y="1322775"/>
+            <a:off x="4492060" y="1523583"/>
             <a:ext cx="7536865" cy="4289749"/>
           </a:xfrm>
           <a:ln>
@@ -17905,7 +17905,7 @@
           <p:cNvPr id="9" name="Immagine 8" descr="Immagine che contiene testo&#10;&#10;Descrizione generata automaticamente">
             <a:extLst>
               <a:ext uri="{FF2B5EF4-FFF2-40B4-BE49-F238E27FC236}">
-                <a16:creationId xmlns:a16="http://schemas.microsoft.com/office/drawing/2014/main" xmlns="" id="{67DE1FD3-587F-CF41-8141-551DF1540A15}"/>
+                <a16:creationId xmlns="" xmlns:a16="http://schemas.microsoft.com/office/drawing/2014/main" id="{67DE1FD3-587F-CF41-8141-551DF1540A15}"/>
               </a:ext>
             </a:extLst>
           </p:cNvPr>
@@ -17940,7 +17940,7 @@
           <p:cNvPr id="12" name="CasellaDiTesto 11">
             <a:extLst>
               <a:ext uri="{FF2B5EF4-FFF2-40B4-BE49-F238E27FC236}">
-                <a16:creationId xmlns:a16="http://schemas.microsoft.com/office/drawing/2014/main" xmlns="" id="{FA08A4FC-1285-814D-A2E9-0A92A49C5417}"/>
+                <a16:creationId xmlns="" xmlns:a16="http://schemas.microsoft.com/office/drawing/2014/main" id="{FA08A4FC-1285-814D-A2E9-0A92A49C5417}"/>
               </a:ext>
             </a:extLst>
           </p:cNvPr>
@@ -17949,7 +17949,7 @@
         </p:nvSpPr>
         <p:spPr>
           <a:xfrm>
-            <a:off x="677334" y="1269860"/>
+            <a:off x="677334" y="1523583"/>
             <a:ext cx="3781425" cy="2800767"/>
           </a:xfrm>
           <a:prstGeom prst="rect">
@@ -17964,56 +17964,173 @@
           <a:lstStyle/>
           <a:p>
             <a:r>
-              <a:rPr lang="it-IT" sz="1600" dirty="0" err="1" smtClean="0"/>
+              <a:rPr lang="it-IT" dirty="0" err="1" smtClean="0"/>
               <a:t>We</a:t>
             </a:r>
             <a:r>
-              <a:rPr lang="it-IT" sz="1600" dirty="0" smtClean="0"/>
+              <a:rPr lang="it-IT" dirty="0" smtClean="0"/>
               <a:t> </a:t>
             </a:r>
             <a:r>
-              <a:rPr lang="it-IT" sz="1600" dirty="0" err="1" smtClean="0"/>
+              <a:rPr lang="it-IT" dirty="0" err="1" smtClean="0"/>
               <a:t>have</a:t>
             </a:r>
             <a:r>
-              <a:rPr lang="it-IT" sz="1600" dirty="0" smtClean="0"/>
+              <a:rPr lang="it-IT" dirty="0" smtClean="0"/>
               <a:t> </a:t>
             </a:r>
             <a:r>
-              <a:rPr lang="it-IT" sz="1600" dirty="0" err="1" smtClean="0"/>
+              <a:rPr lang="it-IT" dirty="0" err="1" smtClean="0"/>
               <a:t>selected</a:t>
             </a:r>
             <a:r>
-              <a:rPr lang="it-IT" sz="1600" dirty="0" smtClean="0"/>
+              <a:rPr lang="it-IT" dirty="0" smtClean="0"/>
               <a:t> </a:t>
             </a:r>
             <a:r>
-              <a:rPr lang="it-IT" sz="1600" dirty="0" err="1" smtClean="0"/>
+              <a:rPr lang="it-IT" dirty="0" err="1" smtClean="0"/>
               <a:t>sequences</a:t>
             </a:r>
             <a:r>
-              <a:rPr lang="it-IT" sz="1600" dirty="0" smtClean="0"/>
+              <a:rPr lang="it-IT" dirty="0" smtClean="0"/>
               <a:t> from 2 </a:t>
             </a:r>
             <a:r>
-              <a:rPr lang="it-IT" sz="1600" dirty="0" err="1" smtClean="0"/>
+              <a:rPr lang="it-IT" dirty="0" err="1" smtClean="0"/>
               <a:t>geographic</a:t>
             </a:r>
             <a:r>
-              <a:rPr lang="it-IT" sz="1600" dirty="0" smtClean="0"/>
+              <a:rPr lang="it-IT" dirty="0" smtClean="0"/>
               <a:t> </a:t>
             </a:r>
             <a:r>
-              <a:rPr lang="it-IT" sz="1600" dirty="0" err="1" smtClean="0"/>
+              <a:rPr lang="it-IT" dirty="0" err="1" smtClean="0"/>
               <a:t>regions</a:t>
             </a:r>
             <a:r>
-              <a:rPr lang="it-IT" sz="1600" dirty="0" smtClean="0"/>
+              <a:rPr lang="it-IT" dirty="0" smtClean="0"/>
               <a:t>: India and </a:t>
             </a:r>
             <a:r>
-              <a:rPr lang="it-IT" sz="1600" dirty="0" err="1" smtClean="0"/>
+              <a:rPr lang="it-IT" dirty="0" err="1" smtClean="0"/>
               <a:t>Italy</a:t>
+            </a:r>
+            <a:r>
+              <a:rPr lang="it-IT" dirty="0" smtClean="0"/>
+              <a:t>.</a:t>
+            </a:r>
+          </a:p>
+          <a:p>
+            <a:endParaRPr lang="it-IT" dirty="0"/>
+          </a:p>
+          <a:p>
+            <a:r>
+              <a:rPr lang="it-IT" dirty="0" err="1" smtClean="0"/>
+              <a:t>Our</a:t>
+            </a:r>
+            <a:r>
+              <a:rPr lang="it-IT" dirty="0" smtClean="0"/>
+              <a:t> </a:t>
+            </a:r>
+            <a:r>
+              <a:rPr lang="it-IT" dirty="0" err="1" smtClean="0"/>
+              <a:t>sequences</a:t>
+            </a:r>
+            <a:r>
+              <a:rPr lang="it-IT" dirty="0" smtClean="0"/>
+              <a:t> </a:t>
+            </a:r>
+            <a:r>
+              <a:rPr lang="it-IT" dirty="0" err="1" smtClean="0"/>
+              <a:t>length’s</a:t>
+            </a:r>
+            <a:r>
+              <a:rPr lang="it-IT" dirty="0" smtClean="0"/>
+              <a:t> </a:t>
+            </a:r>
+            <a:r>
+              <a:rPr lang="it-IT" dirty="0" err="1" smtClean="0"/>
+              <a:t>range</a:t>
+            </a:r>
+            <a:r>
+              <a:rPr lang="it-IT" dirty="0" smtClean="0"/>
+              <a:t> </a:t>
+            </a:r>
+            <a:r>
+              <a:rPr lang="it-IT" dirty="0" err="1" smtClean="0"/>
+              <a:t>is</a:t>
+            </a:r>
+            <a:r>
+              <a:rPr lang="it-IT" dirty="0" smtClean="0"/>
+              <a:t> </a:t>
+            </a:r>
+            <a:r>
+              <a:rPr lang="it-IT" dirty="0" err="1" smtClean="0"/>
+              <a:t>between</a:t>
+            </a:r>
+            <a:r>
+              <a:rPr lang="it-IT" dirty="0" smtClean="0"/>
+              <a:t> a </a:t>
+            </a:r>
+            <a:r>
+              <a:rPr lang="it-IT" dirty="0" err="1" smtClean="0"/>
+              <a:t>min</a:t>
+            </a:r>
+            <a:r>
+              <a:rPr lang="it-IT" dirty="0" smtClean="0"/>
+              <a:t> </a:t>
+            </a:r>
+            <a:r>
+              <a:rPr lang="it-IT" dirty="0" err="1" smtClean="0"/>
+              <a:t>value</a:t>
+            </a:r>
+            <a:r>
+              <a:rPr lang="it-IT" dirty="0" smtClean="0"/>
+              <a:t> of 29000 and a </a:t>
+            </a:r>
+            <a:r>
+              <a:rPr lang="it-IT" dirty="0" err="1" smtClean="0"/>
+              <a:t>max</a:t>
+            </a:r>
+            <a:r>
+              <a:rPr lang="it-IT" dirty="0" smtClean="0"/>
+              <a:t> </a:t>
+            </a:r>
+            <a:r>
+              <a:rPr lang="it-IT" dirty="0" err="1" smtClean="0"/>
+              <a:t>value</a:t>
+            </a:r>
+            <a:r>
+              <a:rPr lang="it-IT" dirty="0" smtClean="0"/>
+              <a:t> of 30000, in </a:t>
+            </a:r>
+            <a:r>
+              <a:rPr lang="it-IT" dirty="0" err="1" smtClean="0"/>
+              <a:t>order</a:t>
+            </a:r>
+            <a:r>
+              <a:rPr lang="it-IT" dirty="0" smtClean="0"/>
+              <a:t> to </a:t>
+            </a:r>
+            <a:r>
+              <a:rPr lang="it-IT" dirty="0" err="1" smtClean="0"/>
+              <a:t>minimize</a:t>
+            </a:r>
+            <a:r>
+              <a:rPr lang="it-IT" dirty="0" smtClean="0"/>
+              <a:t> the gap </a:t>
+            </a:r>
+            <a:r>
+              <a:rPr lang="it-IT" dirty="0" err="1" smtClean="0"/>
+              <a:t>among</a:t>
+            </a:r>
+            <a:r>
+              <a:rPr lang="it-IT" dirty="0" smtClean="0"/>
+              <a:t> </a:t>
+            </a:r>
+            <a:r>
+              <a:rPr lang="it-IT" dirty="0" err="1" smtClean="0"/>
+              <a:t>them</a:t>
             </a:r>
             <a:r>
               <a:rPr lang="it-IT" sz="1600" dirty="0" smtClean="0"/>
@@ -18021,182 +18138,6 @@
             </a:r>
           </a:p>
           <a:p>
-            <a:endParaRPr lang="it-IT" sz="1600" dirty="0"/>
-          </a:p>
-          <a:p>
-            <a:r>
-              <a:rPr lang="it-IT" sz="1600" dirty="0" err="1" smtClean="0"/>
-              <a:t>Our</a:t>
-            </a:r>
-            <a:r>
-              <a:rPr lang="it-IT" sz="1600" dirty="0" smtClean="0"/>
-              <a:t> </a:t>
-            </a:r>
-            <a:r>
-              <a:rPr lang="it-IT" sz="1600" dirty="0" err="1" smtClean="0"/>
-              <a:t>sequences</a:t>
-            </a:r>
-            <a:r>
-              <a:rPr lang="it-IT" sz="1600" dirty="0" smtClean="0"/>
-              <a:t> </a:t>
-            </a:r>
-            <a:r>
-              <a:rPr lang="it-IT" sz="1600" dirty="0" err="1" smtClean="0"/>
-              <a:t>length’s</a:t>
-            </a:r>
-            <a:r>
-              <a:rPr lang="it-IT" sz="1600" dirty="0" smtClean="0"/>
-              <a:t> </a:t>
-            </a:r>
-            <a:r>
-              <a:rPr lang="it-IT" sz="1600" dirty="0" err="1" smtClean="0"/>
-              <a:t>range</a:t>
-            </a:r>
-            <a:r>
-              <a:rPr lang="it-IT" sz="1600" dirty="0" smtClean="0"/>
-              <a:t> </a:t>
-            </a:r>
-            <a:r>
-              <a:rPr lang="it-IT" sz="1600" dirty="0" err="1" smtClean="0"/>
-              <a:t>is</a:t>
-            </a:r>
-            <a:r>
-              <a:rPr lang="it-IT" sz="1600" dirty="0" smtClean="0"/>
-              <a:t> </a:t>
-            </a:r>
-            <a:r>
-              <a:rPr lang="it-IT" sz="1600" dirty="0" err="1" smtClean="0"/>
-              <a:t>between</a:t>
-            </a:r>
-            <a:r>
-              <a:rPr lang="it-IT" sz="1600" dirty="0" smtClean="0"/>
-              <a:t> a </a:t>
-            </a:r>
-            <a:r>
-              <a:rPr lang="it-IT" sz="1600" dirty="0" err="1" smtClean="0"/>
-              <a:t>min</a:t>
-            </a:r>
-            <a:r>
-              <a:rPr lang="it-IT" sz="1600" dirty="0" smtClean="0"/>
-              <a:t> </a:t>
-            </a:r>
-            <a:r>
-              <a:rPr lang="it-IT" sz="1600" dirty="0" err="1" smtClean="0"/>
-              <a:t>value</a:t>
-            </a:r>
-            <a:r>
-              <a:rPr lang="it-IT" sz="1600" dirty="0" smtClean="0"/>
-              <a:t> of 29000 and a </a:t>
-            </a:r>
-            <a:r>
-              <a:rPr lang="it-IT" sz="1600" dirty="0" err="1" smtClean="0"/>
-              <a:t>max</a:t>
-            </a:r>
-            <a:r>
-              <a:rPr lang="it-IT" sz="1600" dirty="0" smtClean="0"/>
-              <a:t> </a:t>
-            </a:r>
-            <a:r>
-              <a:rPr lang="it-IT" sz="1600" dirty="0" err="1" smtClean="0"/>
-              <a:t>value</a:t>
-            </a:r>
-            <a:r>
-              <a:rPr lang="it-IT" sz="1600" dirty="0" smtClean="0"/>
-              <a:t> of 30000, in </a:t>
-            </a:r>
-            <a:r>
-              <a:rPr lang="it-IT" sz="1600" dirty="0" err="1" smtClean="0"/>
-              <a:t>order</a:t>
-            </a:r>
-            <a:r>
-              <a:rPr lang="it-IT" sz="1600" dirty="0" smtClean="0"/>
-              <a:t> to </a:t>
-            </a:r>
-            <a:r>
-              <a:rPr lang="it-IT" sz="1600" dirty="0" err="1" smtClean="0"/>
-              <a:t>minimize</a:t>
-            </a:r>
-            <a:r>
-              <a:rPr lang="it-IT" sz="1600" dirty="0" smtClean="0"/>
-              <a:t> the gap </a:t>
-            </a:r>
-            <a:r>
-              <a:rPr lang="it-IT" sz="1600" dirty="0" err="1" smtClean="0"/>
-              <a:t>among</a:t>
-            </a:r>
-            <a:r>
-              <a:rPr lang="it-IT" sz="1600" dirty="0" smtClean="0"/>
-              <a:t> </a:t>
-            </a:r>
-            <a:r>
-              <a:rPr lang="it-IT" sz="1600" dirty="0" err="1" smtClean="0"/>
-              <a:t>them</a:t>
-            </a:r>
-            <a:r>
-              <a:rPr lang="it-IT" sz="1600" dirty="0" smtClean="0"/>
-              <a:t>.</a:t>
-            </a:r>
-          </a:p>
-          <a:p>
-            <a:endParaRPr lang="it-IT" sz="1600" dirty="0"/>
-          </a:p>
-          <a:p>
-            <a:r>
-              <a:rPr lang="it-IT" sz="1600" dirty="0" err="1" smtClean="0"/>
-              <a:t>We</a:t>
-            </a:r>
-            <a:r>
-              <a:rPr lang="it-IT" sz="1600" dirty="0" smtClean="0"/>
-              <a:t> </a:t>
-            </a:r>
-            <a:r>
-              <a:rPr lang="it-IT" sz="1600" dirty="0" err="1" smtClean="0"/>
-              <a:t>have</a:t>
-            </a:r>
-            <a:r>
-              <a:rPr lang="it-IT" sz="1600" dirty="0" smtClean="0"/>
-              <a:t> </a:t>
-            </a:r>
-            <a:r>
-              <a:rPr lang="it-IT" sz="1600" dirty="0" err="1" smtClean="0"/>
-              <a:t>selected</a:t>
-            </a:r>
-            <a:r>
-              <a:rPr lang="it-IT" sz="1600" dirty="0" smtClean="0"/>
-              <a:t> </a:t>
-            </a:r>
-            <a:r>
-              <a:rPr lang="it-IT" sz="1600" dirty="0" err="1" smtClean="0"/>
-              <a:t>sequences</a:t>
-            </a:r>
-            <a:r>
-              <a:rPr lang="it-IT" sz="1600" dirty="0" smtClean="0"/>
-              <a:t> with a 3-months </a:t>
-            </a:r>
-            <a:r>
-              <a:rPr lang="it-IT" sz="1600" dirty="0" err="1" smtClean="0"/>
-              <a:t>interval</a:t>
-            </a:r>
-            <a:r>
-              <a:rPr lang="it-IT" sz="1600" dirty="0" smtClean="0"/>
-              <a:t>, to </a:t>
-            </a:r>
-            <a:r>
-              <a:rPr lang="it-IT" sz="1600" dirty="0" err="1" smtClean="0"/>
-              <a:t>increase</a:t>
-            </a:r>
-            <a:r>
-              <a:rPr lang="it-IT" sz="1600" dirty="0" smtClean="0"/>
-              <a:t> </a:t>
-            </a:r>
-            <a:r>
-              <a:rPr lang="it-IT" sz="1600" dirty="0" err="1" smtClean="0"/>
-              <a:t>accuracy</a:t>
-            </a:r>
-            <a:r>
-              <a:rPr lang="it-IT" sz="1600" dirty="0" smtClean="0"/>
-              <a:t>.</a:t>
-            </a:r>
             <a:endParaRPr lang="it-IT" sz="1600" dirty="0"/>
           </a:p>
           <a:p>
@@ -18209,7 +18150,7 @@
           <p:cNvPr id="3" name="Segnaposto piè di pagina 2">
             <a:extLst>
               <a:ext uri="{FF2B5EF4-FFF2-40B4-BE49-F238E27FC236}">
-                <a16:creationId xmlns:a16="http://schemas.microsoft.com/office/drawing/2014/main" xmlns="" id="{04053313-C97E-1B4B-A7F2-9EE0F47D8929}"/>
+                <a16:creationId xmlns="" xmlns:a16="http://schemas.microsoft.com/office/drawing/2014/main" id="{04053313-C97E-1B4B-A7F2-9EE0F47D8929}"/>
               </a:ext>
             </a:extLst>
           </p:cNvPr>
@@ -18241,7 +18182,7 @@
           <p:cNvPr id="4" name="Segnaposto numero diapositiva 3">
             <a:extLst>
               <a:ext uri="{FF2B5EF4-FFF2-40B4-BE49-F238E27FC236}">
-                <a16:creationId xmlns:a16="http://schemas.microsoft.com/office/drawing/2014/main" xmlns="" id="{38E32A06-4A3E-5546-BDBF-9D8E866BB7E5}"/>
+                <a16:creationId xmlns="" xmlns:a16="http://schemas.microsoft.com/office/drawing/2014/main" id="{38E32A06-4A3E-5546-BDBF-9D8E866BB7E5}"/>
               </a:ext>
             </a:extLst>
           </p:cNvPr>
@@ -18271,7 +18212,7 @@
           <p:cNvPr id="6" name="CasellaDiTesto 5">
             <a:extLst>
               <a:ext uri="{FF2B5EF4-FFF2-40B4-BE49-F238E27FC236}">
-                <a16:creationId xmlns:a16="http://schemas.microsoft.com/office/drawing/2014/main" xmlns="" id="{BCA93B6D-4612-7A4B-8B45-AC6740C4A9F5}"/>
+                <a16:creationId xmlns="" xmlns:a16="http://schemas.microsoft.com/office/drawing/2014/main" id="{BCA93B6D-4612-7A4B-8B45-AC6740C4A9F5}"/>
               </a:ext>
             </a:extLst>
           </p:cNvPr>
@@ -18303,7 +18244,7 @@
                 <a:hlinkClick r:id="rId4">
                   <a:extLst>
                     <a:ext uri="{A12FA001-AC4F-418D-AE19-62706E023703}">
-                      <ahyp:hlinkClr xmlns:ahyp="http://schemas.microsoft.com/office/drawing/2018/hyperlinkcolor" xmlns="" val="tx"/>
+                      <ahyp:hlinkClr xmlns="" xmlns:ahyp="http://schemas.microsoft.com/office/drawing/2018/hyperlinkcolor" val="tx"/>
                     </a:ext>
                   </a:extLst>
                 </a:hlinkClick>
@@ -18321,7 +18262,7 @@
     </p:spTree>
     <p:extLst>
       <p:ext uri="{BB962C8B-B14F-4D97-AF65-F5344CB8AC3E}">
-        <p14:creationId xmlns:p14="http://schemas.microsoft.com/office/powerpoint/2010/main" xmlns="" val="2213807407"/>
+        <p14:creationId xmlns="" xmlns:p14="http://schemas.microsoft.com/office/powerpoint/2010/main" val="2213807407"/>
       </p:ext>
     </p:extLst>
   </p:cSld>
@@ -18360,7 +18301,7 @@
           <p:cNvPr id="2" name="Titolo 1">
             <a:extLst>
               <a:ext uri="{FF2B5EF4-FFF2-40B4-BE49-F238E27FC236}">
-                <a16:creationId xmlns:a16="http://schemas.microsoft.com/office/drawing/2014/main" xmlns="" id="{9A7F4A1B-38CC-694F-85E4-E8E96C4BC592}"/>
+                <a16:creationId xmlns="" xmlns:a16="http://schemas.microsoft.com/office/drawing/2014/main" id="{9A7F4A1B-38CC-694F-85E4-E8E96C4BC592}"/>
               </a:ext>
             </a:extLst>
           </p:cNvPr>
@@ -18408,7 +18349,7 @@
           <p:cNvPr id="18" name="CasellaDiTesto 17">
             <a:extLst>
               <a:ext uri="{FF2B5EF4-FFF2-40B4-BE49-F238E27FC236}">
-                <a16:creationId xmlns:a16="http://schemas.microsoft.com/office/drawing/2014/main" xmlns="" id="{7D04F854-C456-CE4A-8154-0D9531BBB13C}"/>
+                <a16:creationId xmlns="" xmlns:a16="http://schemas.microsoft.com/office/drawing/2014/main" id="{7D04F854-C456-CE4A-8154-0D9531BBB13C}"/>
               </a:ext>
             </a:extLst>
           </p:cNvPr>
@@ -18530,7 +18471,7 @@
                 <a:hlinkClick r:id="rId3">
                   <a:extLst>
                     <a:ext uri="{A12FA001-AC4F-418D-AE19-62706E023703}">
-                      <ahyp:hlinkClr xmlns:ahyp="http://schemas.microsoft.com/office/drawing/2018/hyperlinkcolor" xmlns="" val="tx"/>
+                      <ahyp:hlinkClr xmlns="" xmlns:ahyp="http://schemas.microsoft.com/office/drawing/2018/hyperlinkcolor" val="tx"/>
                     </a:ext>
                   </a:extLst>
                 </a:hlinkClick>
@@ -18545,7 +18486,7 @@
                 <a:hlinkClick r:id="rId3">
                   <a:extLst>
                     <a:ext uri="{A12FA001-AC4F-418D-AE19-62706E023703}">
-                      <ahyp:hlinkClr xmlns:ahyp="http://schemas.microsoft.com/office/drawing/2018/hyperlinkcolor" xmlns="" val="tx"/>
+                      <ahyp:hlinkClr xmlns="" xmlns:ahyp="http://schemas.microsoft.com/office/drawing/2018/hyperlinkcolor" val="tx"/>
                     </a:ext>
                   </a:extLst>
                 </a:hlinkClick>
@@ -18560,7 +18501,7 @@
                 <a:hlinkClick r:id="rId3">
                   <a:extLst>
                     <a:ext uri="{A12FA001-AC4F-418D-AE19-62706E023703}">
-                      <ahyp:hlinkClr xmlns:ahyp="http://schemas.microsoft.com/office/drawing/2018/hyperlinkcolor" xmlns="" val="tx"/>
+                      <ahyp:hlinkClr xmlns="" xmlns:ahyp="http://schemas.microsoft.com/office/drawing/2018/hyperlinkcolor" val="tx"/>
                     </a:ext>
                   </a:extLst>
                 </a:hlinkClick>
@@ -18580,7 +18521,7 @@
           <p:cNvPr id="3" name="Segnaposto piè di pagina 2">
             <a:extLst>
               <a:ext uri="{FF2B5EF4-FFF2-40B4-BE49-F238E27FC236}">
-                <a16:creationId xmlns:a16="http://schemas.microsoft.com/office/drawing/2014/main" xmlns="" id="{3C4F739E-6368-7B49-B9C3-33C9C8ACC52D}"/>
+                <a16:creationId xmlns="" xmlns:a16="http://schemas.microsoft.com/office/drawing/2014/main" id="{3C4F739E-6368-7B49-B9C3-33C9C8ACC52D}"/>
               </a:ext>
             </a:extLst>
           </p:cNvPr>
@@ -18609,7 +18550,7 @@
           <p:cNvPr id="4" name="Segnaposto numero diapositiva 3">
             <a:extLst>
               <a:ext uri="{FF2B5EF4-FFF2-40B4-BE49-F238E27FC236}">
-                <a16:creationId xmlns:a16="http://schemas.microsoft.com/office/drawing/2014/main" xmlns="" id="{22CFC354-0B0A-2A4B-9836-0341D789BAFA}"/>
+                <a16:creationId xmlns="" xmlns:a16="http://schemas.microsoft.com/office/drawing/2014/main" id="{22CFC354-0B0A-2A4B-9836-0341D789BAFA}"/>
               </a:ext>
             </a:extLst>
           </p:cNvPr>
@@ -18663,7 +18604,7 @@
     </p:spTree>
     <p:extLst>
       <p:ext uri="{BB962C8B-B14F-4D97-AF65-F5344CB8AC3E}">
-        <p14:creationId xmlns:p14="http://schemas.microsoft.com/office/powerpoint/2010/main" xmlns="" val="2367315196"/>
+        <p14:creationId xmlns="" xmlns:p14="http://schemas.microsoft.com/office/powerpoint/2010/main" val="2367315196"/>
       </p:ext>
     </p:extLst>
   </p:cSld>
@@ -18702,7 +18643,7 @@
           <p:cNvPr id="2" name="Titolo 1">
             <a:extLst>
               <a:ext uri="{FF2B5EF4-FFF2-40B4-BE49-F238E27FC236}">
-                <a16:creationId xmlns:a16="http://schemas.microsoft.com/office/drawing/2014/main" xmlns="" id="{0EB1C86D-03D6-B940-9855-140D08242DA1}"/>
+                <a16:creationId xmlns="" xmlns:a16="http://schemas.microsoft.com/office/drawing/2014/main" id="{0EB1C86D-03D6-B940-9855-140D08242DA1}"/>
               </a:ext>
             </a:extLst>
           </p:cNvPr>
@@ -18739,7 +18680,7 @@
           <p:cNvPr id="3" name="Segnaposto contenuto 2">
             <a:extLst>
               <a:ext uri="{FF2B5EF4-FFF2-40B4-BE49-F238E27FC236}">
-                <a16:creationId xmlns:a16="http://schemas.microsoft.com/office/drawing/2014/main" xmlns="" id="{7FE9D8BE-78FB-244C-8D52-5A7DF779CAD0}"/>
+                <a16:creationId xmlns="" xmlns:a16="http://schemas.microsoft.com/office/drawing/2014/main" id="{7FE9D8BE-78FB-244C-8D52-5A7DF779CAD0}"/>
               </a:ext>
             </a:extLst>
           </p:cNvPr>
@@ -18893,7 +18834,7 @@
           <p:cNvPr id="4" name="Segnaposto piè di pagina 3">
             <a:extLst>
               <a:ext uri="{FF2B5EF4-FFF2-40B4-BE49-F238E27FC236}">
-                <a16:creationId xmlns:a16="http://schemas.microsoft.com/office/drawing/2014/main" xmlns="" id="{841B0C22-B7DA-4645-9A37-9BC43400D65E}"/>
+                <a16:creationId xmlns="" xmlns:a16="http://schemas.microsoft.com/office/drawing/2014/main" id="{841B0C22-B7DA-4645-9A37-9BC43400D65E}"/>
               </a:ext>
             </a:extLst>
           </p:cNvPr>
@@ -18925,7 +18866,7 @@
           <p:cNvPr id="5" name="Segnaposto numero diapositiva 4">
             <a:extLst>
               <a:ext uri="{FF2B5EF4-FFF2-40B4-BE49-F238E27FC236}">
-                <a16:creationId xmlns:a16="http://schemas.microsoft.com/office/drawing/2014/main" xmlns="" id="{759A6A41-14E7-FA42-B52D-3486B01409E3}"/>
+                <a16:creationId xmlns="" xmlns:a16="http://schemas.microsoft.com/office/drawing/2014/main" id="{759A6A41-14E7-FA42-B52D-3486B01409E3}"/>
               </a:ext>
             </a:extLst>
           </p:cNvPr>
@@ -18979,7 +18920,7 @@
     </p:spTree>
     <p:extLst>
       <p:ext uri="{BB962C8B-B14F-4D97-AF65-F5344CB8AC3E}">
-        <p14:creationId xmlns:p14="http://schemas.microsoft.com/office/powerpoint/2010/main" xmlns="" val="3961696920"/>
+        <p14:creationId xmlns="" xmlns:p14="http://schemas.microsoft.com/office/powerpoint/2010/main" val="3961696920"/>
       </p:ext>
     </p:extLst>
   </p:cSld>
@@ -19018,7 +18959,7 @@
           <p:cNvPr id="2" name="Titolo 1">
             <a:extLst>
               <a:ext uri="{FF2B5EF4-FFF2-40B4-BE49-F238E27FC236}">
-                <a16:creationId xmlns:a16="http://schemas.microsoft.com/office/drawing/2014/main" xmlns="" id="{7DC7D9B7-68BA-9947-BBC5-9C70547D0B17}"/>
+                <a16:creationId xmlns="" xmlns:a16="http://schemas.microsoft.com/office/drawing/2014/main" id="{7DC7D9B7-68BA-9947-BBC5-9C70547D0B17}"/>
               </a:ext>
             </a:extLst>
           </p:cNvPr>
@@ -19050,7 +18991,7 @@
           <p:cNvPr id="3" name="Segnaposto contenuto 2">
             <a:extLst>
               <a:ext uri="{FF2B5EF4-FFF2-40B4-BE49-F238E27FC236}">
-                <a16:creationId xmlns:a16="http://schemas.microsoft.com/office/drawing/2014/main" xmlns="" id="{B6B7432C-AA01-FF40-AD5A-CD6321D6B880}"/>
+                <a16:creationId xmlns="" xmlns:a16="http://schemas.microsoft.com/office/drawing/2014/main" id="{B6B7432C-AA01-FF40-AD5A-CD6321D6B880}"/>
               </a:ext>
             </a:extLst>
           </p:cNvPr>
@@ -19243,7 +19184,7 @@
           <p:cNvPr id="4" name="Segnaposto piè di pagina 3">
             <a:extLst>
               <a:ext uri="{FF2B5EF4-FFF2-40B4-BE49-F238E27FC236}">
-                <a16:creationId xmlns:a16="http://schemas.microsoft.com/office/drawing/2014/main" xmlns="" id="{05DB6A4B-CC21-CF48-9656-57C25468D292}"/>
+                <a16:creationId xmlns="" xmlns:a16="http://schemas.microsoft.com/office/drawing/2014/main" id="{05DB6A4B-CC21-CF48-9656-57C25468D292}"/>
               </a:ext>
             </a:extLst>
           </p:cNvPr>
@@ -19272,7 +19213,7 @@
           <p:cNvPr id="5" name="Segnaposto numero diapositiva 4">
             <a:extLst>
               <a:ext uri="{FF2B5EF4-FFF2-40B4-BE49-F238E27FC236}">
-                <a16:creationId xmlns:a16="http://schemas.microsoft.com/office/drawing/2014/main" xmlns="" id="{B56064E6-AEB5-9A46-8820-91B0AA3467D8}"/>
+                <a16:creationId xmlns="" xmlns:a16="http://schemas.microsoft.com/office/drawing/2014/main" id="{B56064E6-AEB5-9A46-8820-91B0AA3467D8}"/>
               </a:ext>
             </a:extLst>
           </p:cNvPr>
@@ -19300,7 +19241,7 @@
     </p:spTree>
     <p:extLst>
       <p:ext uri="{BB962C8B-B14F-4D97-AF65-F5344CB8AC3E}">
-        <p14:creationId xmlns:p14="http://schemas.microsoft.com/office/powerpoint/2010/main" xmlns="" val="702730902"/>
+        <p14:creationId xmlns="" xmlns:p14="http://schemas.microsoft.com/office/powerpoint/2010/main" val="702730902"/>
       </p:ext>
     </p:extLst>
   </p:cSld>
@@ -19332,7 +19273,7 @@
           <p:cNvPr id="2" name="Titolo 1">
             <a:extLst>
               <a:ext uri="{FF2B5EF4-FFF2-40B4-BE49-F238E27FC236}">
-                <a16:creationId xmlns:a16="http://schemas.microsoft.com/office/drawing/2014/main" xmlns="" id="{82A13A88-1286-4840-B73B-ED4798520CDB}"/>
+                <a16:creationId xmlns="" xmlns:a16="http://schemas.microsoft.com/office/drawing/2014/main" id="{82A13A88-1286-4840-B73B-ED4798520CDB}"/>
               </a:ext>
             </a:extLst>
           </p:cNvPr>
@@ -19367,7 +19308,7 @@
           <p:cNvPr id="4" name="Segnaposto piè di pagina 3">
             <a:extLst>
               <a:ext uri="{FF2B5EF4-FFF2-40B4-BE49-F238E27FC236}">
-                <a16:creationId xmlns:a16="http://schemas.microsoft.com/office/drawing/2014/main" xmlns="" id="{96F39C26-4AD6-0E45-9E97-C2AD57637CFA}"/>
+                <a16:creationId xmlns="" xmlns:a16="http://schemas.microsoft.com/office/drawing/2014/main" id="{96F39C26-4AD6-0E45-9E97-C2AD57637CFA}"/>
               </a:ext>
             </a:extLst>
           </p:cNvPr>
@@ -19407,7 +19348,7 @@
           <p:cNvPr id="5" name="Segnaposto numero diapositiva 4">
             <a:extLst>
               <a:ext uri="{FF2B5EF4-FFF2-40B4-BE49-F238E27FC236}">
-                <a16:creationId xmlns:a16="http://schemas.microsoft.com/office/drawing/2014/main" xmlns="" id="{A920B736-6239-F04A-A273-16C60B0D8D95}"/>
+                <a16:creationId xmlns="" xmlns:a16="http://schemas.microsoft.com/office/drawing/2014/main" id="{A920B736-6239-F04A-A273-16C60B0D8D95}"/>
               </a:ext>
             </a:extLst>
           </p:cNvPr>
@@ -19453,7 +19394,7 @@
           <p:cNvPr id="7" name="Segnaposto contenuto 2">
             <a:extLst>
               <a:ext uri="{FF2B5EF4-FFF2-40B4-BE49-F238E27FC236}">
-                <a16:creationId xmlns:a16="http://schemas.microsoft.com/office/drawing/2014/main" xmlns="" id="{BE484F61-2836-4977-8E95-4AC9C1403161}"/>
+                <a16:creationId xmlns="" xmlns:a16="http://schemas.microsoft.com/office/drawing/2014/main" id="{BE484F61-2836-4977-8E95-4AC9C1403161}"/>
               </a:ext>
             </a:extLst>
           </p:cNvPr>
@@ -19464,7 +19405,7 @@
             <p:ph idx="1"/>
             <p:extLst>
               <p:ext uri="{D42A27DB-BD31-4B8C-83A1-F6EECF244321}">
-                <p14:modId xmlns:p14="http://schemas.microsoft.com/office/powerpoint/2010/main" xmlns="" val="1613755479"/>
+                <p14:modId xmlns="" xmlns:p14="http://schemas.microsoft.com/office/powerpoint/2010/main" val="1613755479"/>
               </p:ext>
             </p:extLst>
           </p:nvPr>
@@ -19482,7 +19423,7 @@
     </p:spTree>
     <p:extLst>
       <p:ext uri="{BB962C8B-B14F-4D97-AF65-F5344CB8AC3E}">
-        <p14:creationId xmlns:p14="http://schemas.microsoft.com/office/powerpoint/2010/main" xmlns="" val="2674066672"/>
+        <p14:creationId xmlns="" xmlns:p14="http://schemas.microsoft.com/office/powerpoint/2010/main" val="2674066672"/>
       </p:ext>
     </p:extLst>
   </p:cSld>
@@ -19514,7 +19455,7 @@
           <p:cNvPr id="2" name="Titolo 1">
             <a:extLst>
               <a:ext uri="{FF2B5EF4-FFF2-40B4-BE49-F238E27FC236}">
-                <a16:creationId xmlns:a16="http://schemas.microsoft.com/office/drawing/2014/main" xmlns="" id="{8B5D1911-2549-3549-AE0F-3A97D8191259}"/>
+                <a16:creationId xmlns="" xmlns:a16="http://schemas.microsoft.com/office/drawing/2014/main" id="{8B5D1911-2549-3549-AE0F-3A97D8191259}"/>
               </a:ext>
             </a:extLst>
           </p:cNvPr>
@@ -19556,7 +19497,7 @@
           <p:cNvPr id="6" name="Segnaposto piè di pagina 5">
             <a:extLst>
               <a:ext uri="{FF2B5EF4-FFF2-40B4-BE49-F238E27FC236}">
-                <a16:creationId xmlns:a16="http://schemas.microsoft.com/office/drawing/2014/main" xmlns="" id="{4E213601-FD50-864D-B93F-1A23705A4C20}"/>
+                <a16:creationId xmlns="" xmlns:a16="http://schemas.microsoft.com/office/drawing/2014/main" id="{4E213601-FD50-864D-B93F-1A23705A4C20}"/>
               </a:ext>
             </a:extLst>
           </p:cNvPr>
@@ -19585,7 +19526,7 @@
           <p:cNvPr id="7" name="Segnaposto numero diapositiva 6">
             <a:extLst>
               <a:ext uri="{FF2B5EF4-FFF2-40B4-BE49-F238E27FC236}">
-                <a16:creationId xmlns:a16="http://schemas.microsoft.com/office/drawing/2014/main" xmlns="" id="{2359C1BA-07D3-8E4F-9F89-F2A99F3E08FE}"/>
+                <a16:creationId xmlns="" xmlns:a16="http://schemas.microsoft.com/office/drawing/2014/main" id="{2359C1BA-07D3-8E4F-9F89-F2A99F3E08FE}"/>
               </a:ext>
             </a:extLst>
           </p:cNvPr>
@@ -19615,7 +19556,7 @@
           <p:cNvPr id="10" name="CasellaDiTesto 9">
             <a:extLst>
               <a:ext uri="{FF2B5EF4-FFF2-40B4-BE49-F238E27FC236}">
-                <a16:creationId xmlns:a16="http://schemas.microsoft.com/office/drawing/2014/main" xmlns="" id="{FEF6A0E0-74AA-4848-BCED-3248B2D14A11}"/>
+                <a16:creationId xmlns="" xmlns:a16="http://schemas.microsoft.com/office/drawing/2014/main" id="{FEF6A0E0-74AA-4848-BCED-3248B2D14A11}"/>
               </a:ext>
             </a:extLst>
           </p:cNvPr>
@@ -19624,8 +19565,8 @@
         </p:nvSpPr>
         <p:spPr>
           <a:xfrm>
-            <a:off x="677333" y="1240048"/>
-            <a:ext cx="5418667" cy="4247317"/>
+            <a:off x="677333" y="1504950"/>
+            <a:ext cx="5418667" cy="3970318"/>
           </a:xfrm>
           <a:prstGeom prst="rect">
             <a:avLst/>
@@ -19909,112 +19850,27 @@
               <a:t>variations</a:t>
             </a:r>
             <a:r>
-              <a:rPr lang="it-IT" dirty="0"/>
-              <a:t>.</a:t>
-            </a:r>
-            <a:endParaRPr lang="it-IT" dirty="0" smtClean="0"/>
-          </a:p>
-          <a:p>
-            <a:endParaRPr lang="it-IT" dirty="0"/>
-          </a:p>
-          <a:p>
-            <a:r>
-              <a:rPr lang="it-IT" dirty="0" smtClean="0"/>
-              <a:t>The output </a:t>
-            </a:r>
-            <a:r>
-              <a:rPr lang="it-IT" dirty="0" err="1" smtClean="0"/>
-              <a:t>provides</a:t>
-            </a:r>
-            <a:r>
-              <a:rPr lang="it-IT" dirty="0" smtClean="0"/>
-              <a:t> the </a:t>
-            </a:r>
-            <a:r>
-              <a:rPr lang="it-IT" dirty="0" err="1" smtClean="0"/>
-              <a:t>following</a:t>
-            </a:r>
-            <a:r>
-              <a:rPr lang="it-IT" dirty="0" smtClean="0"/>
-              <a:t> data:</a:t>
-            </a:r>
-            <a:endParaRPr lang="it-IT" dirty="0"/>
-          </a:p>
-          <a:p>
-            <a:endParaRPr lang="it-IT" dirty="0"/>
-          </a:p>
-          <a:p>
-            <a:pPr marL="285750" indent="-285750">
-              <a:buFont typeface="Arial" panose="020B0604020202020204" pitchFamily="34" charset="0"/>
-              <a:buChar char="•"/>
-            </a:pPr>
-            <a:r>
-              <a:rPr lang="it-IT" dirty="0" smtClean="0"/>
-              <a:t>Id </a:t>
-            </a:r>
-            <a:r>
-              <a:rPr lang="it-IT" dirty="0" err="1" smtClean="0"/>
-              <a:t>sequence</a:t>
-            </a:r>
-            <a:r>
-              <a:rPr lang="it-IT" dirty="0" smtClean="0"/>
-              <a:t>;</a:t>
-            </a:r>
-            <a:endParaRPr lang="it-IT" dirty="0"/>
-          </a:p>
-          <a:p>
-            <a:pPr marL="285750" indent="-285750">
-              <a:buFont typeface="Arial" panose="020B0604020202020204" pitchFamily="34" charset="0"/>
-              <a:buChar char="•"/>
-            </a:pPr>
-            <a:r>
-              <a:rPr lang="it-IT" dirty="0" err="1" smtClean="0"/>
-              <a:t>Length’s</a:t>
-            </a:r>
-            <a:r>
-              <a:rPr lang="it-IT" dirty="0" smtClean="0"/>
-              <a:t> </a:t>
-            </a:r>
-            <a:r>
-              <a:rPr lang="it-IT" dirty="0" err="1" smtClean="0"/>
-              <a:t>sequence</a:t>
-            </a:r>
-            <a:r>
-              <a:rPr lang="it-IT" dirty="0" smtClean="0"/>
-              <a:t>;</a:t>
-            </a:r>
-            <a:endParaRPr lang="it-IT" dirty="0"/>
-          </a:p>
-          <a:p>
-            <a:pPr marL="285750" indent="-285750">
-              <a:buFont typeface="Arial" panose="020B0604020202020204" pitchFamily="34" charset="0"/>
-              <a:buChar char="•"/>
-            </a:pPr>
-            <a:r>
-              <a:rPr lang="it-IT" dirty="0" err="1" smtClean="0"/>
-              <a:t>Eventual</a:t>
-            </a:r>
-            <a:r>
-              <a:rPr lang="it-IT" dirty="0" smtClean="0"/>
-              <a:t> </a:t>
-            </a:r>
-            <a:r>
-              <a:rPr lang="it-IT" dirty="0" err="1" smtClean="0"/>
-              <a:t>number</a:t>
-            </a:r>
-            <a:r>
-              <a:rPr lang="it-IT" dirty="0" smtClean="0"/>
-              <a:t> of </a:t>
-            </a:r>
-            <a:r>
-              <a:rPr lang="it-IT" dirty="0" err="1" smtClean="0"/>
-              <a:t>mutations</a:t>
-            </a:r>
-            <a:r>
               <a:rPr lang="it-IT" dirty="0" smtClean="0"/>
               <a:t>.</a:t>
             </a:r>
-            <a:endParaRPr lang="it-IT" dirty="0"/>
+          </a:p>
+          <a:p>
+            <a:endParaRPr lang="it-IT" dirty="0" smtClean="0"/>
+          </a:p>
+          <a:p>
+            <a:r>
+              <a:rPr lang="en-US" dirty="0" smtClean="0"/>
+              <a:t>The </a:t>
+            </a:r>
+            <a:r>
+              <a:rPr lang="en-US" dirty="0" smtClean="0"/>
+              <a:t>output will consist of a table containing a reference id for the sequence, and each column in which there is a mutation between the chosen </a:t>
+            </a:r>
+            <a:r>
+              <a:rPr lang="en-US" dirty="0" smtClean="0"/>
+              <a:t>sequences.</a:t>
+            </a:r>
+            <a:endParaRPr lang="it-IT" dirty="0" smtClean="0"/>
           </a:p>
         </p:txBody>
       </p:sp>
@@ -20035,7 +19891,7 @@
         </p:blipFill>
         <p:spPr bwMode="auto">
           <a:xfrm>
-            <a:off x="4524375" y="5111087"/>
+            <a:off x="4524375" y="5253962"/>
             <a:ext cx="6916738" cy="1295400"/>
           </a:xfrm>
           <a:prstGeom prst="rect">
@@ -20073,7 +19929,7 @@
     </p:spTree>
     <p:extLst>
       <p:ext uri="{BB962C8B-B14F-4D97-AF65-F5344CB8AC3E}">
-        <p14:creationId xmlns:p14="http://schemas.microsoft.com/office/powerpoint/2010/main" xmlns="" val="1145378670"/>
+        <p14:creationId xmlns="" xmlns:p14="http://schemas.microsoft.com/office/powerpoint/2010/main" val="1145378670"/>
       </p:ext>
     </p:extLst>
   </p:cSld>
@@ -20334,7 +20190,7 @@
   <a:extraClrSchemeLst/>
   <a:extLst>
     <a:ext uri="{05A4C25C-085E-4340-85A3-A5531E510DB2}">
-      <thm15:themeFamily xmlns:thm15="http://schemas.microsoft.com/office/thememl/2012/main" xmlns="" name="Facet" id="{C0C680CD-088A-49FC-A102-D699147F32B2}" vid="{CFBC31BA-B70F-4F30-BCAA-4F3011E16C4D}"/>
+      <thm15:themeFamily xmlns="" xmlns:thm15="http://schemas.microsoft.com/office/thememl/2012/main" name="Facet" id="{C0C680CD-088A-49FC-A102-D699147F32B2}" vid="{CFBC31BA-B70F-4F30-BCAA-4F3011E16C4D}"/>
     </a:ext>
   </a:extLst>
 </a:theme>
@@ -20629,7 +20485,7 @@
   <a:extraClrSchemeLst/>
   <a:extLst>
     <a:ext uri="{05A4C25C-085E-4340-85A3-A5531E510DB2}">
-      <thm15:themeFamily xmlns:thm15="http://schemas.microsoft.com/office/thememl/2012/main" xmlns="" name="Office Theme" id="{62F939B6-93AF-4DB8-9C6B-D6C7DFDC589F}" vid="{4A3C46E8-61CC-4603-A589-7422A47A8E4A}"/>
+      <thm15:themeFamily xmlns="" xmlns:thm15="http://schemas.microsoft.com/office/thememl/2012/main" name="Office Theme" id="{62F939B6-93AF-4DB8-9C6B-D6C7DFDC589F}" vid="{4A3C46E8-61CC-4603-A589-7422A47A8E4A}"/>
     </a:ext>
   </a:extLst>
 </a:theme>

--- a/Documentation/BioInformaticsPresentation.pptx
+++ b/Documentation/BioInformaticsPresentation.pptx
@@ -123,7 +123,7 @@
   </p:defaultTextStyle>
   <p:extLst>
     <p:ext uri="{EFAFB233-063F-42B5-8137-9DF3F51BA10A}">
-      <p15:sldGuideLst xmlns="" xmlns:p15="http://schemas.microsoft.com/office/powerpoint/2012/main">
+      <p15:sldGuideLst xmlns:p15="http://schemas.microsoft.com/office/powerpoint/2012/main">
         <p15:guide id="1" orient="horz" pos="2160">
           <p15:clr>
             <a:srgbClr val="A4A3A4"/>
@@ -1726,19 +1726,19 @@
         <a:lstStyle/>
         <a:p>
           <a:r>
-            <a:rPr lang="it-IT" dirty="0" err="1" smtClean="0"/>
+            <a:rPr lang="it-IT" dirty="0" err="1"/>
             <a:t>Sequences</a:t>
           </a:r>
           <a:r>
-            <a:rPr lang="it-IT" dirty="0" smtClean="0"/>
+            <a:rPr lang="it-IT" dirty="0"/>
             <a:t> </a:t>
           </a:r>
           <a:r>
-            <a:rPr lang="it-IT" dirty="0" err="1" smtClean="0"/>
+            <a:rPr lang="it-IT" dirty="0" err="1"/>
             <a:t>selection</a:t>
           </a:r>
           <a:r>
-            <a:rPr lang="it-IT" dirty="0" smtClean="0"/>
+            <a:rPr lang="it-IT" dirty="0"/>
             <a:t> on the NCBI site</a:t>
           </a:r>
           <a:endParaRPr lang="en-US" dirty="0"/>
@@ -1775,43 +1775,43 @@
         <a:lstStyle/>
         <a:p>
           <a:r>
-            <a:rPr lang="it-IT" dirty="0" err="1" smtClean="0"/>
+            <a:rPr lang="it-IT" dirty="0" err="1"/>
             <a:t>Sequences</a:t>
           </a:r>
           <a:r>
-            <a:rPr lang="it-IT" dirty="0" smtClean="0"/>
+            <a:rPr lang="it-IT" dirty="0"/>
             <a:t> </a:t>
           </a:r>
           <a:r>
-            <a:rPr lang="it-IT" dirty="0" err="1" smtClean="0"/>
+            <a:rPr lang="it-IT" dirty="0" err="1"/>
             <a:t>alignment</a:t>
           </a:r>
           <a:r>
-            <a:rPr lang="it-IT" dirty="0" smtClean="0"/>
+            <a:rPr lang="it-IT" dirty="0"/>
             <a:t> </a:t>
           </a:r>
           <a:r>
-            <a:rPr lang="it-IT" dirty="0" err="1" smtClean="0"/>
+            <a:rPr lang="it-IT" dirty="0" err="1"/>
             <a:t>using</a:t>
           </a:r>
           <a:r>
-            <a:rPr lang="it-IT" dirty="0" smtClean="0"/>
+            <a:rPr lang="it-IT" dirty="0"/>
             <a:t> the </a:t>
           </a:r>
           <a:r>
-            <a:rPr lang="it-IT" dirty="0" err="1" smtClean="0"/>
+            <a:rPr lang="it-IT" dirty="0" err="1"/>
             <a:t>tool</a:t>
           </a:r>
           <a:r>
-            <a:rPr lang="it-IT" dirty="0" smtClean="0"/>
+            <a:rPr lang="it-IT" dirty="0"/>
             <a:t> </a:t>
           </a:r>
           <a:r>
-            <a:rPr lang="it-IT" dirty="0" err="1" smtClean="0"/>
+            <a:rPr lang="it-IT" dirty="0" err="1"/>
             <a:t>Clustal</a:t>
           </a:r>
           <a:r>
-            <a:rPr lang="el-GR" dirty="0" smtClean="0"/>
+            <a:rPr lang="el-GR" dirty="0"/>
             <a:t>Ω</a:t>
           </a:r>
           <a:endParaRPr lang="en-US" dirty="0"/>
@@ -1848,31 +1848,31 @@
         <a:lstStyle/>
         <a:p>
           <a:r>
-            <a:rPr lang="it-IT" dirty="0" err="1" smtClean="0"/>
+            <a:rPr lang="it-IT" dirty="0" err="1"/>
             <a:t>Sequences</a:t>
           </a:r>
           <a:r>
-            <a:rPr lang="it-IT" dirty="0" smtClean="0"/>
+            <a:rPr lang="it-IT" dirty="0"/>
             <a:t> </a:t>
           </a:r>
           <a:r>
-            <a:rPr lang="it-IT" dirty="0" err="1" smtClean="0"/>
+            <a:rPr lang="it-IT" dirty="0" err="1"/>
             <a:t>comparison</a:t>
           </a:r>
           <a:r>
-            <a:rPr lang="it-IT" dirty="0" smtClean="0"/>
+            <a:rPr lang="it-IT" dirty="0"/>
             <a:t> and </a:t>
           </a:r>
           <a:r>
-            <a:rPr lang="it-IT" dirty="0" err="1" smtClean="0"/>
+            <a:rPr lang="it-IT" dirty="0" err="1"/>
             <a:t>mutations</a:t>
           </a:r>
           <a:r>
-            <a:rPr lang="it-IT" dirty="0" smtClean="0"/>
+            <a:rPr lang="it-IT" dirty="0"/>
             <a:t> </a:t>
           </a:r>
           <a:r>
-            <a:rPr lang="it-IT" dirty="0" err="1" smtClean="0"/>
+            <a:rPr lang="it-IT" dirty="0" err="1"/>
             <a:t>count</a:t>
           </a:r>
           <a:endParaRPr lang="en-US" dirty="0"/>
@@ -1910,13 +1910,6 @@
         </dgm:presLayoutVars>
       </dgm:prSet>
       <dgm:spPr/>
-      <dgm:t>
-        <a:bodyPr/>
-        <a:lstStyle/>
-        <a:p>
-          <a:endParaRPr lang="it-IT"/>
-        </a:p>
-      </dgm:t>
     </dgm:pt>
     <dgm:pt modelId="{82EF277C-2213-4445-8D12-FDB136C6F7E1}" type="pres">
       <dgm:prSet presAssocID="{F8160A3E-A963-467A-8219-313B6B055B31}" presName="dummyMaxCanvas" presStyleCnt="0">
@@ -1931,13 +1924,6 @@
         </dgm:presLayoutVars>
       </dgm:prSet>
       <dgm:spPr/>
-      <dgm:t>
-        <a:bodyPr/>
-        <a:lstStyle/>
-        <a:p>
-          <a:endParaRPr lang="it-IT"/>
-        </a:p>
-      </dgm:t>
     </dgm:pt>
     <dgm:pt modelId="{496B6D96-46F9-8849-AC34-B24482627D19}" type="pres">
       <dgm:prSet presAssocID="{F8160A3E-A963-467A-8219-313B6B055B31}" presName="ThreeNodes_2" presStyleLbl="node1" presStyleIdx="1" presStyleCnt="3">
@@ -1946,13 +1932,6 @@
         </dgm:presLayoutVars>
       </dgm:prSet>
       <dgm:spPr/>
-      <dgm:t>
-        <a:bodyPr/>
-        <a:lstStyle/>
-        <a:p>
-          <a:endParaRPr lang="it-IT"/>
-        </a:p>
-      </dgm:t>
     </dgm:pt>
     <dgm:pt modelId="{A9679CB7-9A45-E142-BD24-FF3350DC8672}" type="pres">
       <dgm:prSet presAssocID="{F8160A3E-A963-467A-8219-313B6B055B31}" presName="ThreeNodes_3" presStyleLbl="node1" presStyleIdx="2" presStyleCnt="3">
@@ -1961,13 +1940,6 @@
         </dgm:presLayoutVars>
       </dgm:prSet>
       <dgm:spPr/>
-      <dgm:t>
-        <a:bodyPr/>
-        <a:lstStyle/>
-        <a:p>
-          <a:endParaRPr lang="it-IT"/>
-        </a:p>
-      </dgm:t>
     </dgm:pt>
     <dgm:pt modelId="{F92EA716-69A6-6740-BA53-EA1EDA46E999}" type="pres">
       <dgm:prSet presAssocID="{F8160A3E-A963-467A-8219-313B6B055B31}" presName="ThreeConn_1-2" presStyleLbl="fgAccFollowNode1" presStyleIdx="0" presStyleCnt="2">
@@ -1976,13 +1948,6 @@
         </dgm:presLayoutVars>
       </dgm:prSet>
       <dgm:spPr/>
-      <dgm:t>
-        <a:bodyPr/>
-        <a:lstStyle/>
-        <a:p>
-          <a:endParaRPr lang="it-IT"/>
-        </a:p>
-      </dgm:t>
     </dgm:pt>
     <dgm:pt modelId="{73746F15-01FE-6349-96A5-09493BE3BB47}" type="pres">
       <dgm:prSet presAssocID="{F8160A3E-A963-467A-8219-313B6B055B31}" presName="ThreeConn_2-3" presStyleLbl="fgAccFollowNode1" presStyleIdx="1" presStyleCnt="2">
@@ -1991,13 +1956,6 @@
         </dgm:presLayoutVars>
       </dgm:prSet>
       <dgm:spPr/>
-      <dgm:t>
-        <a:bodyPr/>
-        <a:lstStyle/>
-        <a:p>
-          <a:endParaRPr lang="it-IT"/>
-        </a:p>
-      </dgm:t>
     </dgm:pt>
     <dgm:pt modelId="{CE717D46-B337-CB42-841A-76A3ED4E739B}" type="pres">
       <dgm:prSet presAssocID="{F8160A3E-A963-467A-8219-313B6B055B31}" presName="ThreeNodes_1_text" presStyleLbl="node1" presStyleIdx="2" presStyleCnt="3">
@@ -2006,13 +1964,6 @@
         </dgm:presLayoutVars>
       </dgm:prSet>
       <dgm:spPr/>
-      <dgm:t>
-        <a:bodyPr/>
-        <a:lstStyle/>
-        <a:p>
-          <a:endParaRPr lang="it-IT"/>
-        </a:p>
-      </dgm:t>
     </dgm:pt>
     <dgm:pt modelId="{728A8E2F-67E7-D644-8225-52299CFA3FEA}" type="pres">
       <dgm:prSet presAssocID="{F8160A3E-A963-467A-8219-313B6B055B31}" presName="ThreeNodes_2_text" presStyleLbl="node1" presStyleIdx="2" presStyleCnt="3">
@@ -2021,13 +1972,6 @@
         </dgm:presLayoutVars>
       </dgm:prSet>
       <dgm:spPr/>
-      <dgm:t>
-        <a:bodyPr/>
-        <a:lstStyle/>
-        <a:p>
-          <a:endParaRPr lang="it-IT"/>
-        </a:p>
-      </dgm:t>
     </dgm:pt>
     <dgm:pt modelId="{84C0BC7E-E281-1242-9D58-364FF13AB1E1}" type="pres">
       <dgm:prSet presAssocID="{F8160A3E-A963-467A-8219-313B6B055B31}" presName="ThreeNodes_3_text" presStyleLbl="node1" presStyleIdx="2" presStyleCnt="3">
@@ -2036,27 +1980,20 @@
         </dgm:presLayoutVars>
       </dgm:prSet>
       <dgm:spPr/>
-      <dgm:t>
-        <a:bodyPr/>
-        <a:lstStyle/>
-        <a:p>
-          <a:endParaRPr lang="it-IT"/>
-        </a:p>
-      </dgm:t>
     </dgm:pt>
   </dgm:ptLst>
   <dgm:cxnLst>
-    <dgm:cxn modelId="{9DA89AFE-AB84-C14B-BB2D-00BE7A98E7B4}" type="presOf" srcId="{A96EB6D9-31A7-489C-B289-15B8E314C7D8}" destId="{496B6D96-46F9-8849-AC34-B24482627D19}" srcOrd="0" destOrd="0" presId="urn:microsoft.com/office/officeart/2005/8/layout/vProcess5"/>
-    <dgm:cxn modelId="{8643899D-3B8A-4AEA-9520-7337B04F73C7}" srcId="{F8160A3E-A963-467A-8219-313B6B055B31}" destId="{B2119B6F-2E65-4496-9F68-031377BB61EE}" srcOrd="2" destOrd="0" parTransId="{FDE64DC8-01AE-4F04-85BD-1676BF3E8CAA}" sibTransId="{9225F721-28C4-46E8-8049-70C7D1FD59E8}"/>
-    <dgm:cxn modelId="{03460D56-A595-4A67-A64C-778F18963B5D}" srcId="{F8160A3E-A963-467A-8219-313B6B055B31}" destId="{467995B1-BBA4-402F-BF81-52C0AA2B1042}" srcOrd="0" destOrd="0" parTransId="{B748413D-08B3-4F7F-84B8-DE2956615C70}" sibTransId="{963485DB-7438-4272-871E-A12D01E3925E}"/>
+    <dgm:cxn modelId="{38B95213-EC19-FF4B-9BF0-F046F7AF24D5}" type="presOf" srcId="{ED533DBB-5160-4B81-B999-99A9933E2963}" destId="{73746F15-01FE-6349-96A5-09493BE3BB47}" srcOrd="0" destOrd="0" presId="urn:microsoft.com/office/officeart/2005/8/layout/vProcess5"/>
     <dgm:cxn modelId="{91611031-8882-9B48-BA7F-51E351C173FA}" type="presOf" srcId="{B2119B6F-2E65-4496-9F68-031377BB61EE}" destId="{84C0BC7E-E281-1242-9D58-364FF13AB1E1}" srcOrd="1" destOrd="0" presId="urn:microsoft.com/office/officeart/2005/8/layout/vProcess5"/>
     <dgm:cxn modelId="{B29C893A-37B3-0342-95B1-4A8906D0B839}" type="presOf" srcId="{B2119B6F-2E65-4496-9F68-031377BB61EE}" destId="{A9679CB7-9A45-E142-BD24-FF3350DC8672}" srcOrd="0" destOrd="0" presId="urn:microsoft.com/office/officeart/2005/8/layout/vProcess5"/>
+    <dgm:cxn modelId="{03460D56-A595-4A67-A64C-778F18963B5D}" srcId="{F8160A3E-A963-467A-8219-313B6B055B31}" destId="{467995B1-BBA4-402F-BF81-52C0AA2B1042}" srcOrd="0" destOrd="0" parTransId="{B748413D-08B3-4F7F-84B8-DE2956615C70}" sibTransId="{963485DB-7438-4272-871E-A12D01E3925E}"/>
+    <dgm:cxn modelId="{38451593-DACF-6841-886C-092D73070DC2}" type="presOf" srcId="{963485DB-7438-4272-871E-A12D01E3925E}" destId="{F92EA716-69A6-6740-BA53-EA1EDA46E999}" srcOrd="0" destOrd="0" presId="urn:microsoft.com/office/officeart/2005/8/layout/vProcess5"/>
+    <dgm:cxn modelId="{0147DA94-94CF-6047-8356-59B65BD4C80B}" type="presOf" srcId="{A96EB6D9-31A7-489C-B289-15B8E314C7D8}" destId="{728A8E2F-67E7-D644-8225-52299CFA3FEA}" srcOrd="1" destOrd="0" presId="urn:microsoft.com/office/officeart/2005/8/layout/vProcess5"/>
+    <dgm:cxn modelId="{8643899D-3B8A-4AEA-9520-7337B04F73C7}" srcId="{F8160A3E-A963-467A-8219-313B6B055B31}" destId="{B2119B6F-2E65-4496-9F68-031377BB61EE}" srcOrd="2" destOrd="0" parTransId="{FDE64DC8-01AE-4F04-85BD-1676BF3E8CAA}" sibTransId="{9225F721-28C4-46E8-8049-70C7D1FD59E8}"/>
     <dgm:cxn modelId="{B12C82AE-3A69-3B46-8F08-D2E0E9C432AB}" type="presOf" srcId="{467995B1-BBA4-402F-BF81-52C0AA2B1042}" destId="{CE717D46-B337-CB42-841A-76A3ED4E739B}" srcOrd="1" destOrd="0" presId="urn:microsoft.com/office/officeart/2005/8/layout/vProcess5"/>
     <dgm:cxn modelId="{B11B08BB-7C60-7941-91F3-83B989B5F9DB}" type="presOf" srcId="{F8160A3E-A963-467A-8219-313B6B055B31}" destId="{685947E2-C2F8-E24E-89DF-828398CF5487}" srcOrd="0" destOrd="0" presId="urn:microsoft.com/office/officeart/2005/8/layout/vProcess5"/>
     <dgm:cxn modelId="{D5D215C6-B41C-42B1-A69B-59A643E91A3D}" srcId="{F8160A3E-A963-467A-8219-313B6B055B31}" destId="{A96EB6D9-31A7-489C-B289-15B8E314C7D8}" srcOrd="1" destOrd="0" parTransId="{18AA0681-5067-4FBF-990F-F2CD98FF460A}" sibTransId="{ED533DBB-5160-4B81-B999-99A9933E2963}"/>
-    <dgm:cxn modelId="{38B95213-EC19-FF4B-9BF0-F046F7AF24D5}" type="presOf" srcId="{ED533DBB-5160-4B81-B999-99A9933E2963}" destId="{73746F15-01FE-6349-96A5-09493BE3BB47}" srcOrd="0" destOrd="0" presId="urn:microsoft.com/office/officeart/2005/8/layout/vProcess5"/>
-    <dgm:cxn modelId="{0147DA94-94CF-6047-8356-59B65BD4C80B}" type="presOf" srcId="{A96EB6D9-31A7-489C-B289-15B8E314C7D8}" destId="{728A8E2F-67E7-D644-8225-52299CFA3FEA}" srcOrd="1" destOrd="0" presId="urn:microsoft.com/office/officeart/2005/8/layout/vProcess5"/>
-    <dgm:cxn modelId="{38451593-DACF-6841-886C-092D73070DC2}" type="presOf" srcId="{963485DB-7438-4272-871E-A12D01E3925E}" destId="{F92EA716-69A6-6740-BA53-EA1EDA46E999}" srcOrd="0" destOrd="0" presId="urn:microsoft.com/office/officeart/2005/8/layout/vProcess5"/>
+    <dgm:cxn modelId="{9DA89AFE-AB84-C14B-BB2D-00BE7A98E7B4}" type="presOf" srcId="{A96EB6D9-31A7-489C-B289-15B8E314C7D8}" destId="{496B6D96-46F9-8849-AC34-B24482627D19}" srcOrd="0" destOrd="0" presId="urn:microsoft.com/office/officeart/2005/8/layout/vProcess5"/>
     <dgm:cxn modelId="{56C7B8FE-1A0B-6A4F-A90C-2570827AE14D}" type="presOf" srcId="{467995B1-BBA4-402F-BF81-52C0AA2B1042}" destId="{A0B9620D-0143-1E4A-8608-746317871EDB}" srcOrd="0" destOrd="0" presId="urn:microsoft.com/office/officeart/2005/8/layout/vProcess5"/>
     <dgm:cxn modelId="{959C09A1-367C-6247-9B26-A994172A4A80}" type="presParOf" srcId="{685947E2-C2F8-E24E-89DF-828398CF5487}" destId="{82EF277C-2213-4445-8D12-FDB136C6F7E1}" srcOrd="0" destOrd="0" presId="urn:microsoft.com/office/officeart/2005/8/layout/vProcess5"/>
     <dgm:cxn modelId="{80C4A55C-4D2B-AC4D-BB21-1FDE67B62803}" type="presParOf" srcId="{685947E2-C2F8-E24E-89DF-828398CF5487}" destId="{A0B9620D-0143-1E4A-8608-746317871EDB}" srcOrd="1" destOrd="0" presId="urn:microsoft.com/office/officeart/2005/8/layout/vProcess5"/>
@@ -2072,7 +2009,7 @@
   <dgm:whole/>
   <dgm:extLst>
     <a:ext uri="http://schemas.microsoft.com/office/drawing/2008/diagram">
-      <dsp:dataModelExt xmlns="" xmlns:dsp="http://schemas.microsoft.com/office/drawing/2008/diagram" relId="rId6" minVer="http://schemas.openxmlformats.org/drawingml/2006/diagram"/>
+      <dsp:dataModelExt xmlns:dsp="http://schemas.microsoft.com/office/drawing/2008/diagram" relId="rId6" minVer="http://schemas.openxmlformats.org/drawingml/2006/diagram"/>
     </a:ext>
   </dgm:extLst>
 </dgm:dataModel>
@@ -2100,19 +2037,19 @@
         <a:lstStyle/>
         <a:p>
           <a:r>
-            <a:rPr lang="it-IT" dirty="0" err="1" smtClean="0"/>
+            <a:rPr lang="it-IT" dirty="0" err="1"/>
             <a:t>Sequences</a:t>
           </a:r>
           <a:r>
-            <a:rPr lang="it-IT" dirty="0" smtClean="0"/>
+            <a:rPr lang="it-IT" dirty="0"/>
             <a:t> </a:t>
           </a:r>
           <a:r>
-            <a:rPr lang="it-IT" dirty="0" err="1" smtClean="0"/>
+            <a:rPr lang="it-IT" dirty="0" err="1"/>
             <a:t>selection</a:t>
           </a:r>
           <a:r>
-            <a:rPr lang="it-IT" dirty="0" smtClean="0"/>
+            <a:rPr lang="it-IT" dirty="0"/>
             <a:t> on the NCBI site</a:t>
           </a:r>
           <a:endParaRPr lang="en-US" dirty="0"/>
@@ -2149,43 +2086,43 @@
         <a:lstStyle/>
         <a:p>
           <a:r>
-            <a:rPr lang="it-IT" dirty="0" err="1" smtClean="0"/>
+            <a:rPr lang="it-IT" dirty="0" err="1"/>
             <a:t>Sequences</a:t>
           </a:r>
           <a:r>
-            <a:rPr lang="it-IT" dirty="0" smtClean="0"/>
+            <a:rPr lang="it-IT" dirty="0"/>
             <a:t> </a:t>
           </a:r>
           <a:r>
-            <a:rPr lang="it-IT" dirty="0" err="1" smtClean="0"/>
+            <a:rPr lang="it-IT" dirty="0" err="1"/>
             <a:t>alignment</a:t>
           </a:r>
           <a:r>
-            <a:rPr lang="it-IT" dirty="0" smtClean="0"/>
+            <a:rPr lang="it-IT" dirty="0"/>
             <a:t> </a:t>
           </a:r>
           <a:r>
-            <a:rPr lang="it-IT" dirty="0" err="1" smtClean="0"/>
+            <a:rPr lang="it-IT" dirty="0" err="1"/>
             <a:t>using</a:t>
           </a:r>
           <a:r>
-            <a:rPr lang="it-IT" dirty="0" smtClean="0"/>
+            <a:rPr lang="it-IT" dirty="0"/>
             <a:t> the </a:t>
           </a:r>
           <a:r>
-            <a:rPr lang="it-IT" dirty="0" err="1" smtClean="0"/>
+            <a:rPr lang="it-IT" dirty="0" err="1"/>
             <a:t>tool</a:t>
           </a:r>
           <a:r>
-            <a:rPr lang="it-IT" dirty="0" smtClean="0"/>
+            <a:rPr lang="it-IT" dirty="0"/>
             <a:t> </a:t>
           </a:r>
           <a:r>
-            <a:rPr lang="it-IT" dirty="0" err="1" smtClean="0"/>
+            <a:rPr lang="it-IT" dirty="0" err="1"/>
             <a:t>Clustal</a:t>
           </a:r>
           <a:r>
-            <a:rPr lang="el-GR" dirty="0" smtClean="0"/>
+            <a:rPr lang="el-GR" dirty="0"/>
             <a:t>Ω</a:t>
           </a:r>
           <a:endParaRPr lang="en-US" dirty="0"/>
@@ -2297,13 +2234,6 @@
         </dgm:presLayoutVars>
       </dgm:prSet>
       <dgm:spPr/>
-      <dgm:t>
-        <a:bodyPr/>
-        <a:lstStyle/>
-        <a:p>
-          <a:endParaRPr lang="it-IT"/>
-        </a:p>
-      </dgm:t>
     </dgm:pt>
     <dgm:pt modelId="{82EF277C-2213-4445-8D12-FDB136C6F7E1}" type="pres">
       <dgm:prSet presAssocID="{F8160A3E-A963-467A-8219-313B6B055B31}" presName="dummyMaxCanvas" presStyleCnt="0">
@@ -2318,13 +2248,6 @@
         </dgm:presLayoutVars>
       </dgm:prSet>
       <dgm:spPr/>
-      <dgm:t>
-        <a:bodyPr/>
-        <a:lstStyle/>
-        <a:p>
-          <a:endParaRPr lang="it-IT"/>
-        </a:p>
-      </dgm:t>
     </dgm:pt>
     <dgm:pt modelId="{E6319F86-8BE7-A041-89FC-2A2AEC12181B}" type="pres">
       <dgm:prSet presAssocID="{F8160A3E-A963-467A-8219-313B6B055B31}" presName="FourNodes_2" presStyleLbl="node1" presStyleIdx="1" presStyleCnt="4">
@@ -2333,13 +2256,6 @@
         </dgm:presLayoutVars>
       </dgm:prSet>
       <dgm:spPr/>
-      <dgm:t>
-        <a:bodyPr/>
-        <a:lstStyle/>
-        <a:p>
-          <a:endParaRPr lang="it-IT"/>
-        </a:p>
-      </dgm:t>
     </dgm:pt>
     <dgm:pt modelId="{F95805FA-E380-2842-A87D-4F4662F6EC6C}" type="pres">
       <dgm:prSet presAssocID="{F8160A3E-A963-467A-8219-313B6B055B31}" presName="FourNodes_3" presStyleLbl="node1" presStyleIdx="2" presStyleCnt="4">
@@ -2348,13 +2264,6 @@
         </dgm:presLayoutVars>
       </dgm:prSet>
       <dgm:spPr/>
-      <dgm:t>
-        <a:bodyPr/>
-        <a:lstStyle/>
-        <a:p>
-          <a:endParaRPr lang="it-IT"/>
-        </a:p>
-      </dgm:t>
     </dgm:pt>
     <dgm:pt modelId="{B2E6D2CA-3B8B-974D-9856-97FFC482A0D2}" type="pres">
       <dgm:prSet presAssocID="{F8160A3E-A963-467A-8219-313B6B055B31}" presName="FourNodes_4" presStyleLbl="node1" presStyleIdx="3" presStyleCnt="4">
@@ -2363,13 +2272,6 @@
         </dgm:presLayoutVars>
       </dgm:prSet>
       <dgm:spPr/>
-      <dgm:t>
-        <a:bodyPr/>
-        <a:lstStyle/>
-        <a:p>
-          <a:endParaRPr lang="it-IT"/>
-        </a:p>
-      </dgm:t>
     </dgm:pt>
     <dgm:pt modelId="{0DA12D60-055D-134E-A9B8-2C1874310521}" type="pres">
       <dgm:prSet presAssocID="{F8160A3E-A963-467A-8219-313B6B055B31}" presName="FourConn_1-2" presStyleLbl="fgAccFollowNode1" presStyleIdx="0" presStyleCnt="3">
@@ -2378,13 +2280,6 @@
         </dgm:presLayoutVars>
       </dgm:prSet>
       <dgm:spPr/>
-      <dgm:t>
-        <a:bodyPr/>
-        <a:lstStyle/>
-        <a:p>
-          <a:endParaRPr lang="it-IT"/>
-        </a:p>
-      </dgm:t>
     </dgm:pt>
     <dgm:pt modelId="{2F5C699D-3F9D-434F-91E1-B32C7D6ABC66}" type="pres">
       <dgm:prSet presAssocID="{F8160A3E-A963-467A-8219-313B6B055B31}" presName="FourConn_2-3" presStyleLbl="fgAccFollowNode1" presStyleIdx="1" presStyleCnt="3">
@@ -2393,13 +2288,6 @@
         </dgm:presLayoutVars>
       </dgm:prSet>
       <dgm:spPr/>
-      <dgm:t>
-        <a:bodyPr/>
-        <a:lstStyle/>
-        <a:p>
-          <a:endParaRPr lang="it-IT"/>
-        </a:p>
-      </dgm:t>
     </dgm:pt>
     <dgm:pt modelId="{3C07E660-A072-104F-AC32-161675AA93BE}" type="pres">
       <dgm:prSet presAssocID="{F8160A3E-A963-467A-8219-313B6B055B31}" presName="FourConn_3-4" presStyleLbl="fgAccFollowNode1" presStyleIdx="2" presStyleCnt="3">
@@ -2408,13 +2296,6 @@
         </dgm:presLayoutVars>
       </dgm:prSet>
       <dgm:spPr/>
-      <dgm:t>
-        <a:bodyPr/>
-        <a:lstStyle/>
-        <a:p>
-          <a:endParaRPr lang="it-IT"/>
-        </a:p>
-      </dgm:t>
     </dgm:pt>
     <dgm:pt modelId="{DDAF628B-B27C-9042-B782-4B961C17FE7A}" type="pres">
       <dgm:prSet presAssocID="{F8160A3E-A963-467A-8219-313B6B055B31}" presName="FourNodes_1_text" presStyleLbl="node1" presStyleIdx="3" presStyleCnt="4">
@@ -2423,13 +2304,6 @@
         </dgm:presLayoutVars>
       </dgm:prSet>
       <dgm:spPr/>
-      <dgm:t>
-        <a:bodyPr/>
-        <a:lstStyle/>
-        <a:p>
-          <a:endParaRPr lang="it-IT"/>
-        </a:p>
-      </dgm:t>
     </dgm:pt>
     <dgm:pt modelId="{13A2342E-9122-3F47-869A-05A40BA61398}" type="pres">
       <dgm:prSet presAssocID="{F8160A3E-A963-467A-8219-313B6B055B31}" presName="FourNodes_2_text" presStyleLbl="node1" presStyleIdx="3" presStyleCnt="4">
@@ -2438,13 +2312,6 @@
         </dgm:presLayoutVars>
       </dgm:prSet>
       <dgm:spPr/>
-      <dgm:t>
-        <a:bodyPr/>
-        <a:lstStyle/>
-        <a:p>
-          <a:endParaRPr lang="it-IT"/>
-        </a:p>
-      </dgm:t>
     </dgm:pt>
     <dgm:pt modelId="{CC0FF26E-5EBA-AD41-8941-D2614A367BF9}" type="pres">
       <dgm:prSet presAssocID="{F8160A3E-A963-467A-8219-313B6B055B31}" presName="FourNodes_3_text" presStyleLbl="node1" presStyleIdx="3" presStyleCnt="4">
@@ -2453,13 +2320,6 @@
         </dgm:presLayoutVars>
       </dgm:prSet>
       <dgm:spPr/>
-      <dgm:t>
-        <a:bodyPr/>
-        <a:lstStyle/>
-        <a:p>
-          <a:endParaRPr lang="it-IT"/>
-        </a:p>
-      </dgm:t>
     </dgm:pt>
     <dgm:pt modelId="{5D3A2110-DB2F-8E4E-9652-4C558ED19448}" type="pres">
       <dgm:prSet presAssocID="{F8160A3E-A963-467A-8219-313B6B055B31}" presName="FourNodes_4_text" presStyleLbl="node1" presStyleIdx="3" presStyleCnt="4">
@@ -2468,32 +2328,25 @@
         </dgm:presLayoutVars>
       </dgm:prSet>
       <dgm:spPr/>
-      <dgm:t>
-        <a:bodyPr/>
-        <a:lstStyle/>
-        <a:p>
-          <a:endParaRPr lang="it-IT"/>
-        </a:p>
-      </dgm:t>
     </dgm:pt>
   </dgm:ptLst>
   <dgm:cxnLst>
     <dgm:cxn modelId="{8609E406-8669-C545-BC1C-6614D2B9CF29}" type="presOf" srcId="{6945B686-5E81-46EA-9776-CCE8923A7222}" destId="{B2E6D2CA-3B8B-974D-9856-97FFC482A0D2}" srcOrd="0" destOrd="0" presId="urn:microsoft.com/office/officeart/2005/8/layout/vProcess5"/>
+    <dgm:cxn modelId="{A54CA107-1744-D446-8620-ED845A9D5F4F}" type="presOf" srcId="{B2119B6F-2E65-4496-9F68-031377BB61EE}" destId="{F95805FA-E380-2842-A87D-4F4662F6EC6C}" srcOrd="0" destOrd="0" presId="urn:microsoft.com/office/officeart/2005/8/layout/vProcess5"/>
+    <dgm:cxn modelId="{107E2A3E-9B91-0D47-B418-D185F3339280}" type="presOf" srcId="{B2119B6F-2E65-4496-9F68-031377BB61EE}" destId="{CC0FF26E-5EBA-AD41-8941-D2614A367BF9}" srcOrd="1" destOrd="0" presId="urn:microsoft.com/office/officeart/2005/8/layout/vProcess5"/>
     <dgm:cxn modelId="{03460D56-A595-4A67-A64C-778F18963B5D}" srcId="{F8160A3E-A963-467A-8219-313B6B055B31}" destId="{467995B1-BBA4-402F-BF81-52C0AA2B1042}" srcOrd="0" destOrd="0" parTransId="{B748413D-08B3-4F7F-84B8-DE2956615C70}" sibTransId="{963485DB-7438-4272-871E-A12D01E3925E}"/>
-    <dgm:cxn modelId="{A54CA107-1744-D446-8620-ED845A9D5F4F}" type="presOf" srcId="{B2119B6F-2E65-4496-9F68-031377BB61EE}" destId="{F95805FA-E380-2842-A87D-4F4662F6EC6C}" srcOrd="0" destOrd="0" presId="urn:microsoft.com/office/officeart/2005/8/layout/vProcess5"/>
-    <dgm:cxn modelId="{1A1A8BEC-3596-0A4C-A9FD-F837912E30C1}" type="presOf" srcId="{6945B686-5E81-46EA-9776-CCE8923A7222}" destId="{5D3A2110-DB2F-8E4E-9652-4C558ED19448}" srcOrd="1" destOrd="0" presId="urn:microsoft.com/office/officeart/2005/8/layout/vProcess5"/>
+    <dgm:cxn modelId="{9ABBC95D-3024-DD49-90FC-1AB6035CE145}" type="presOf" srcId="{ED533DBB-5160-4B81-B999-99A9933E2963}" destId="{2F5C699D-3F9D-434F-91E1-B32C7D6ABC66}" srcOrd="0" destOrd="0" presId="urn:microsoft.com/office/officeart/2005/8/layout/vProcess5"/>
+    <dgm:cxn modelId="{CEDAE385-3D2E-A24F-A36B-0DF89AE4D727}" type="presOf" srcId="{963485DB-7438-4272-871E-A12D01E3925E}" destId="{0DA12D60-055D-134E-A9B8-2C1874310521}" srcOrd="0" destOrd="0" presId="urn:microsoft.com/office/officeart/2005/8/layout/vProcess5"/>
+    <dgm:cxn modelId="{F8835D91-4A8E-E74F-BC28-C9EFF0EAE8E3}" type="presOf" srcId="{467995B1-BBA4-402F-BF81-52C0AA2B1042}" destId="{DDAF628B-B27C-9042-B782-4B961C17FE7A}" srcOrd="1" destOrd="0" presId="urn:microsoft.com/office/officeart/2005/8/layout/vProcess5"/>
+    <dgm:cxn modelId="{8643899D-3B8A-4AEA-9520-7337B04F73C7}" srcId="{F8160A3E-A963-467A-8219-313B6B055B31}" destId="{B2119B6F-2E65-4496-9F68-031377BB61EE}" srcOrd="2" destOrd="0" parTransId="{FDE64DC8-01AE-4F04-85BD-1676BF3E8CAA}" sibTransId="{9225F721-28C4-46E8-8049-70C7D1FD59E8}"/>
     <dgm:cxn modelId="{29A5B3AB-EF2D-9949-B73C-9D3F975B16A9}" type="presOf" srcId="{A96EB6D9-31A7-489C-B289-15B8E314C7D8}" destId="{13A2342E-9122-3F47-869A-05A40BA61398}" srcOrd="1" destOrd="0" presId="urn:microsoft.com/office/officeart/2005/8/layout/vProcess5"/>
-    <dgm:cxn modelId="{D5D215C6-B41C-42B1-A69B-59A643E91A3D}" srcId="{F8160A3E-A963-467A-8219-313B6B055B31}" destId="{A96EB6D9-31A7-489C-B289-15B8E314C7D8}" srcOrd="1" destOrd="0" parTransId="{18AA0681-5067-4FBF-990F-F2CD98FF460A}" sibTransId="{ED533DBB-5160-4B81-B999-99A9933E2963}"/>
-    <dgm:cxn modelId="{107E2A3E-9B91-0D47-B418-D185F3339280}" type="presOf" srcId="{B2119B6F-2E65-4496-9F68-031377BB61EE}" destId="{CC0FF26E-5EBA-AD41-8941-D2614A367BF9}" srcOrd="1" destOrd="0" presId="urn:microsoft.com/office/officeart/2005/8/layout/vProcess5"/>
-    <dgm:cxn modelId="{B11B08BB-7C60-7941-91F3-83B989B5F9DB}" type="presOf" srcId="{F8160A3E-A963-467A-8219-313B6B055B31}" destId="{685947E2-C2F8-E24E-89DF-828398CF5487}" srcOrd="0" destOrd="0" presId="urn:microsoft.com/office/officeart/2005/8/layout/vProcess5"/>
-    <dgm:cxn modelId="{9ABBC95D-3024-DD49-90FC-1AB6035CE145}" type="presOf" srcId="{ED533DBB-5160-4B81-B999-99A9933E2963}" destId="{2F5C699D-3F9D-434F-91E1-B32C7D6ABC66}" srcOrd="0" destOrd="0" presId="urn:microsoft.com/office/officeart/2005/8/layout/vProcess5"/>
-    <dgm:cxn modelId="{F8835D91-4A8E-E74F-BC28-C9EFF0EAE8E3}" type="presOf" srcId="{467995B1-BBA4-402F-BF81-52C0AA2B1042}" destId="{DDAF628B-B27C-9042-B782-4B961C17FE7A}" srcOrd="1" destOrd="0" presId="urn:microsoft.com/office/officeart/2005/8/layout/vProcess5"/>
-    <dgm:cxn modelId="{5714F0B4-1E65-1849-B41E-255B49C653EC}" type="presOf" srcId="{9225F721-28C4-46E8-8049-70C7D1FD59E8}" destId="{3C07E660-A072-104F-AC32-161675AA93BE}" srcOrd="0" destOrd="0" presId="urn:microsoft.com/office/officeart/2005/8/layout/vProcess5"/>
-    <dgm:cxn modelId="{CEDAE385-3D2E-A24F-A36B-0DF89AE4D727}" type="presOf" srcId="{963485DB-7438-4272-871E-A12D01E3925E}" destId="{0DA12D60-055D-134E-A9B8-2C1874310521}" srcOrd="0" destOrd="0" presId="urn:microsoft.com/office/officeart/2005/8/layout/vProcess5"/>
-    <dgm:cxn modelId="{C3F18CC2-18C7-4CC5-9AE0-72556CBD265B}" srcId="{F8160A3E-A963-467A-8219-313B6B055B31}" destId="{6945B686-5E81-46EA-9776-CCE8923A7222}" srcOrd="3" destOrd="0" parTransId="{0E512132-82F8-4023-B677-0AFAE832D2C0}" sibTransId="{074C87D0-D2C0-40CD-82B6-86FC282C4568}"/>
     <dgm:cxn modelId="{3297ABB0-BA5C-7D4A-A06E-7249A8338BE4}" type="presOf" srcId="{A96EB6D9-31A7-489C-B289-15B8E314C7D8}" destId="{E6319F86-8BE7-A041-89FC-2A2AEC12181B}" srcOrd="0" destOrd="0" presId="urn:microsoft.com/office/officeart/2005/8/layout/vProcess5"/>
     <dgm:cxn modelId="{6DA63AB1-26FB-C346-A0C8-9DCDF5B80249}" type="presOf" srcId="{467995B1-BBA4-402F-BF81-52C0AA2B1042}" destId="{0D73F6C1-327A-7645-9950-7011FA4C6C08}" srcOrd="0" destOrd="0" presId="urn:microsoft.com/office/officeart/2005/8/layout/vProcess5"/>
-    <dgm:cxn modelId="{8643899D-3B8A-4AEA-9520-7337B04F73C7}" srcId="{F8160A3E-A963-467A-8219-313B6B055B31}" destId="{B2119B6F-2E65-4496-9F68-031377BB61EE}" srcOrd="2" destOrd="0" parTransId="{FDE64DC8-01AE-4F04-85BD-1676BF3E8CAA}" sibTransId="{9225F721-28C4-46E8-8049-70C7D1FD59E8}"/>
+    <dgm:cxn modelId="{5714F0B4-1E65-1849-B41E-255B49C653EC}" type="presOf" srcId="{9225F721-28C4-46E8-8049-70C7D1FD59E8}" destId="{3C07E660-A072-104F-AC32-161675AA93BE}" srcOrd="0" destOrd="0" presId="urn:microsoft.com/office/officeart/2005/8/layout/vProcess5"/>
+    <dgm:cxn modelId="{B11B08BB-7C60-7941-91F3-83B989B5F9DB}" type="presOf" srcId="{F8160A3E-A963-467A-8219-313B6B055B31}" destId="{685947E2-C2F8-E24E-89DF-828398CF5487}" srcOrd="0" destOrd="0" presId="urn:microsoft.com/office/officeart/2005/8/layout/vProcess5"/>
+    <dgm:cxn modelId="{C3F18CC2-18C7-4CC5-9AE0-72556CBD265B}" srcId="{F8160A3E-A963-467A-8219-313B6B055B31}" destId="{6945B686-5E81-46EA-9776-CCE8923A7222}" srcOrd="3" destOrd="0" parTransId="{0E512132-82F8-4023-B677-0AFAE832D2C0}" sibTransId="{074C87D0-D2C0-40CD-82B6-86FC282C4568}"/>
+    <dgm:cxn modelId="{D5D215C6-B41C-42B1-A69B-59A643E91A3D}" srcId="{F8160A3E-A963-467A-8219-313B6B055B31}" destId="{A96EB6D9-31A7-489C-B289-15B8E314C7D8}" srcOrd="1" destOrd="0" parTransId="{18AA0681-5067-4FBF-990F-F2CD98FF460A}" sibTransId="{ED533DBB-5160-4B81-B999-99A9933E2963}"/>
+    <dgm:cxn modelId="{1A1A8BEC-3596-0A4C-A9FD-F837912E30C1}" type="presOf" srcId="{6945B686-5E81-46EA-9776-CCE8923A7222}" destId="{5D3A2110-DB2F-8E4E-9652-4C558ED19448}" srcOrd="1" destOrd="0" presId="urn:microsoft.com/office/officeart/2005/8/layout/vProcess5"/>
     <dgm:cxn modelId="{959C09A1-367C-6247-9B26-A994172A4A80}" type="presParOf" srcId="{685947E2-C2F8-E24E-89DF-828398CF5487}" destId="{82EF277C-2213-4445-8D12-FDB136C6F7E1}" srcOrd="0" destOrd="0" presId="urn:microsoft.com/office/officeart/2005/8/layout/vProcess5"/>
     <dgm:cxn modelId="{8AD4D9A0-891B-814E-93D9-CA60A8B9C4F4}" type="presParOf" srcId="{685947E2-C2F8-E24E-89DF-828398CF5487}" destId="{0D73F6C1-327A-7645-9950-7011FA4C6C08}" srcOrd="1" destOrd="0" presId="urn:microsoft.com/office/officeart/2005/8/layout/vProcess5"/>
     <dgm:cxn modelId="{8ADA6A47-5B33-E445-8F18-842C06C14604}" type="presParOf" srcId="{685947E2-C2F8-E24E-89DF-828398CF5487}" destId="{E6319F86-8BE7-A041-89FC-2A2AEC12181B}" srcOrd="2" destOrd="0" presId="urn:microsoft.com/office/officeart/2005/8/layout/vProcess5"/>
@@ -2511,7 +2364,7 @@
   <dgm:whole/>
   <dgm:extLst>
     <a:ext uri="http://schemas.microsoft.com/office/drawing/2008/diagram">
-      <dsp:dataModelExt xmlns="" xmlns:dsp="http://schemas.microsoft.com/office/drawing/2008/diagram" relId="rId6" minVer="http://schemas.openxmlformats.org/drawingml/2006/diagram"/>
+      <dsp:dataModelExt xmlns:dsp="http://schemas.microsoft.com/office/drawing/2008/diagram" relId="rId6" minVer="http://schemas.openxmlformats.org/drawingml/2006/diagram"/>
     </a:ext>
   </dgm:extLst>
 </dgm:dataModel>
@@ -2581,7 +2434,7 @@
         </a:bodyPr>
         <a:lstStyle/>
         <a:p>
-          <a:pPr lvl="0" algn="l" defTabSz="1466850">
+          <a:pPr marL="0" lvl="0" indent="0" algn="l" defTabSz="1466850">
             <a:lnSpc>
               <a:spcPct val="90000"/>
             </a:lnSpc>
@@ -2591,21 +2444,22 @@
             <a:spcAft>
               <a:spcPct val="35000"/>
             </a:spcAft>
+            <a:buNone/>
           </a:pPr>
           <a:r>
-            <a:rPr lang="it-IT" sz="3300" kern="1200" dirty="0" err="1" smtClean="0"/>
+            <a:rPr lang="it-IT" sz="3300" kern="1200" dirty="0" err="1"/>
             <a:t>Sequences</a:t>
           </a:r>
           <a:r>
-            <a:rPr lang="it-IT" sz="3300" kern="1200" dirty="0" smtClean="0"/>
+            <a:rPr lang="it-IT" sz="3300" kern="1200" dirty="0"/>
             <a:t> </a:t>
           </a:r>
           <a:r>
-            <a:rPr lang="it-IT" sz="3300" kern="1200" dirty="0" err="1" smtClean="0"/>
+            <a:rPr lang="it-IT" sz="3300" kern="1200" dirty="0" err="1"/>
             <a:t>selection</a:t>
           </a:r>
           <a:r>
-            <a:rPr lang="it-IT" sz="3300" kern="1200" dirty="0" smtClean="0"/>
+            <a:rPr lang="it-IT" sz="3300" kern="1200" dirty="0"/>
             <a:t> on the NCBI site</a:t>
           </a:r>
           <a:endParaRPr lang="en-US" sz="3300" kern="1200" dirty="0"/>
@@ -2672,7 +2526,7 @@
         </a:bodyPr>
         <a:lstStyle/>
         <a:p>
-          <a:pPr lvl="0" algn="l" defTabSz="1466850">
+          <a:pPr marL="0" lvl="0" indent="0" algn="l" defTabSz="1466850">
             <a:lnSpc>
               <a:spcPct val="90000"/>
             </a:lnSpc>
@@ -2682,45 +2536,46 @@
             <a:spcAft>
               <a:spcPct val="35000"/>
             </a:spcAft>
+            <a:buNone/>
           </a:pPr>
           <a:r>
-            <a:rPr lang="it-IT" sz="3300" kern="1200" dirty="0" err="1" smtClean="0"/>
+            <a:rPr lang="it-IT" sz="3300" kern="1200" dirty="0" err="1"/>
             <a:t>Sequences</a:t>
           </a:r>
           <a:r>
-            <a:rPr lang="it-IT" sz="3300" kern="1200" dirty="0" smtClean="0"/>
+            <a:rPr lang="it-IT" sz="3300" kern="1200" dirty="0"/>
             <a:t> </a:t>
           </a:r>
           <a:r>
-            <a:rPr lang="it-IT" sz="3300" kern="1200" dirty="0" err="1" smtClean="0"/>
+            <a:rPr lang="it-IT" sz="3300" kern="1200" dirty="0" err="1"/>
             <a:t>alignment</a:t>
           </a:r>
           <a:r>
-            <a:rPr lang="it-IT" sz="3300" kern="1200" dirty="0" smtClean="0"/>
+            <a:rPr lang="it-IT" sz="3300" kern="1200" dirty="0"/>
             <a:t> </a:t>
           </a:r>
           <a:r>
-            <a:rPr lang="it-IT" sz="3300" kern="1200" dirty="0" err="1" smtClean="0"/>
+            <a:rPr lang="it-IT" sz="3300" kern="1200" dirty="0" err="1"/>
             <a:t>using</a:t>
           </a:r>
           <a:r>
-            <a:rPr lang="it-IT" sz="3300" kern="1200" dirty="0" smtClean="0"/>
+            <a:rPr lang="it-IT" sz="3300" kern="1200" dirty="0"/>
             <a:t> the </a:t>
           </a:r>
           <a:r>
-            <a:rPr lang="it-IT" sz="3300" kern="1200" dirty="0" err="1" smtClean="0"/>
+            <a:rPr lang="it-IT" sz="3300" kern="1200" dirty="0" err="1"/>
             <a:t>tool</a:t>
           </a:r>
           <a:r>
-            <a:rPr lang="it-IT" sz="3300" kern="1200" dirty="0" smtClean="0"/>
+            <a:rPr lang="it-IT" sz="3300" kern="1200" dirty="0"/>
             <a:t> </a:t>
           </a:r>
           <a:r>
-            <a:rPr lang="it-IT" sz="3300" kern="1200" dirty="0" err="1" smtClean="0"/>
+            <a:rPr lang="it-IT" sz="3300" kern="1200" dirty="0" err="1"/>
             <a:t>Clustal</a:t>
           </a:r>
           <a:r>
-            <a:rPr lang="el-GR" sz="3300" kern="1200" dirty="0" smtClean="0"/>
+            <a:rPr lang="el-GR" sz="3300" kern="1200" dirty="0"/>
             <a:t>Ω</a:t>
           </a:r>
           <a:endParaRPr lang="en-US" sz="3300" kern="1200" dirty="0"/>
@@ -2787,7 +2642,7 @@
         </a:bodyPr>
         <a:lstStyle/>
         <a:p>
-          <a:pPr lvl="0" algn="l" defTabSz="1466850">
+          <a:pPr marL="0" lvl="0" indent="0" algn="l" defTabSz="1466850">
             <a:lnSpc>
               <a:spcPct val="90000"/>
             </a:lnSpc>
@@ -2797,33 +2652,34 @@
             <a:spcAft>
               <a:spcPct val="35000"/>
             </a:spcAft>
+            <a:buNone/>
           </a:pPr>
           <a:r>
-            <a:rPr lang="it-IT" sz="3300" kern="1200" dirty="0" err="1" smtClean="0"/>
+            <a:rPr lang="it-IT" sz="3300" kern="1200" dirty="0" err="1"/>
             <a:t>Sequences</a:t>
           </a:r>
           <a:r>
-            <a:rPr lang="it-IT" sz="3300" kern="1200" dirty="0" smtClean="0"/>
+            <a:rPr lang="it-IT" sz="3300" kern="1200" dirty="0"/>
             <a:t> </a:t>
           </a:r>
           <a:r>
-            <a:rPr lang="it-IT" sz="3300" kern="1200" dirty="0" err="1" smtClean="0"/>
+            <a:rPr lang="it-IT" sz="3300" kern="1200" dirty="0" err="1"/>
             <a:t>comparison</a:t>
           </a:r>
           <a:r>
-            <a:rPr lang="it-IT" sz="3300" kern="1200" dirty="0" smtClean="0"/>
+            <a:rPr lang="it-IT" sz="3300" kern="1200" dirty="0"/>
             <a:t> and </a:t>
           </a:r>
           <a:r>
-            <a:rPr lang="it-IT" sz="3300" kern="1200" dirty="0" err="1" smtClean="0"/>
+            <a:rPr lang="it-IT" sz="3300" kern="1200" dirty="0" err="1"/>
             <a:t>mutations</a:t>
           </a:r>
           <a:r>
-            <a:rPr lang="it-IT" sz="3300" kern="1200" dirty="0" smtClean="0"/>
+            <a:rPr lang="it-IT" sz="3300" kern="1200" dirty="0"/>
             <a:t> </a:t>
           </a:r>
           <a:r>
-            <a:rPr lang="it-IT" sz="3300" kern="1200" dirty="0" err="1" smtClean="0"/>
+            <a:rPr lang="it-IT" sz="3300" kern="1200" dirty="0" err="1"/>
             <a:t>count</a:t>
           </a:r>
           <a:endParaRPr lang="en-US" sz="3300" kern="1200" dirty="0"/>
@@ -2893,7 +2749,7 @@
         </a:bodyPr>
         <a:lstStyle/>
         <a:p>
-          <a:pPr lvl="0" algn="ctr" defTabSz="1600200">
+          <a:pPr marL="0" lvl="0" indent="0" algn="ctr" defTabSz="1600200">
             <a:lnSpc>
               <a:spcPct val="90000"/>
             </a:lnSpc>
@@ -2903,6 +2759,7 @@
             <a:spcAft>
               <a:spcPct val="35000"/>
             </a:spcAft>
+            <a:buNone/>
           </a:pPr>
           <a:endParaRPr lang="en-US" sz="3600" kern="1200"/>
         </a:p>
@@ -2971,7 +2828,7 @@
         </a:bodyPr>
         <a:lstStyle/>
         <a:p>
-          <a:pPr lvl="0" algn="ctr" defTabSz="1600200">
+          <a:pPr marL="0" lvl="0" indent="0" algn="ctr" defTabSz="1600200">
             <a:lnSpc>
               <a:spcPct val="90000"/>
             </a:lnSpc>
@@ -2981,6 +2838,7 @@
             <a:spcAft>
               <a:spcPct val="35000"/>
             </a:spcAft>
+            <a:buNone/>
           </a:pPr>
           <a:endParaRPr lang="en-US" sz="3600" kern="1200"/>
         </a:p>
@@ -3058,7 +2916,7 @@
         </a:bodyPr>
         <a:lstStyle/>
         <a:p>
-          <a:pPr lvl="0" algn="l" defTabSz="1066800">
+          <a:pPr marL="0" lvl="0" indent="0" algn="l" defTabSz="1066800">
             <a:lnSpc>
               <a:spcPct val="90000"/>
             </a:lnSpc>
@@ -3068,21 +2926,22 @@
             <a:spcAft>
               <a:spcPct val="35000"/>
             </a:spcAft>
+            <a:buNone/>
           </a:pPr>
           <a:r>
-            <a:rPr lang="it-IT" sz="2400" kern="1200" dirty="0" err="1" smtClean="0"/>
+            <a:rPr lang="it-IT" sz="2400" kern="1200" dirty="0" err="1"/>
             <a:t>Sequences</a:t>
           </a:r>
           <a:r>
-            <a:rPr lang="it-IT" sz="2400" kern="1200" dirty="0" smtClean="0"/>
+            <a:rPr lang="it-IT" sz="2400" kern="1200" dirty="0"/>
             <a:t> </a:t>
           </a:r>
           <a:r>
-            <a:rPr lang="it-IT" sz="2400" kern="1200" dirty="0" err="1" smtClean="0"/>
+            <a:rPr lang="it-IT" sz="2400" kern="1200" dirty="0" err="1"/>
             <a:t>selection</a:t>
           </a:r>
           <a:r>
-            <a:rPr lang="it-IT" sz="2400" kern="1200" dirty="0" smtClean="0"/>
+            <a:rPr lang="it-IT" sz="2400" kern="1200" dirty="0"/>
             <a:t> on the NCBI site</a:t>
           </a:r>
           <a:endParaRPr lang="en-US" sz="2400" kern="1200" dirty="0"/>
@@ -3149,7 +3008,7 @@
         </a:bodyPr>
         <a:lstStyle/>
         <a:p>
-          <a:pPr lvl="0" algn="l" defTabSz="1066800">
+          <a:pPr marL="0" lvl="0" indent="0" algn="l" defTabSz="1066800">
             <a:lnSpc>
               <a:spcPct val="90000"/>
             </a:lnSpc>
@@ -3159,45 +3018,46 @@
             <a:spcAft>
               <a:spcPct val="35000"/>
             </a:spcAft>
+            <a:buNone/>
           </a:pPr>
           <a:r>
-            <a:rPr lang="it-IT" sz="2400" kern="1200" dirty="0" err="1" smtClean="0"/>
+            <a:rPr lang="it-IT" sz="2400" kern="1200" dirty="0" err="1"/>
             <a:t>Sequences</a:t>
           </a:r>
           <a:r>
-            <a:rPr lang="it-IT" sz="2400" kern="1200" dirty="0" smtClean="0"/>
+            <a:rPr lang="it-IT" sz="2400" kern="1200" dirty="0"/>
             <a:t> </a:t>
           </a:r>
           <a:r>
-            <a:rPr lang="it-IT" sz="2400" kern="1200" dirty="0" err="1" smtClean="0"/>
+            <a:rPr lang="it-IT" sz="2400" kern="1200" dirty="0" err="1"/>
             <a:t>alignment</a:t>
           </a:r>
           <a:r>
-            <a:rPr lang="it-IT" sz="2400" kern="1200" dirty="0" smtClean="0"/>
+            <a:rPr lang="it-IT" sz="2400" kern="1200" dirty="0"/>
             <a:t> </a:t>
           </a:r>
           <a:r>
-            <a:rPr lang="it-IT" sz="2400" kern="1200" dirty="0" err="1" smtClean="0"/>
+            <a:rPr lang="it-IT" sz="2400" kern="1200" dirty="0" err="1"/>
             <a:t>using</a:t>
           </a:r>
           <a:r>
-            <a:rPr lang="it-IT" sz="2400" kern="1200" dirty="0" smtClean="0"/>
+            <a:rPr lang="it-IT" sz="2400" kern="1200" dirty="0"/>
             <a:t> the </a:t>
           </a:r>
           <a:r>
-            <a:rPr lang="it-IT" sz="2400" kern="1200" dirty="0" err="1" smtClean="0"/>
+            <a:rPr lang="it-IT" sz="2400" kern="1200" dirty="0" err="1"/>
             <a:t>tool</a:t>
           </a:r>
           <a:r>
-            <a:rPr lang="it-IT" sz="2400" kern="1200" dirty="0" smtClean="0"/>
+            <a:rPr lang="it-IT" sz="2400" kern="1200" dirty="0"/>
             <a:t> </a:t>
           </a:r>
           <a:r>
-            <a:rPr lang="it-IT" sz="2400" kern="1200" dirty="0" err="1" smtClean="0"/>
+            <a:rPr lang="it-IT" sz="2400" kern="1200" dirty="0" err="1"/>
             <a:t>Clustal</a:t>
           </a:r>
           <a:r>
-            <a:rPr lang="el-GR" sz="2400" kern="1200" dirty="0" smtClean="0"/>
+            <a:rPr lang="el-GR" sz="2400" kern="1200" dirty="0"/>
             <a:t>Ω</a:t>
           </a:r>
           <a:endParaRPr lang="en-US" sz="2400" kern="1200" dirty="0"/>
@@ -3264,7 +3124,7 @@
         </a:bodyPr>
         <a:lstStyle/>
         <a:p>
-          <a:pPr lvl="0" algn="l" defTabSz="1066800">
+          <a:pPr marL="0" lvl="0" indent="0" algn="l" defTabSz="1066800">
             <a:lnSpc>
               <a:spcPct val="90000"/>
             </a:lnSpc>
@@ -3274,6 +3134,7 @@
             <a:spcAft>
               <a:spcPct val="35000"/>
             </a:spcAft>
+            <a:buNone/>
           </a:pPr>
           <a:r>
             <a:rPr lang="it-IT" sz="2400" kern="1200"/>
@@ -3343,7 +3204,7 @@
         </a:bodyPr>
         <a:lstStyle/>
         <a:p>
-          <a:pPr lvl="0" algn="l" defTabSz="1066800">
+          <a:pPr marL="0" lvl="0" indent="0" algn="l" defTabSz="1066800">
             <a:lnSpc>
               <a:spcPct val="90000"/>
             </a:lnSpc>
@@ -3353,6 +3214,7 @@
             <a:spcAft>
               <a:spcPct val="35000"/>
             </a:spcAft>
+            <a:buNone/>
           </a:pPr>
           <a:r>
             <a:rPr lang="it-IT" sz="2400" kern="1200"/>
@@ -3425,7 +3287,7 @@
         </a:bodyPr>
         <a:lstStyle/>
         <a:p>
-          <a:pPr lvl="0" algn="ctr" defTabSz="1200150">
+          <a:pPr marL="0" lvl="0" indent="0" algn="ctr" defTabSz="1200150">
             <a:lnSpc>
               <a:spcPct val="90000"/>
             </a:lnSpc>
@@ -3435,6 +3297,7 @@
             <a:spcAft>
               <a:spcPct val="35000"/>
             </a:spcAft>
+            <a:buNone/>
           </a:pPr>
           <a:endParaRPr lang="en-US" sz="2700" kern="1200"/>
         </a:p>
@@ -3503,7 +3366,7 @@
         </a:bodyPr>
         <a:lstStyle/>
         <a:p>
-          <a:pPr lvl="0" algn="ctr" defTabSz="1200150">
+          <a:pPr marL="0" lvl="0" indent="0" algn="ctr" defTabSz="1200150">
             <a:lnSpc>
               <a:spcPct val="90000"/>
             </a:lnSpc>
@@ -3513,6 +3376,7 @@
             <a:spcAft>
               <a:spcPct val="35000"/>
             </a:spcAft>
+            <a:buNone/>
           </a:pPr>
           <a:endParaRPr lang="en-US" sz="2700" kern="1200"/>
         </a:p>
@@ -3581,7 +3445,7 @@
         </a:bodyPr>
         <a:lstStyle/>
         <a:p>
-          <a:pPr lvl="0" algn="ctr" defTabSz="1200150">
+          <a:pPr marL="0" lvl="0" indent="0" algn="ctr" defTabSz="1200150">
             <a:lnSpc>
               <a:spcPct val="90000"/>
             </a:lnSpc>
@@ -3591,6 +3455,7 @@
             <a:spcAft>
               <a:spcPct val="35000"/>
             </a:spcAft>
+            <a:buNone/>
           </a:pPr>
           <a:endParaRPr lang="en-US" sz="2700" kern="1200"/>
         </a:p>
@@ -8207,7 +8072,7 @@
             <a:fld id="{10390FF0-C6E6-E642-A464-C856549EE6E0}" type="datetimeFigureOut">
               <a:rPr lang="it-IT" smtClean="0"/>
               <a:pPr/>
-              <a:t>07/09/2021</a:t>
+              <a:t>08/09/21</a:t>
             </a:fld>
             <a:endParaRPr lang="it-IT"/>
           </a:p>
@@ -8375,7 +8240,7 @@
     </p:spTree>
     <p:extLst>
       <p:ext uri="{BB962C8B-B14F-4D97-AF65-F5344CB8AC3E}">
-        <p14:creationId xmlns="" xmlns:p14="http://schemas.microsoft.com/office/powerpoint/2010/main" val="3579200026"/>
+        <p14:creationId xmlns:p14="http://schemas.microsoft.com/office/powerpoint/2010/main" val="3579200026"/>
       </p:ext>
     </p:extLst>
   </p:cSld>
@@ -8552,7 +8417,7 @@
     </p:spTree>
     <p:extLst>
       <p:ext uri="{BB962C8B-B14F-4D97-AF65-F5344CB8AC3E}">
-        <p14:creationId xmlns="" xmlns:p14="http://schemas.microsoft.com/office/powerpoint/2010/main" val="272775438"/>
+        <p14:creationId xmlns:p14="http://schemas.microsoft.com/office/powerpoint/2010/main" val="272775438"/>
       </p:ext>
     </p:extLst>
   </p:cSld>
@@ -9285,7 +9150,7 @@
             <a:fld id="{81536A8D-B074-B845-9FAA-A3D2289A12B3}" type="datetime1">
               <a:rPr lang="it-IT" smtClean="0"/>
               <a:pPr/>
-              <a:t>07/09/2021</a:t>
+              <a:t>08/09/21</a:t>
             </a:fld>
             <a:endParaRPr lang="en-US" dirty="0"/>
           </a:p>
@@ -9537,7 +9402,7 @@
             <a:fld id="{E1B7F390-F908-FB48-B0CB-8D33EA75D3B2}" type="datetime1">
               <a:rPr lang="it-IT" smtClean="0"/>
               <a:pPr/>
-              <a:t>07/09/2021</a:t>
+              <a:t>08/09/21</a:t>
             </a:fld>
             <a:endParaRPr lang="en-US" dirty="0"/>
           </a:p>
@@ -9852,7 +9717,7 @@
             <a:fld id="{CD302E2D-C27E-1C4C-994A-3DA7551676AE}" type="datetime1">
               <a:rPr lang="it-IT" smtClean="0"/>
               <a:pPr/>
-              <a:t>07/09/2021</a:t>
+              <a:t>08/09/21</a:t>
             </a:fld>
             <a:endParaRPr lang="en-US" dirty="0"/>
           </a:p>
@@ -10194,7 +10059,7 @@
             <a:fld id="{3F5F31FF-7CE0-3449-B8E6-CB32FEB9C3EA}" type="datetime1">
               <a:rPr lang="it-IT" smtClean="0"/>
               <a:pPr/>
-              <a:t>07/09/2021</a:t>
+              <a:t>08/09/21</a:t>
             </a:fld>
             <a:endParaRPr lang="en-US" dirty="0"/>
           </a:p>
@@ -10509,7 +10374,7 @@
             <a:fld id="{3C02D599-6467-2641-B882-E9B9BAEFF381}" type="datetime1">
               <a:rPr lang="it-IT" smtClean="0"/>
               <a:pPr/>
-              <a:t>07/09/2021</a:t>
+              <a:t>08/09/21</a:t>
             </a:fld>
             <a:endParaRPr lang="en-US" dirty="0"/>
           </a:p>
@@ -10903,7 +10768,7 @@
             <a:fld id="{47970EC2-D144-064A-918C-49D0F95F06EA}" type="datetime1">
               <a:rPr lang="it-IT" smtClean="0"/>
               <a:pPr/>
-              <a:t>07/09/2021</a:t>
+              <a:t>08/09/21</a:t>
             </a:fld>
             <a:endParaRPr lang="en-US" dirty="0"/>
           </a:p>
@@ -11074,7 +10939,7 @@
             <a:fld id="{ECC65DA1-539B-464C-A789-0B9823B8296B}" type="datetime1">
               <a:rPr lang="it-IT" smtClean="0"/>
               <a:pPr/>
-              <a:t>07/09/2021</a:t>
+              <a:t>08/09/21</a:t>
             </a:fld>
             <a:endParaRPr lang="en-US" dirty="0"/>
           </a:p>
@@ -11255,7 +11120,7 @@
             <a:fld id="{ACE8C882-BDB3-C14B-A6C8-2F7C2C5294B8}" type="datetime1">
               <a:rPr lang="it-IT" smtClean="0"/>
               <a:pPr/>
-              <a:t>07/09/2021</a:t>
+              <a:t>08/09/21</a:t>
             </a:fld>
             <a:endParaRPr lang="en-US" dirty="0"/>
           </a:p>
@@ -11432,7 +11297,7 @@
             <a:fld id="{005BEFCD-A7FB-2B43-A688-67BCB172F232}" type="datetime1">
               <a:rPr lang="it-IT" smtClean="0"/>
               <a:pPr/>
-              <a:t>07/09/2021</a:t>
+              <a:t>08/09/21</a:t>
             </a:fld>
             <a:endParaRPr lang="en-US" dirty="0"/>
           </a:p>
@@ -11680,7 +11545,7 @@
             <a:fld id="{0FD49BFB-9EDE-2145-9A35-714D07AA1C7E}" type="datetime1">
               <a:rPr lang="it-IT" smtClean="0"/>
               <a:pPr/>
-              <a:t>07/09/2021</a:t>
+              <a:t>08/09/21</a:t>
             </a:fld>
             <a:endParaRPr lang="en-US" dirty="0"/>
           </a:p>
@@ -11913,7 +11778,7 @@
             <a:fld id="{D9EEAC53-F2FE-9C4E-9E70-E8DAF9FD1E70}" type="datetime1">
               <a:rPr lang="it-IT" smtClean="0"/>
               <a:pPr/>
-              <a:t>07/09/2021</a:t>
+              <a:t>08/09/21</a:t>
             </a:fld>
             <a:endParaRPr lang="en-US" dirty="0"/>
           </a:p>
@@ -12288,7 +12153,7 @@
             <a:fld id="{F12780DB-25B6-D341-8238-C31D04EBA257}" type="datetime1">
               <a:rPr lang="it-IT" smtClean="0"/>
               <a:pPr/>
-              <a:t>07/09/2021</a:t>
+              <a:t>08/09/21</a:t>
             </a:fld>
             <a:endParaRPr lang="en-US" dirty="0"/>
           </a:p>
@@ -12412,7 +12277,7 @@
             <a:fld id="{792E54A4-0783-BB45-9B6F-F97A7CE3856E}" type="datetime1">
               <a:rPr lang="it-IT" smtClean="0"/>
               <a:pPr/>
-              <a:t>07/09/2021</a:t>
+              <a:t>08/09/21</a:t>
             </a:fld>
             <a:endParaRPr lang="en-US" dirty="0"/>
           </a:p>
@@ -12508,7 +12373,7 @@
             <a:fld id="{C645536A-0028-3D45-8ACF-0832BEAEC5F1}" type="datetime1">
               <a:rPr lang="it-IT" smtClean="0"/>
               <a:pPr/>
-              <a:t>07/09/2021</a:t>
+              <a:t>08/09/21</a:t>
             </a:fld>
             <a:endParaRPr lang="en-US" dirty="0"/>
           </a:p>
@@ -12764,7 +12629,7 @@
             <a:fld id="{8D75B836-D331-0E49-87DF-22515FB4FB16}" type="datetime1">
               <a:rPr lang="it-IT" smtClean="0"/>
               <a:pPr/>
-              <a:t>07/09/2021</a:t>
+              <a:t>08/09/21</a:t>
             </a:fld>
             <a:endParaRPr lang="en-US" dirty="0"/>
           </a:p>
@@ -13028,7 +12893,7 @@
             <a:fld id="{BFF1FE5D-7A52-1C41-9DDD-7F8E176A9DC6}" type="datetime1">
               <a:rPr lang="it-IT" smtClean="0"/>
               <a:pPr/>
-              <a:t>07/09/2021</a:t>
+              <a:t>08/09/21</a:t>
             </a:fld>
             <a:endParaRPr lang="en-US" dirty="0"/>
           </a:p>
@@ -13772,7 +13637,7 @@
             <a:fld id="{A171FD31-87AF-724B-A87E-B2CA5177D7DA}" type="datetime1">
               <a:rPr lang="it-IT" smtClean="0"/>
               <a:pPr/>
-              <a:t>07/09/2021</a:t>
+              <a:t>08/09/21</a:t>
             </a:fld>
             <a:endParaRPr lang="en-US" dirty="0"/>
           </a:p>
@@ -14310,10 +14175,10 @@
           <p:cNvPr id="30" name="Rectangle 29">
             <a:extLst>
               <a:ext uri="{FF2B5EF4-FFF2-40B4-BE49-F238E27FC236}">
-                <a16:creationId xmlns="" xmlns:a16="http://schemas.microsoft.com/office/drawing/2014/main" id="{9179DE42-5613-4B35-A1E6-6CCBAA13C743}"/>
+                <a16:creationId xmlns:a16="http://schemas.microsoft.com/office/drawing/2014/main" id="{9179DE42-5613-4B35-A1E6-6CCBAA13C743}"/>
               </a:ext>
               <a:ext uri="{C183D7F6-B498-43B3-948B-1728B52AA6E4}">
-                <adec:decorative xmlns="" xmlns:adec="http://schemas.microsoft.com/office/drawing/2017/decorative" val="1"/>
+                <adec:decorative xmlns:adec="http://schemas.microsoft.com/office/drawing/2017/decorative" val="1"/>
               </a:ext>
             </a:extLst>
           </p:cNvPr>
@@ -14323,7 +14188,7 @@
           <p:nvPr>
             <p:extLst>
               <p:ext uri="{386F3935-93C4-4BCD-93E2-E3B085C9AB24}">
-                <p16:designElem xmlns="" xmlns:p16="http://schemas.microsoft.com/office/powerpoint/2015/main" val="1"/>
+                <p16:designElem xmlns:p16="http://schemas.microsoft.com/office/powerpoint/2015/main" val="1"/>
               </p:ext>
             </p:extLst>
           </p:nvPr>
@@ -14370,10 +14235,10 @@
           <p:cNvPr id="32" name="Straight Connector 31">
             <a:extLst>
               <a:ext uri="{FF2B5EF4-FFF2-40B4-BE49-F238E27FC236}">
-                <a16:creationId xmlns="" xmlns:a16="http://schemas.microsoft.com/office/drawing/2014/main" id="{EB898B32-3891-4C3A-8F58-C5969D2E9033}"/>
+                <a16:creationId xmlns:a16="http://schemas.microsoft.com/office/drawing/2014/main" id="{EB898B32-3891-4C3A-8F58-C5969D2E9033}"/>
               </a:ext>
               <a:ext uri="{C183D7F6-B498-43B3-948B-1728B52AA6E4}">
-                <adec:decorative xmlns="" xmlns:adec="http://schemas.microsoft.com/office/drawing/2017/decorative" val="1"/>
+                <adec:decorative xmlns:adec="http://schemas.microsoft.com/office/drawing/2017/decorative" val="1"/>
               </a:ext>
             </a:extLst>
           </p:cNvPr>
@@ -14383,7 +14248,7 @@
           <p:nvPr>
             <p:extLst>
               <p:ext uri="{386F3935-93C4-4BCD-93E2-E3B085C9AB24}">
-                <p16:designElem xmlns="" xmlns:p16="http://schemas.microsoft.com/office/powerpoint/2015/main" val="1"/>
+                <p16:designElem xmlns:p16="http://schemas.microsoft.com/office/powerpoint/2015/main" val="1"/>
               </p:ext>
             </p:extLst>
           </p:nvPr>
@@ -14424,10 +14289,10 @@
           <p:cNvPr id="34" name="Straight Connector 33">
             <a:extLst>
               <a:ext uri="{FF2B5EF4-FFF2-40B4-BE49-F238E27FC236}">
-                <a16:creationId xmlns="" xmlns:a16="http://schemas.microsoft.com/office/drawing/2014/main" id="{4AE4806D-B8F9-4679-A68A-9BD21C01A301}"/>
+                <a16:creationId xmlns:a16="http://schemas.microsoft.com/office/drawing/2014/main" id="{4AE4806D-B8F9-4679-A68A-9BD21C01A301}"/>
               </a:ext>
               <a:ext uri="{C183D7F6-B498-43B3-948B-1728B52AA6E4}">
-                <adec:decorative xmlns="" xmlns:adec="http://schemas.microsoft.com/office/drawing/2017/decorative" val="1"/>
+                <adec:decorative xmlns:adec="http://schemas.microsoft.com/office/drawing/2017/decorative" val="1"/>
               </a:ext>
             </a:extLst>
           </p:cNvPr>
@@ -14437,7 +14302,7 @@
           <p:nvPr>
             <p:extLst>
               <p:ext uri="{386F3935-93C4-4BCD-93E2-E3B085C9AB24}">
-                <p16:designElem xmlns="" xmlns:p16="http://schemas.microsoft.com/office/powerpoint/2015/main" val="1"/>
+                <p16:designElem xmlns:p16="http://schemas.microsoft.com/office/powerpoint/2015/main" val="1"/>
               </p:ext>
             </p:extLst>
           </p:nvPr>
@@ -14480,10 +14345,10 @@
           <p:cNvPr id="36" name="Rectangle 23">
             <a:extLst>
               <a:ext uri="{FF2B5EF4-FFF2-40B4-BE49-F238E27FC236}">
-                <a16:creationId xmlns="" xmlns:a16="http://schemas.microsoft.com/office/drawing/2014/main" id="{52FB45E9-914E-4471-AC87-E475CD51767D}"/>
+                <a16:creationId xmlns:a16="http://schemas.microsoft.com/office/drawing/2014/main" id="{52FB45E9-914E-4471-AC87-E475CD51767D}"/>
               </a:ext>
               <a:ext uri="{C183D7F6-B498-43B3-948B-1728B52AA6E4}">
-                <adec:decorative xmlns="" xmlns:adec="http://schemas.microsoft.com/office/drawing/2017/decorative" val="1"/>
+                <adec:decorative xmlns:adec="http://schemas.microsoft.com/office/drawing/2017/decorative" val="1"/>
               </a:ext>
             </a:extLst>
           </p:cNvPr>
@@ -14493,7 +14358,7 @@
           <p:nvPr>
             <p:extLst>
               <p:ext uri="{386F3935-93C4-4BCD-93E2-E3B085C9AB24}">
-                <p16:designElem xmlns="" xmlns:p16="http://schemas.microsoft.com/office/powerpoint/2015/main" val="1"/>
+                <p16:designElem xmlns:p16="http://schemas.microsoft.com/office/powerpoint/2015/main" val="1"/>
               </p:ext>
             </p:extLst>
           </p:nvPr>
@@ -14560,10 +14425,10 @@
           <p:cNvPr id="38" name="Rectangle 25">
             <a:extLst>
               <a:ext uri="{FF2B5EF4-FFF2-40B4-BE49-F238E27FC236}">
-                <a16:creationId xmlns="" xmlns:a16="http://schemas.microsoft.com/office/drawing/2014/main" id="{C310626D-5743-49D4-8F7D-88C4F8F05774}"/>
+                <a16:creationId xmlns:a16="http://schemas.microsoft.com/office/drawing/2014/main" id="{C310626D-5743-49D4-8F7D-88C4F8F05774}"/>
               </a:ext>
               <a:ext uri="{C183D7F6-B498-43B3-948B-1728B52AA6E4}">
-                <adec:decorative xmlns="" xmlns:adec="http://schemas.microsoft.com/office/drawing/2017/decorative" val="1"/>
+                <adec:decorative xmlns:adec="http://schemas.microsoft.com/office/drawing/2017/decorative" val="1"/>
               </a:ext>
             </a:extLst>
           </p:cNvPr>
@@ -14573,7 +14438,7 @@
           <p:nvPr>
             <p:extLst>
               <p:ext uri="{386F3935-93C4-4BCD-93E2-E3B085C9AB24}">
-                <p16:designElem xmlns="" xmlns:p16="http://schemas.microsoft.com/office/powerpoint/2015/main" val="1"/>
+                <p16:designElem xmlns:p16="http://schemas.microsoft.com/office/powerpoint/2015/main" val="1"/>
               </p:ext>
             </p:extLst>
           </p:nvPr>
@@ -14640,10 +14505,10 @@
           <p:cNvPr id="40" name="Isosceles Triangle 39">
             <a:extLst>
               <a:ext uri="{FF2B5EF4-FFF2-40B4-BE49-F238E27FC236}">
-                <a16:creationId xmlns="" xmlns:a16="http://schemas.microsoft.com/office/drawing/2014/main" id="{3C195FC1-B568-4C72-9902-34CB35DDD7A1}"/>
+                <a16:creationId xmlns:a16="http://schemas.microsoft.com/office/drawing/2014/main" id="{3C195FC1-B568-4C72-9902-34CB35DDD7A1}"/>
               </a:ext>
               <a:ext uri="{C183D7F6-B498-43B3-948B-1728B52AA6E4}">
-                <adec:decorative xmlns="" xmlns:adec="http://schemas.microsoft.com/office/drawing/2017/decorative" val="1"/>
+                <adec:decorative xmlns:adec="http://schemas.microsoft.com/office/drawing/2017/decorative" val="1"/>
               </a:ext>
             </a:extLst>
           </p:cNvPr>
@@ -14653,7 +14518,7 @@
           <p:nvPr>
             <p:extLst>
               <p:ext uri="{386F3935-93C4-4BCD-93E2-E3B085C9AB24}">
-                <p16:designElem xmlns="" xmlns:p16="http://schemas.microsoft.com/office/powerpoint/2015/main" val="1"/>
+                <p16:designElem xmlns:p16="http://schemas.microsoft.com/office/powerpoint/2015/main" val="1"/>
               </p:ext>
             </p:extLst>
           </p:nvPr>
@@ -14698,10 +14563,10 @@
           <p:cNvPr id="42" name="Rectangle 27">
             <a:extLst>
               <a:ext uri="{FF2B5EF4-FFF2-40B4-BE49-F238E27FC236}">
-                <a16:creationId xmlns="" xmlns:a16="http://schemas.microsoft.com/office/drawing/2014/main" id="{EF2BDF77-362C-43F0-8CBB-A969EC2AE0C4}"/>
+                <a16:creationId xmlns:a16="http://schemas.microsoft.com/office/drawing/2014/main" id="{EF2BDF77-362C-43F0-8CBB-A969EC2AE0C4}"/>
               </a:ext>
               <a:ext uri="{C183D7F6-B498-43B3-948B-1728B52AA6E4}">
-                <adec:decorative xmlns="" xmlns:adec="http://schemas.microsoft.com/office/drawing/2017/decorative" val="1"/>
+                <adec:decorative xmlns:adec="http://schemas.microsoft.com/office/drawing/2017/decorative" val="1"/>
               </a:ext>
             </a:extLst>
           </p:cNvPr>
@@ -14711,7 +14576,7 @@
           <p:nvPr>
             <p:extLst>
               <p:ext uri="{386F3935-93C4-4BCD-93E2-E3B085C9AB24}">
-                <p16:designElem xmlns="" xmlns:p16="http://schemas.microsoft.com/office/powerpoint/2015/main" val="1"/>
+                <p16:designElem xmlns:p16="http://schemas.microsoft.com/office/powerpoint/2015/main" val="1"/>
               </p:ext>
             </p:extLst>
           </p:nvPr>
@@ -14779,10 +14644,10 @@
           <p:cNvPr id="44" name="Isosceles Triangle 43">
             <a:extLst>
               <a:ext uri="{FF2B5EF4-FFF2-40B4-BE49-F238E27FC236}">
-                <a16:creationId xmlns="" xmlns:a16="http://schemas.microsoft.com/office/drawing/2014/main" id="{4BE96B01-3929-432D-B8C2-ADBCB74C2EF4}"/>
+                <a16:creationId xmlns:a16="http://schemas.microsoft.com/office/drawing/2014/main" id="{4BE96B01-3929-432D-B8C2-ADBCB74C2EF4}"/>
               </a:ext>
               <a:ext uri="{C183D7F6-B498-43B3-948B-1728B52AA6E4}">
-                <adec:decorative xmlns="" xmlns:adec="http://schemas.microsoft.com/office/drawing/2017/decorative" val="1"/>
+                <adec:decorative xmlns:adec="http://schemas.microsoft.com/office/drawing/2017/decorative" val="1"/>
               </a:ext>
             </a:extLst>
           </p:cNvPr>
@@ -14792,7 +14657,7 @@
           <p:nvPr>
             <p:extLst>
               <p:ext uri="{386F3935-93C4-4BCD-93E2-E3B085C9AB24}">
-                <p16:designElem xmlns="" xmlns:p16="http://schemas.microsoft.com/office/powerpoint/2015/main" val="1"/>
+                <p16:designElem xmlns:p16="http://schemas.microsoft.com/office/powerpoint/2015/main" val="1"/>
               </p:ext>
             </p:extLst>
           </p:nvPr>
@@ -14837,10 +14702,10 @@
           <p:cNvPr id="46" name="Freeform: Shape 45">
             <a:extLst>
               <a:ext uri="{FF2B5EF4-FFF2-40B4-BE49-F238E27FC236}">
-                <a16:creationId xmlns="" xmlns:a16="http://schemas.microsoft.com/office/drawing/2014/main" id="{2A6FCDE6-CDE2-4C51-B18E-A95CFB679714}"/>
+                <a16:creationId xmlns:a16="http://schemas.microsoft.com/office/drawing/2014/main" id="{2A6FCDE6-CDE2-4C51-B18E-A95CFB679714}"/>
               </a:ext>
               <a:ext uri="{C183D7F6-B498-43B3-948B-1728B52AA6E4}">
-                <adec:decorative xmlns="" xmlns:adec="http://schemas.microsoft.com/office/drawing/2017/decorative" val="1"/>
+                <adec:decorative xmlns:adec="http://schemas.microsoft.com/office/drawing/2017/decorative" val="1"/>
               </a:ext>
             </a:extLst>
           </p:cNvPr>
@@ -14850,7 +14715,7 @@
           <p:nvPr>
             <p:extLst>
               <p:ext uri="{386F3935-93C4-4BCD-93E2-E3B085C9AB24}">
-                <p16:designElem xmlns="" xmlns:p16="http://schemas.microsoft.com/office/powerpoint/2015/main" val="1"/>
+                <p16:designElem xmlns:p16="http://schemas.microsoft.com/office/powerpoint/2015/main" val="1"/>
               </p:ext>
             </p:extLst>
           </p:nvPr>
@@ -14967,7 +14832,7 @@
           <p:cNvPr id="2" name="Titolo 1">
             <a:extLst>
               <a:ext uri="{FF2B5EF4-FFF2-40B4-BE49-F238E27FC236}">
-                <a16:creationId xmlns="" xmlns:a16="http://schemas.microsoft.com/office/drawing/2014/main" id="{41E39AAA-84F0-574A-AAED-DB0E69339B75}"/>
+                <a16:creationId xmlns:a16="http://schemas.microsoft.com/office/drawing/2014/main" id="{41E39AAA-84F0-574A-AAED-DB0E69339B75}"/>
               </a:ext>
             </a:extLst>
           </p:cNvPr>
@@ -15028,7 +14893,7 @@
           <p:cNvPr id="3" name="Sottotitolo 2">
             <a:extLst>
               <a:ext uri="{FF2B5EF4-FFF2-40B4-BE49-F238E27FC236}">
-                <a16:creationId xmlns="" xmlns:a16="http://schemas.microsoft.com/office/drawing/2014/main" id="{B1ADB9C9-3D30-F44D-BDC9-A4A75AD5A672}"/>
+                <a16:creationId xmlns:a16="http://schemas.microsoft.com/office/drawing/2014/main" id="{B1ADB9C9-3D30-F44D-BDC9-A4A75AD5A672}"/>
               </a:ext>
             </a:extLst>
           </p:cNvPr>
@@ -15120,21 +14985,21 @@
                 <a:gridCol w="1557495">
                   <a:extLst>
                     <a:ext uri="{9D8B030D-6E8A-4147-A177-3AD203B41FA5}">
-                      <a16:colId xmlns="" xmlns:a16="http://schemas.microsoft.com/office/drawing/2014/main" val="20000"/>
+                      <a16:colId xmlns:a16="http://schemas.microsoft.com/office/drawing/2014/main" val="20000"/>
                     </a:ext>
                   </a:extLst>
                 </a:gridCol>
                 <a:gridCol w="1637379">
                   <a:extLst>
                     <a:ext uri="{9D8B030D-6E8A-4147-A177-3AD203B41FA5}">
-                      <a16:colId xmlns="" xmlns:a16="http://schemas.microsoft.com/office/drawing/2014/main" val="20001"/>
+                      <a16:colId xmlns:a16="http://schemas.microsoft.com/office/drawing/2014/main" val="20001"/>
                     </a:ext>
                   </a:extLst>
                 </a:gridCol>
                 <a:gridCol w="1477611">
                   <a:extLst>
                     <a:ext uri="{9D8B030D-6E8A-4147-A177-3AD203B41FA5}">
-                      <a16:colId xmlns="" xmlns:a16="http://schemas.microsoft.com/office/drawing/2014/main" val="20002"/>
+                      <a16:colId xmlns:a16="http://schemas.microsoft.com/office/drawing/2014/main" val="20002"/>
                     </a:ext>
                   </a:extLst>
                 </a:gridCol>
@@ -15184,7 +15049,7 @@
                 </a:tc>
                 <a:extLst>
                   <a:ext uri="{0D108BD9-81ED-4DB2-BD59-A6C34878D82A}">
-                    <a16:rowId xmlns="" xmlns:a16="http://schemas.microsoft.com/office/drawing/2014/main" val="10000"/>
+                    <a16:rowId xmlns:a16="http://schemas.microsoft.com/office/drawing/2014/main" val="10000"/>
                   </a:ext>
                 </a:extLst>
               </a:tr>
@@ -15231,7 +15096,7 @@
                 </a:tc>
                 <a:extLst>
                   <a:ext uri="{0D108BD9-81ED-4DB2-BD59-A6C34878D82A}">
-                    <a16:rowId xmlns="" xmlns:a16="http://schemas.microsoft.com/office/drawing/2014/main" val="10001"/>
+                    <a16:rowId xmlns:a16="http://schemas.microsoft.com/office/drawing/2014/main" val="10001"/>
                   </a:ext>
                 </a:extLst>
               </a:tr>
@@ -15287,7 +15152,7 @@
                 </a:tc>
                 <a:extLst>
                   <a:ext uri="{0D108BD9-81ED-4DB2-BD59-A6C34878D82A}">
-                    <a16:rowId xmlns="" xmlns:a16="http://schemas.microsoft.com/office/drawing/2014/main" val="10002"/>
+                    <a16:rowId xmlns:a16="http://schemas.microsoft.com/office/drawing/2014/main" val="10002"/>
                   </a:ext>
                 </a:extLst>
               </a:tr>
@@ -15334,7 +15199,7 @@
                 </a:tc>
                 <a:extLst>
                   <a:ext uri="{0D108BD9-81ED-4DB2-BD59-A6C34878D82A}">
-                    <a16:rowId xmlns="" xmlns:a16="http://schemas.microsoft.com/office/drawing/2014/main" val="10003"/>
+                    <a16:rowId xmlns:a16="http://schemas.microsoft.com/office/drawing/2014/main" val="10003"/>
                   </a:ext>
                 </a:extLst>
               </a:tr>
@@ -15373,29 +15238,7 @@
                   </a:schemeClr>
                 </a:solidFill>
               </a:rPr>
-              <a:t>L’Aquila 07/</a:t>
-            </a:r>
-            <a:r>
-              <a:rPr lang="it-IT" dirty="0" err="1">
-                <a:solidFill>
-                  <a:schemeClr val="accent2">
-                    <a:lumMod val="20000"/>
-                    <a:lumOff val="80000"/>
-                  </a:schemeClr>
-                </a:solidFill>
-              </a:rPr>
-              <a:t>07</a:t>
-            </a:r>
-            <a:r>
-              <a:rPr lang="it-IT" dirty="0">
-                <a:solidFill>
-                  <a:schemeClr val="accent2">
-                    <a:lumMod val="20000"/>
-                    <a:lumOff val="80000"/>
-                  </a:schemeClr>
-                </a:solidFill>
-              </a:rPr>
-              <a:t>/2021</a:t>
+              <a:t>L’Aquila 08/09/2021</a:t>
             </a:r>
           </a:p>
         </p:txBody>
@@ -15403,20 +15246,13 @@
     </p:spTree>
     <p:extLst>
       <p:ext uri="{BB962C8B-B14F-4D97-AF65-F5344CB8AC3E}">
-        <p14:creationId xmlns="" xmlns:p14="http://schemas.microsoft.com/office/powerpoint/2010/main" val="2609328390"/>
+        <p14:creationId xmlns:p14="http://schemas.microsoft.com/office/powerpoint/2010/main" val="2609328390"/>
       </p:ext>
     </p:extLst>
   </p:cSld>
   <p:clrMapOvr>
     <a:overrideClrMapping bg1="dk1" tx1="lt1" bg2="dk2" tx2="lt2" accent1="accent1" accent2="accent2" accent3="accent3" accent4="accent4" accent5="accent5" accent6="accent6" hlink="hlink" folHlink="folHlink"/>
   </p:clrMapOvr>
-  <p:timing>
-    <p:tnLst>
-      <p:par>
-        <p:cTn id="1" dur="indefinite" restart="never" nodeType="tmRoot"/>
-      </p:par>
-    </p:tnLst>
-  </p:timing>
 </p:sld>
 </file>
 
@@ -15442,7 +15278,7 @@
           <p:cNvPr id="2" name="Titolo 1">
             <a:extLst>
               <a:ext uri="{FF2B5EF4-FFF2-40B4-BE49-F238E27FC236}">
-                <a16:creationId xmlns="" xmlns:a16="http://schemas.microsoft.com/office/drawing/2014/main" id="{5D73ED45-EE62-2B45-A9C7-B03EA7337517}"/>
+                <a16:creationId xmlns:a16="http://schemas.microsoft.com/office/drawing/2014/main" id="{5D73ED45-EE62-2B45-A9C7-B03EA7337517}"/>
               </a:ext>
             </a:extLst>
           </p:cNvPr>
@@ -15482,7 +15318,7 @@
           <p:cNvPr id="3" name="Segnaposto contenuto 2">
             <a:extLst>
               <a:ext uri="{FF2B5EF4-FFF2-40B4-BE49-F238E27FC236}">
-                <a16:creationId xmlns="" xmlns:a16="http://schemas.microsoft.com/office/drawing/2014/main" id="{5C459D56-CFA5-A34E-BAA3-821926BBFA27}"/>
+                <a16:creationId xmlns:a16="http://schemas.microsoft.com/office/drawing/2014/main" id="{5C459D56-CFA5-A34E-BAA3-821926BBFA27}"/>
               </a:ext>
             </a:extLst>
           </p:cNvPr>
@@ -15524,7 +15360,7 @@
           <p:cNvPr id="4" name="Segnaposto piè di pagina 3">
             <a:extLst>
               <a:ext uri="{FF2B5EF4-FFF2-40B4-BE49-F238E27FC236}">
-                <a16:creationId xmlns="" xmlns:a16="http://schemas.microsoft.com/office/drawing/2014/main" id="{6E618D9A-A5E7-E24A-8FBE-3F9AACD590F1}"/>
+                <a16:creationId xmlns:a16="http://schemas.microsoft.com/office/drawing/2014/main" id="{6E618D9A-A5E7-E24A-8FBE-3F9AACD590F1}"/>
               </a:ext>
             </a:extLst>
           </p:cNvPr>
@@ -15553,7 +15389,7 @@
           <p:cNvPr id="5" name="Segnaposto numero diapositiva 4">
             <a:extLst>
               <a:ext uri="{FF2B5EF4-FFF2-40B4-BE49-F238E27FC236}">
-                <a16:creationId xmlns="" xmlns:a16="http://schemas.microsoft.com/office/drawing/2014/main" id="{59FB03DF-1FB5-4B4E-AD52-6A1E62DD8A1D}"/>
+                <a16:creationId xmlns:a16="http://schemas.microsoft.com/office/drawing/2014/main" id="{59FB03DF-1FB5-4B4E-AD52-6A1E62DD8A1D}"/>
               </a:ext>
             </a:extLst>
           </p:cNvPr>
@@ -15581,7 +15417,7 @@
     </p:spTree>
     <p:extLst>
       <p:ext uri="{BB962C8B-B14F-4D97-AF65-F5344CB8AC3E}">
-        <p14:creationId xmlns="" xmlns:p14="http://schemas.microsoft.com/office/powerpoint/2010/main" val="3258943683"/>
+        <p14:creationId xmlns:p14="http://schemas.microsoft.com/office/powerpoint/2010/main" val="3258943683"/>
       </p:ext>
     </p:extLst>
   </p:cSld>
@@ -15621,10 +15457,10 @@
           <p:cNvPr id="11" name="Rectangle 10">
             <a:extLst>
               <a:ext uri="{FF2B5EF4-FFF2-40B4-BE49-F238E27FC236}">
-                <a16:creationId xmlns="" xmlns:a16="http://schemas.microsoft.com/office/drawing/2014/main" id="{9F4444CE-BC8D-4D61-B303-4C05614E62AB}"/>
+                <a16:creationId xmlns:a16="http://schemas.microsoft.com/office/drawing/2014/main" id="{9F4444CE-BC8D-4D61-B303-4C05614E62AB}"/>
               </a:ext>
               <a:ext uri="{C183D7F6-B498-43B3-948B-1728B52AA6E4}">
-                <adec:decorative xmlns="" xmlns:adec="http://schemas.microsoft.com/office/drawing/2017/decorative" val="1"/>
+                <adec:decorative xmlns:adec="http://schemas.microsoft.com/office/drawing/2017/decorative" val="1"/>
               </a:ext>
             </a:extLst>
           </p:cNvPr>
@@ -15634,7 +15470,7 @@
           <p:nvPr>
             <p:extLst>
               <p:ext uri="{386F3935-93C4-4BCD-93E2-E3B085C9AB24}">
-                <p16:designElem xmlns="" xmlns:p16="http://schemas.microsoft.com/office/powerpoint/2015/main" val="1"/>
+                <p16:designElem xmlns:p16="http://schemas.microsoft.com/office/powerpoint/2015/main" val="1"/>
               </p:ext>
             </p:extLst>
           </p:nvPr>
@@ -15681,7 +15517,7 @@
           <p:cNvPr id="2" name="Titolo 1">
             <a:extLst>
               <a:ext uri="{FF2B5EF4-FFF2-40B4-BE49-F238E27FC236}">
-                <a16:creationId xmlns="" xmlns:a16="http://schemas.microsoft.com/office/drawing/2014/main" id="{82A13A88-1286-4840-B73B-ED4798520CDB}"/>
+                <a16:creationId xmlns:a16="http://schemas.microsoft.com/office/drawing/2014/main" id="{82A13A88-1286-4840-B73B-ED4798520CDB}"/>
               </a:ext>
             </a:extLst>
           </p:cNvPr>
@@ -15716,10 +15552,10 @@
           <p:cNvPr id="13" name="Isosceles Triangle 12">
             <a:extLst>
               <a:ext uri="{FF2B5EF4-FFF2-40B4-BE49-F238E27FC236}">
-                <a16:creationId xmlns="" xmlns:a16="http://schemas.microsoft.com/office/drawing/2014/main" id="{73772B81-181F-48B7-8826-4D9686D15DF5}"/>
+                <a16:creationId xmlns:a16="http://schemas.microsoft.com/office/drawing/2014/main" id="{73772B81-181F-48B7-8826-4D9686D15DF5}"/>
               </a:ext>
               <a:ext uri="{C183D7F6-B498-43B3-948B-1728B52AA6E4}">
-                <adec:decorative xmlns="" xmlns:adec="http://schemas.microsoft.com/office/drawing/2017/decorative" val="1"/>
+                <adec:decorative xmlns:adec="http://schemas.microsoft.com/office/drawing/2017/decorative" val="1"/>
               </a:ext>
             </a:extLst>
           </p:cNvPr>
@@ -15729,7 +15565,7 @@
           <p:nvPr>
             <p:extLst>
               <p:ext uri="{386F3935-93C4-4BCD-93E2-E3B085C9AB24}">
-                <p16:designElem xmlns="" xmlns:p16="http://schemas.microsoft.com/office/powerpoint/2015/main" val="1"/>
+                <p16:designElem xmlns:p16="http://schemas.microsoft.com/office/powerpoint/2015/main" val="1"/>
               </p:ext>
             </p:extLst>
           </p:nvPr>
@@ -15774,7 +15610,7 @@
           <p:cNvPr id="4" name="Segnaposto piè di pagina 3">
             <a:extLst>
               <a:ext uri="{FF2B5EF4-FFF2-40B4-BE49-F238E27FC236}">
-                <a16:creationId xmlns="" xmlns:a16="http://schemas.microsoft.com/office/drawing/2014/main" id="{96F39C26-4AD6-0E45-9E97-C2AD57637CFA}"/>
+                <a16:creationId xmlns:a16="http://schemas.microsoft.com/office/drawing/2014/main" id="{96F39C26-4AD6-0E45-9E97-C2AD57637CFA}"/>
               </a:ext>
             </a:extLst>
           </p:cNvPr>
@@ -15814,7 +15650,7 @@
           <p:cNvPr id="5" name="Segnaposto numero diapositiva 4">
             <a:extLst>
               <a:ext uri="{FF2B5EF4-FFF2-40B4-BE49-F238E27FC236}">
-                <a16:creationId xmlns="" xmlns:a16="http://schemas.microsoft.com/office/drawing/2014/main" id="{A920B736-6239-F04A-A273-16C60B0D8D95}"/>
+                <a16:creationId xmlns:a16="http://schemas.microsoft.com/office/drawing/2014/main" id="{A920B736-6239-F04A-A273-16C60B0D8D95}"/>
               </a:ext>
             </a:extLst>
           </p:cNvPr>
@@ -15860,10 +15696,10 @@
           <p:cNvPr id="15" name="Isosceles Triangle 14">
             <a:extLst>
               <a:ext uri="{FF2B5EF4-FFF2-40B4-BE49-F238E27FC236}">
-                <a16:creationId xmlns="" xmlns:a16="http://schemas.microsoft.com/office/drawing/2014/main" id="{B2205F6E-03C6-4E92-877C-E2482F6599AA}"/>
+                <a16:creationId xmlns:a16="http://schemas.microsoft.com/office/drawing/2014/main" id="{B2205F6E-03C6-4E92-877C-E2482F6599AA}"/>
               </a:ext>
               <a:ext uri="{C183D7F6-B498-43B3-948B-1728B52AA6E4}">
-                <adec:decorative xmlns="" xmlns:adec="http://schemas.microsoft.com/office/drawing/2017/decorative" val="1"/>
+                <adec:decorative xmlns:adec="http://schemas.microsoft.com/office/drawing/2017/decorative" val="1"/>
               </a:ext>
             </a:extLst>
           </p:cNvPr>
@@ -15873,7 +15709,7 @@
           <p:nvPr>
             <p:extLst>
               <p:ext uri="{386F3935-93C4-4BCD-93E2-E3B085C9AB24}">
-                <p16:designElem xmlns="" xmlns:p16="http://schemas.microsoft.com/office/powerpoint/2015/main" val="1"/>
+                <p16:designElem xmlns:p16="http://schemas.microsoft.com/office/powerpoint/2015/main" val="1"/>
               </p:ext>
             </p:extLst>
           </p:nvPr>
@@ -15918,7 +15754,7 @@
           <p:cNvPr id="7" name="Segnaposto contenuto 2">
             <a:extLst>
               <a:ext uri="{FF2B5EF4-FFF2-40B4-BE49-F238E27FC236}">
-                <a16:creationId xmlns="" xmlns:a16="http://schemas.microsoft.com/office/drawing/2014/main" id="{BE484F61-2836-4977-8E95-4AC9C1403161}"/>
+                <a16:creationId xmlns:a16="http://schemas.microsoft.com/office/drawing/2014/main" id="{BE484F61-2836-4977-8E95-4AC9C1403161}"/>
               </a:ext>
             </a:extLst>
           </p:cNvPr>
@@ -15929,7 +15765,7 @@
             <p:ph idx="1"/>
             <p:extLst>
               <p:ext uri="{D42A27DB-BD31-4B8C-83A1-F6EECF244321}">
-                <p14:modId xmlns="" xmlns:p14="http://schemas.microsoft.com/office/powerpoint/2010/main" val="1338885174"/>
+                <p14:modId xmlns:p14="http://schemas.microsoft.com/office/powerpoint/2010/main" val="1338885174"/>
               </p:ext>
             </p:extLst>
           </p:nvPr>
@@ -15947,7 +15783,7 @@
     </p:spTree>
     <p:extLst>
       <p:ext uri="{BB962C8B-B14F-4D97-AF65-F5344CB8AC3E}">
-        <p14:creationId xmlns="" xmlns:p14="http://schemas.microsoft.com/office/powerpoint/2010/main" val="3559468118"/>
+        <p14:creationId xmlns:p14="http://schemas.microsoft.com/office/powerpoint/2010/main" val="3559468118"/>
       </p:ext>
     </p:extLst>
   </p:cSld>
@@ -15979,7 +15815,7 @@
           <p:cNvPr id="2" name="Titolo 1">
             <a:extLst>
               <a:ext uri="{FF2B5EF4-FFF2-40B4-BE49-F238E27FC236}">
-                <a16:creationId xmlns="" xmlns:a16="http://schemas.microsoft.com/office/drawing/2014/main" id="{DCB205BC-EE86-8741-8B53-9E26404A018B}"/>
+                <a16:creationId xmlns:a16="http://schemas.microsoft.com/office/drawing/2014/main" id="{DCB205BC-EE86-8741-8B53-9E26404A018B}"/>
               </a:ext>
             </a:extLst>
           </p:cNvPr>
@@ -16029,7 +15865,7 @@
           <p:cNvPr id="4" name="Segnaposto piè di pagina 3">
             <a:extLst>
               <a:ext uri="{FF2B5EF4-FFF2-40B4-BE49-F238E27FC236}">
-                <a16:creationId xmlns="" xmlns:a16="http://schemas.microsoft.com/office/drawing/2014/main" id="{F0084FF5-373D-0A4D-8F20-B711E60CF84A}"/>
+                <a16:creationId xmlns:a16="http://schemas.microsoft.com/office/drawing/2014/main" id="{F0084FF5-373D-0A4D-8F20-B711E60CF84A}"/>
               </a:ext>
             </a:extLst>
           </p:cNvPr>
@@ -16058,7 +15894,7 @@
           <p:cNvPr id="5" name="Segnaposto numero diapositiva 4">
             <a:extLst>
               <a:ext uri="{FF2B5EF4-FFF2-40B4-BE49-F238E27FC236}">
-                <a16:creationId xmlns="" xmlns:a16="http://schemas.microsoft.com/office/drawing/2014/main" id="{7B615658-01AA-F748-B7D9-A620574A53EA}"/>
+                <a16:creationId xmlns:a16="http://schemas.microsoft.com/office/drawing/2014/main" id="{7B615658-01AA-F748-B7D9-A620574A53EA}"/>
               </a:ext>
             </a:extLst>
           </p:cNvPr>
@@ -16088,7 +15924,7 @@
           <p:cNvPr id="15" name="CasellaDiTesto 14">
             <a:extLst>
               <a:ext uri="{FF2B5EF4-FFF2-40B4-BE49-F238E27FC236}">
-                <a16:creationId xmlns="" xmlns:a16="http://schemas.microsoft.com/office/drawing/2014/main" id="{9886809E-F48D-7742-B073-EBFFE60B3E30}"/>
+                <a16:creationId xmlns:a16="http://schemas.microsoft.com/office/drawing/2014/main" id="{9886809E-F48D-7742-B073-EBFFE60B3E30}"/>
               </a:ext>
             </a:extLst>
           </p:cNvPr>
@@ -16112,51 +15948,47 @@
           <a:lstStyle/>
           <a:p>
             <a:r>
-              <a:rPr lang="it-IT" sz="2400" dirty="0" smtClean="0"/>
+              <a:rPr lang="it-IT" sz="2400" dirty="0"/>
               <a:t>The </a:t>
             </a:r>
             <a:r>
-              <a:rPr lang="it-IT" sz="2400" dirty="0" err="1" smtClean="0"/>
+              <a:rPr lang="it-IT" sz="2400" dirty="0" err="1"/>
               <a:t>method</a:t>
             </a:r>
             <a:r>
-              <a:rPr lang="it-IT" sz="2400" dirty="0" smtClean="0"/>
+              <a:rPr lang="it-IT" sz="2400" dirty="0"/>
               <a:t> </a:t>
             </a:r>
             <a:r>
-              <a:rPr lang="it-IT" sz="2400" dirty="0" err="1" smtClean="0"/>
+              <a:rPr lang="it-IT" sz="2400" dirty="0" err="1"/>
               <a:t>has</a:t>
             </a:r>
             <a:r>
-              <a:rPr lang="it-IT" sz="2400" dirty="0" smtClean="0"/>
-              <a:t> an </a:t>
-            </a:r>
-            <a:r>
               <a:rPr lang="it-IT" sz="2400" dirty="0"/>
-              <a:t>input of </a:t>
-            </a:r>
-            <a:r>
-              <a:rPr lang="it-IT" sz="2400" dirty="0" err="1" smtClean="0"/>
+              <a:t> an input of </a:t>
+            </a:r>
+            <a:r>
+              <a:rPr lang="it-IT" sz="2400" dirty="0" err="1"/>
               <a:t>aligned</a:t>
             </a:r>
             <a:r>
-              <a:rPr lang="it-IT" sz="2400" dirty="0" smtClean="0"/>
+              <a:rPr lang="it-IT" sz="2400" dirty="0"/>
               <a:t> </a:t>
             </a:r>
             <a:r>
-              <a:rPr lang="it-IT" sz="2400" dirty="0" err="1" smtClean="0"/>
+              <a:rPr lang="it-IT" sz="2400" dirty="0" err="1"/>
               <a:t>sequences</a:t>
             </a:r>
             <a:r>
-              <a:rPr lang="it-IT" sz="2400" dirty="0" smtClean="0"/>
+              <a:rPr lang="it-IT" sz="2400" dirty="0"/>
               <a:t>. Using the </a:t>
             </a:r>
             <a:r>
-              <a:rPr lang="it-IT" sz="2400" dirty="0" err="1" smtClean="0"/>
+              <a:rPr lang="it-IT" sz="2400" dirty="0" err="1"/>
               <a:t>class</a:t>
             </a:r>
             <a:r>
-              <a:rPr lang="it-IT" sz="2400" dirty="0" smtClean="0"/>
+              <a:rPr lang="it-IT" sz="2400" dirty="0"/>
               <a:t> </a:t>
             </a:r>
             <a:r>
@@ -16168,63 +16000,63 @@
               <a:t>DistanceCalculator</a:t>
             </a:r>
             <a:r>
-              <a:rPr lang="it-IT" sz="2400" dirty="0" smtClean="0"/>
+              <a:rPr lang="it-IT" sz="2400" dirty="0"/>
               <a:t>, </a:t>
             </a:r>
             <a:r>
-              <a:rPr lang="it-IT" sz="2400" dirty="0" err="1" smtClean="0"/>
+              <a:rPr lang="it-IT" sz="2400" dirty="0" err="1"/>
               <a:t>it</a:t>
             </a:r>
             <a:r>
-              <a:rPr lang="it-IT" sz="2400" dirty="0" smtClean="0"/>
+              <a:rPr lang="it-IT" sz="2400" dirty="0"/>
               <a:t> </a:t>
             </a:r>
             <a:r>
-              <a:rPr lang="it-IT" sz="2400" dirty="0" err="1" smtClean="0"/>
+              <a:rPr lang="it-IT" sz="2400" dirty="0" err="1"/>
               <a:t>generates</a:t>
             </a:r>
             <a:r>
-              <a:rPr lang="it-IT" sz="2400" dirty="0" smtClean="0"/>
+              <a:rPr lang="it-IT" sz="2400" dirty="0"/>
               <a:t> an </a:t>
             </a:r>
             <a:r>
-              <a:rPr lang="it-IT" sz="2400" dirty="0" err="1" smtClean="0"/>
-              <a:t>identity</a:t>
-            </a:r>
-            <a:r>
-              <a:rPr lang="it-IT" sz="2400" dirty="0" smtClean="0"/>
+              <a:rPr lang="it-IT" sz="2400" dirty="0" err="1"/>
+              <a:t>blosum</a:t>
+            </a:r>
+            <a:r>
+              <a:rPr lang="it-IT" sz="2400" dirty="0"/>
               <a:t> </a:t>
             </a:r>
             <a:r>
-              <a:rPr lang="it-IT" sz="2400" dirty="0" err="1" smtClean="0"/>
+              <a:rPr lang="it-IT" sz="2400" dirty="0" err="1"/>
               <a:t>matrix</a:t>
             </a:r>
             <a:r>
-              <a:rPr lang="it-IT" sz="2400" dirty="0" smtClean="0"/>
+              <a:rPr lang="it-IT" sz="2400" dirty="0"/>
               <a:t>, </a:t>
             </a:r>
             <a:r>
-              <a:rPr lang="it-IT" sz="2400" dirty="0" err="1" smtClean="0"/>
+              <a:rPr lang="it-IT" sz="2400" dirty="0" err="1"/>
               <a:t>which</a:t>
             </a:r>
             <a:r>
-              <a:rPr lang="it-IT" sz="2400" dirty="0" smtClean="0"/>
+              <a:rPr lang="it-IT" sz="2400" dirty="0"/>
               <a:t> </a:t>
             </a:r>
             <a:r>
-              <a:rPr lang="it-IT" sz="2400" dirty="0" err="1" smtClean="0"/>
+              <a:rPr lang="it-IT" sz="2400" dirty="0" err="1"/>
               <a:t>is</a:t>
             </a:r>
             <a:r>
-              <a:rPr lang="it-IT" sz="2400" dirty="0" smtClean="0"/>
+              <a:rPr lang="it-IT" sz="2400" dirty="0"/>
               <a:t> </a:t>
             </a:r>
             <a:r>
-              <a:rPr lang="it-IT" sz="2400" dirty="0" err="1" smtClean="0"/>
+              <a:rPr lang="it-IT" sz="2400" dirty="0" err="1"/>
               <a:t>used</a:t>
             </a:r>
             <a:r>
-              <a:rPr lang="it-IT" sz="2400" dirty="0" smtClean="0"/>
+              <a:rPr lang="it-IT" sz="2400" dirty="0"/>
               <a:t> for building a </a:t>
             </a:r>
             <a:r>
@@ -16291,7 +16123,7 @@
     </p:spTree>
     <p:extLst>
       <p:ext uri="{BB962C8B-B14F-4D97-AF65-F5344CB8AC3E}">
-        <p14:creationId xmlns="" xmlns:p14="http://schemas.microsoft.com/office/powerpoint/2010/main" val="1299155168"/>
+        <p14:creationId xmlns:p14="http://schemas.microsoft.com/office/powerpoint/2010/main" val="1299155168"/>
       </p:ext>
     </p:extLst>
   </p:cSld>
@@ -16323,7 +16155,7 @@
           <p:cNvPr id="2" name="Titolo 1">
             <a:extLst>
               <a:ext uri="{FF2B5EF4-FFF2-40B4-BE49-F238E27FC236}">
-                <a16:creationId xmlns="" xmlns:a16="http://schemas.microsoft.com/office/drawing/2014/main" id="{1F43EA38-7198-1842-8F66-2ACD781D90E4}"/>
+                <a16:creationId xmlns:a16="http://schemas.microsoft.com/office/drawing/2014/main" id="{1F43EA38-7198-1842-8F66-2ACD781D90E4}"/>
               </a:ext>
             </a:extLst>
           </p:cNvPr>
@@ -16361,7 +16193,7 @@
           <p:cNvPr id="3" name="Segnaposto contenuto 2">
             <a:extLst>
               <a:ext uri="{FF2B5EF4-FFF2-40B4-BE49-F238E27FC236}">
-                <a16:creationId xmlns="" xmlns:a16="http://schemas.microsoft.com/office/drawing/2014/main" id="{17DD1FE0-26DC-EE47-93E9-758F1A82416D}"/>
+                <a16:creationId xmlns:a16="http://schemas.microsoft.com/office/drawing/2014/main" id="{17DD1FE0-26DC-EE47-93E9-758F1A82416D}"/>
               </a:ext>
             </a:extLst>
           </p:cNvPr>
@@ -16388,177 +16220,169 @@
               <a:buNone/>
             </a:pPr>
             <a:r>
-              <a:rPr lang="it-IT" sz="2000" dirty="0" smtClean="0"/>
+              <a:rPr lang="it-IT" sz="2000" dirty="0"/>
               <a:t>The </a:t>
             </a:r>
             <a:r>
-              <a:rPr lang="it-IT" sz="2000" dirty="0" err="1" smtClean="0"/>
+              <a:rPr lang="it-IT" sz="2000" dirty="0" err="1"/>
               <a:t>neighbor</a:t>
             </a:r>
             <a:r>
-              <a:rPr lang="it-IT" sz="2000" dirty="0" smtClean="0"/>
-              <a:t> </a:t>
-            </a:r>
-            <a:r>
               <a:rPr lang="it-IT" sz="2000" dirty="0"/>
-              <a:t>join </a:t>
-            </a:r>
-            <a:r>
-              <a:rPr lang="it-IT" sz="2000" dirty="0" err="1" smtClean="0"/>
+              <a:t> join </a:t>
+            </a:r>
+            <a:r>
+              <a:rPr lang="it-IT" sz="2000" dirty="0" err="1"/>
               <a:t>is</a:t>
             </a:r>
             <a:r>
-              <a:rPr lang="it-IT" sz="2000" dirty="0" smtClean="0"/>
+              <a:rPr lang="it-IT" sz="2000" dirty="0"/>
               <a:t> a </a:t>
             </a:r>
             <a:r>
-              <a:rPr lang="it-IT" sz="2000" dirty="0" err="1" smtClean="0"/>
+              <a:rPr lang="it-IT" sz="2000" dirty="0" err="1"/>
               <a:t>clustering</a:t>
             </a:r>
             <a:r>
-              <a:rPr lang="it-IT" sz="2000" dirty="0" smtClean="0"/>
+              <a:rPr lang="it-IT" sz="2000" dirty="0"/>
               <a:t> bottom-up </a:t>
             </a:r>
             <a:r>
-              <a:rPr lang="it-IT" sz="2000" dirty="0" err="1" smtClean="0"/>
+              <a:rPr lang="it-IT" sz="2000" dirty="0" err="1"/>
               <a:t>method</a:t>
             </a:r>
             <a:r>
-              <a:rPr lang="it-IT" sz="2000" dirty="0" smtClean="0"/>
+              <a:rPr lang="it-IT" sz="2000" dirty="0"/>
               <a:t> for building </a:t>
             </a:r>
             <a:r>
               <a:rPr lang="en-US" sz="2000" dirty="0"/>
-              <a:t>phylogenetic </a:t>
-            </a:r>
-            <a:r>
-              <a:rPr lang="en-US" sz="2000" dirty="0" smtClean="0"/>
-              <a:t>trees. It’s used for trees based on DNA sequences or on </a:t>
-            </a:r>
-            <a:r>
-              <a:rPr lang="sv-SE" sz="2000" dirty="0" smtClean="0"/>
+              <a:t>phylogenetic trees. It’s used for trees based on DNA sequences or on </a:t>
+            </a:r>
+            <a:r>
+              <a:rPr lang="sv-SE" sz="2000" dirty="0"/>
               <a:t>protein </a:t>
             </a:r>
             <a:r>
-              <a:rPr lang="sv-SE" sz="2000" dirty="0" err="1" smtClean="0"/>
+              <a:rPr lang="sv-SE" sz="2000" dirty="0" err="1"/>
               <a:t>sequences</a:t>
             </a:r>
             <a:r>
-              <a:rPr lang="sv-SE" sz="2000" dirty="0" smtClean="0"/>
+              <a:rPr lang="sv-SE" sz="2000" dirty="0"/>
               <a:t>.</a:t>
             </a:r>
-            <a:endParaRPr lang="en-US" sz="2000" dirty="0" smtClean="0"/>
+            <a:endParaRPr lang="en-US" sz="2000" dirty="0"/>
           </a:p>
           <a:p>
             <a:pPr marL="0" indent="0">
               <a:buNone/>
             </a:pPr>
             <a:r>
-              <a:rPr lang="it-IT" sz="2000" dirty="0" smtClean="0"/>
+              <a:rPr lang="it-IT" sz="2000" dirty="0"/>
               <a:t>The </a:t>
             </a:r>
             <a:r>
-              <a:rPr lang="it-IT" sz="2000" dirty="0" err="1" smtClean="0"/>
+              <a:rPr lang="it-IT" sz="2000" dirty="0" err="1"/>
               <a:t>algorithm</a:t>
             </a:r>
             <a:r>
-              <a:rPr lang="it-IT" sz="2000" dirty="0" smtClean="0"/>
+              <a:rPr lang="it-IT" sz="2000" dirty="0"/>
               <a:t> </a:t>
             </a:r>
             <a:r>
-              <a:rPr lang="it-IT" sz="2000" dirty="0" err="1" smtClean="0"/>
+              <a:rPr lang="it-IT" sz="2000" dirty="0" err="1"/>
               <a:t>needs</a:t>
             </a:r>
             <a:r>
-              <a:rPr lang="it-IT" sz="2000" dirty="0" smtClean="0"/>
+              <a:rPr lang="it-IT" sz="2000" dirty="0"/>
               <a:t> to </a:t>
             </a:r>
             <a:r>
-              <a:rPr lang="it-IT" sz="2000" dirty="0" err="1" smtClean="0"/>
+              <a:rPr lang="it-IT" sz="2000" dirty="0" err="1"/>
               <a:t>know</a:t>
             </a:r>
             <a:r>
-              <a:rPr lang="it-IT" sz="2000" dirty="0" smtClean="0"/>
+              <a:rPr lang="it-IT" sz="2000" dirty="0"/>
               <a:t> the </a:t>
             </a:r>
             <a:r>
-              <a:rPr lang="it-IT" sz="2000" dirty="0" err="1" smtClean="0"/>
+              <a:rPr lang="it-IT" sz="2000" dirty="0" err="1"/>
               <a:t>distance</a:t>
             </a:r>
             <a:r>
-              <a:rPr lang="it-IT" sz="2000" dirty="0" smtClean="0"/>
+              <a:rPr lang="it-IT" sz="2000" dirty="0"/>
               <a:t> </a:t>
             </a:r>
             <a:r>
-              <a:rPr lang="it-IT" sz="2000" dirty="0" err="1" smtClean="0"/>
+              <a:rPr lang="it-IT" sz="2000" dirty="0" err="1"/>
               <a:t>between</a:t>
             </a:r>
             <a:r>
-              <a:rPr lang="it-IT" sz="2000" dirty="0" smtClean="0"/>
+              <a:rPr lang="it-IT" sz="2000" dirty="0"/>
               <a:t> </a:t>
             </a:r>
             <a:r>
-              <a:rPr lang="it-IT" sz="2000" dirty="0" err="1" smtClean="0"/>
+              <a:rPr lang="it-IT" sz="2000" dirty="0" err="1"/>
               <a:t>each</a:t>
             </a:r>
             <a:r>
-              <a:rPr lang="it-IT" sz="2000" dirty="0" smtClean="0"/>
+              <a:rPr lang="it-IT" sz="2000" dirty="0"/>
               <a:t> </a:t>
             </a:r>
             <a:r>
-              <a:rPr lang="it-IT" sz="2000" dirty="0" err="1" smtClean="0"/>
+              <a:rPr lang="it-IT" sz="2000" dirty="0" err="1"/>
               <a:t>taxa</a:t>
             </a:r>
             <a:r>
-              <a:rPr lang="it-IT" sz="2000" dirty="0" smtClean="0"/>
+              <a:rPr lang="it-IT" sz="2000" dirty="0"/>
               <a:t> (</a:t>
             </a:r>
             <a:r>
-              <a:rPr lang="it-IT" sz="2000" dirty="0" err="1" smtClean="0"/>
+              <a:rPr lang="it-IT" sz="2000" dirty="0" err="1"/>
               <a:t>species</a:t>
             </a:r>
             <a:r>
-              <a:rPr lang="it-IT" sz="2000" dirty="0" smtClean="0"/>
+              <a:rPr lang="it-IT" sz="2000" dirty="0"/>
               <a:t> or </a:t>
             </a:r>
             <a:r>
-              <a:rPr lang="it-IT" sz="2000" dirty="0" err="1" smtClean="0"/>
+              <a:rPr lang="it-IT" sz="2000" dirty="0" err="1"/>
               <a:t>sequences</a:t>
             </a:r>
             <a:r>
-              <a:rPr lang="it-IT" sz="2000" dirty="0" smtClean="0"/>
+              <a:rPr lang="it-IT" sz="2000" dirty="0"/>
               <a:t>) </a:t>
             </a:r>
             <a:r>
-              <a:rPr lang="it-IT" sz="2000" dirty="0" err="1" smtClean="0"/>
+              <a:rPr lang="it-IT" sz="2000" dirty="0" err="1"/>
               <a:t>pair</a:t>
             </a:r>
             <a:r>
-              <a:rPr lang="it-IT" sz="2000" dirty="0" smtClean="0"/>
+              <a:rPr lang="it-IT" sz="2000" dirty="0"/>
               <a:t> in </a:t>
             </a:r>
             <a:r>
-              <a:rPr lang="it-IT" sz="2000" dirty="0" err="1" smtClean="0"/>
+              <a:rPr lang="it-IT" sz="2000" dirty="0" err="1"/>
               <a:t>order</a:t>
             </a:r>
             <a:r>
-              <a:rPr lang="it-IT" sz="2000" dirty="0" smtClean="0"/>
+              <a:rPr lang="it-IT" sz="2000" dirty="0"/>
               <a:t> to </a:t>
             </a:r>
             <a:r>
-              <a:rPr lang="it-IT" sz="2000" dirty="0" err="1" smtClean="0"/>
+              <a:rPr lang="it-IT" sz="2000" dirty="0" err="1"/>
               <a:t>build</a:t>
             </a:r>
             <a:r>
-              <a:rPr lang="it-IT" sz="2000" dirty="0" smtClean="0"/>
+              <a:rPr lang="it-IT" sz="2000" dirty="0"/>
               <a:t> the </a:t>
             </a:r>
             <a:r>
-              <a:rPr lang="it-IT" sz="2000" dirty="0" err="1" smtClean="0"/>
+              <a:rPr lang="it-IT" sz="2000" dirty="0" err="1"/>
               <a:t>tree</a:t>
             </a:r>
             <a:r>
-              <a:rPr lang="it-IT" sz="2000" dirty="0" smtClean="0"/>
+              <a:rPr lang="it-IT" sz="2000" dirty="0"/>
               <a:t>.</a:t>
             </a:r>
           </a:p>
@@ -16569,7 +16393,7 @@
           <p:cNvPr id="4" name="Segnaposto piè di pagina 3">
             <a:extLst>
               <a:ext uri="{FF2B5EF4-FFF2-40B4-BE49-F238E27FC236}">
-                <a16:creationId xmlns="" xmlns:a16="http://schemas.microsoft.com/office/drawing/2014/main" id="{99F581BA-59BF-C842-909A-7D69F8EBC6EC}"/>
+                <a16:creationId xmlns:a16="http://schemas.microsoft.com/office/drawing/2014/main" id="{99F581BA-59BF-C842-909A-7D69F8EBC6EC}"/>
               </a:ext>
             </a:extLst>
           </p:cNvPr>
@@ -16598,7 +16422,7 @@
           <p:cNvPr id="5" name="Segnaposto numero diapositiva 4">
             <a:extLst>
               <a:ext uri="{FF2B5EF4-FFF2-40B4-BE49-F238E27FC236}">
-                <a16:creationId xmlns="" xmlns:a16="http://schemas.microsoft.com/office/drawing/2014/main" id="{5BA999B2-1E71-3242-9F32-AA4400010A80}"/>
+                <a16:creationId xmlns:a16="http://schemas.microsoft.com/office/drawing/2014/main" id="{5BA999B2-1E71-3242-9F32-AA4400010A80}"/>
               </a:ext>
             </a:extLst>
           </p:cNvPr>
@@ -16876,7 +16700,7 @@
     </p:spTree>
     <p:extLst>
       <p:ext uri="{BB962C8B-B14F-4D97-AF65-F5344CB8AC3E}">
-        <p14:creationId xmlns="" xmlns:p14="http://schemas.microsoft.com/office/powerpoint/2010/main" val="3167436109"/>
+        <p14:creationId xmlns:p14="http://schemas.microsoft.com/office/powerpoint/2010/main" val="3167436109"/>
       </p:ext>
     </p:extLst>
   </p:cSld>
@@ -16908,7 +16732,7 @@
           <p:cNvPr id="2" name="Titolo 1">
             <a:extLst>
               <a:ext uri="{FF2B5EF4-FFF2-40B4-BE49-F238E27FC236}">
-                <a16:creationId xmlns="" xmlns:a16="http://schemas.microsoft.com/office/drawing/2014/main" id="{1F43EA38-7198-1842-8F66-2ACD781D90E4}"/>
+                <a16:creationId xmlns:a16="http://schemas.microsoft.com/office/drawing/2014/main" id="{1F43EA38-7198-1842-8F66-2ACD781D90E4}"/>
               </a:ext>
             </a:extLst>
           </p:cNvPr>
@@ -16946,7 +16770,7 @@
           <p:cNvPr id="3" name="Segnaposto contenuto 2">
             <a:extLst>
               <a:ext uri="{FF2B5EF4-FFF2-40B4-BE49-F238E27FC236}">
-                <a16:creationId xmlns="" xmlns:a16="http://schemas.microsoft.com/office/drawing/2014/main" id="{17DD1FE0-26DC-EE47-93E9-758F1A82416D}"/>
+                <a16:creationId xmlns:a16="http://schemas.microsoft.com/office/drawing/2014/main" id="{17DD1FE0-26DC-EE47-93E9-758F1A82416D}"/>
               </a:ext>
             </a:extLst>
           </p:cNvPr>
@@ -16973,15 +16797,15 @@
               <a:buNone/>
             </a:pPr>
             <a:r>
-              <a:rPr lang="it-IT" sz="2000" dirty="0" smtClean="0"/>
+              <a:rPr lang="it-IT" sz="2000" dirty="0"/>
               <a:t>The UPGMA </a:t>
             </a:r>
             <a:r>
-              <a:rPr lang="it-IT" sz="2000" dirty="0" err="1" smtClean="0"/>
+              <a:rPr lang="it-IT" sz="2000" dirty="0" err="1"/>
               <a:t>method</a:t>
             </a:r>
             <a:r>
-              <a:rPr lang="it-IT" sz="2000" dirty="0" smtClean="0"/>
+              <a:rPr lang="it-IT" sz="2000" dirty="0"/>
               <a:t> </a:t>
             </a:r>
             <a:r>
@@ -16997,7 +16821,7 @@
           <p:cNvPr id="4" name="Segnaposto piè di pagina 3">
             <a:extLst>
               <a:ext uri="{FF2B5EF4-FFF2-40B4-BE49-F238E27FC236}">
-                <a16:creationId xmlns="" xmlns:a16="http://schemas.microsoft.com/office/drawing/2014/main" id="{99F581BA-59BF-C842-909A-7D69F8EBC6EC}"/>
+                <a16:creationId xmlns:a16="http://schemas.microsoft.com/office/drawing/2014/main" id="{99F581BA-59BF-C842-909A-7D69F8EBC6EC}"/>
               </a:ext>
             </a:extLst>
           </p:cNvPr>
@@ -17029,7 +16853,7 @@
           <p:cNvPr id="5" name="Segnaposto numero diapositiva 4">
             <a:extLst>
               <a:ext uri="{FF2B5EF4-FFF2-40B4-BE49-F238E27FC236}">
-                <a16:creationId xmlns="" xmlns:a16="http://schemas.microsoft.com/office/drawing/2014/main" id="{5BA999B2-1E71-3242-9F32-AA4400010A80}"/>
+                <a16:creationId xmlns:a16="http://schemas.microsoft.com/office/drawing/2014/main" id="{5BA999B2-1E71-3242-9F32-AA4400010A80}"/>
               </a:ext>
             </a:extLst>
           </p:cNvPr>
@@ -17083,7 +16907,7 @@
     </p:spTree>
     <p:extLst>
       <p:ext uri="{BB962C8B-B14F-4D97-AF65-F5344CB8AC3E}">
-        <p14:creationId xmlns="" xmlns:p14="http://schemas.microsoft.com/office/powerpoint/2010/main" val="2163215880"/>
+        <p14:creationId xmlns:p14="http://schemas.microsoft.com/office/powerpoint/2010/main" val="2163215880"/>
       </p:ext>
     </p:extLst>
   </p:cSld>
@@ -17126,7 +16950,7 @@
           <a:lstStyle/>
           <a:p>
             <a:r>
-              <a:rPr lang="it-IT" dirty="0" err="1" smtClean="0"/>
+              <a:rPr lang="it-IT" dirty="0" err="1"/>
               <a:t>Conclusions</a:t>
             </a:r>
             <a:endParaRPr lang="it-IT" dirty="0"/>
@@ -17157,81 +16981,21 @@
           <a:p>
             <a:r>
               <a:rPr lang="en-US" dirty="0"/>
-              <a:t>T</a:t>
-            </a:r>
-            <a:r>
-              <a:rPr lang="en-US" dirty="0" smtClean="0"/>
-              <a:t>he </a:t>
-            </a:r>
+              <a:t>The two projects on Covid19, allow us to trace the mutations and ancestry of the various strains that are selected and inserted as inputs to the software. </a:t>
+            </a:r>
+            <a:endParaRPr lang="it-IT" dirty="0"/>
+          </a:p>
+          <a:p>
             <a:r>
               <a:rPr lang="en-US" dirty="0"/>
-              <a:t>two projects </a:t>
-            </a:r>
-            <a:r>
-              <a:rPr lang="en-US" dirty="0" smtClean="0"/>
-              <a:t>on Covid19, allow us to </a:t>
-            </a:r>
+              <a:t>With a larger number of sequences we are able to see the evolution of the most common clusters for each viral strain, we may also be able to highlight the extraordinary strength of SARS-CoV-2 for its rapid geographical spread. </a:t>
+            </a:r>
+            <a:endParaRPr lang="it-IT" dirty="0"/>
+          </a:p>
+          <a:p>
             <a:r>
               <a:rPr lang="en-US" dirty="0"/>
-              <a:t>trace the mutations and ancestry of the various strains that are selected and inserted as inputs to the software. </a:t>
-            </a:r>
-            <a:endParaRPr lang="it-IT" dirty="0"/>
-          </a:p>
-          <a:p>
-            <a:r>
-              <a:rPr lang="en-US" dirty="0"/>
-              <a:t>With a </a:t>
-            </a:r>
-            <a:r>
-              <a:rPr lang="en-US" dirty="0" smtClean="0"/>
-              <a:t>larger number of </a:t>
-            </a:r>
-            <a:r>
-              <a:rPr lang="en-US" dirty="0"/>
-              <a:t>sequences we </a:t>
-            </a:r>
-            <a:r>
-              <a:rPr lang="en-US" dirty="0" smtClean="0"/>
-              <a:t>are able </a:t>
-            </a:r>
-            <a:r>
-              <a:rPr lang="en-US" dirty="0"/>
-              <a:t>to see the evolution of the most common clusters for each viral strain, we may also be able to highlight the extraordinary </a:t>
-            </a:r>
-            <a:r>
-              <a:rPr lang="en-US" dirty="0" smtClean="0"/>
-              <a:t>strength of </a:t>
-            </a:r>
-            <a:r>
-              <a:rPr lang="en-US" dirty="0"/>
-              <a:t>SARS-CoV-2 for its rapid geographical spread. </a:t>
-            </a:r>
-            <a:endParaRPr lang="it-IT" dirty="0"/>
-          </a:p>
-          <a:p>
-            <a:r>
-              <a:rPr lang="en-US" dirty="0" smtClean="0"/>
-              <a:t>Developing this software has been very interesting. We’ve </a:t>
-            </a:r>
-            <a:r>
-              <a:rPr lang="en-US" dirty="0"/>
-              <a:t>realized how much the software can </a:t>
-            </a:r>
-            <a:r>
-              <a:rPr lang="en-US" dirty="0" smtClean="0"/>
-              <a:t>be </a:t>
-            </a:r>
-            <a:r>
-              <a:rPr lang="en-US" dirty="0"/>
-              <a:t>useful in </a:t>
-            </a:r>
-            <a:r>
-              <a:rPr lang="en-US" dirty="0" smtClean="0"/>
-              <a:t>biology </a:t>
-            </a:r>
-            <a:r>
-              <a:rPr lang="en-US" dirty="0"/>
-              <a:t>and how important this can be for the development of activities and research for the scientific community. </a:t>
+              <a:t>Developing this software has been very interesting. We’ve realized how much the software can be useful in biology and how important this can be for the development of activities and research for the scientific community. </a:t>
             </a:r>
             <a:endParaRPr lang="it-IT" dirty="0"/>
           </a:p>
@@ -17331,7 +17095,7 @@
           <a:p>
             <a:pPr algn="ctr"/>
             <a:r>
-              <a:rPr lang="it-IT" dirty="0" err="1" smtClean="0"/>
+              <a:rPr lang="it-IT" dirty="0" err="1"/>
               <a:t>Introduction</a:t>
             </a:r>
             <a:endParaRPr lang="it-IT" dirty="0"/>
@@ -17373,20 +17137,12 @@
           <a:p>
             <a:pPr algn="l" fontAlgn="base"/>
             <a:r>
-              <a:rPr lang="en-US" dirty="0" smtClean="0">
-                <a:solidFill>
-                  <a:schemeClr val="tx1"/>
-                </a:solidFill>
-              </a:rPr>
-              <a:t>In </a:t>
-            </a:r>
-            <a:r>
               <a:rPr lang="en-US" dirty="0">
                 <a:solidFill>
                   <a:schemeClr val="tx1"/>
                 </a:solidFill>
               </a:rPr>
-              <a:t>humans, the common Coronaviruses cause respiratory infections, often of mild magnitude such as the common cold, but in some cases they can cause non-serious viral pneumonia, and rarely they can also cause Severe Acute Respiratory Syndrome (SARS).</a:t>
+              <a:t>In humans, the common Coronaviruses cause respiratory infections, often of mild magnitude such as the common cold, but in some cases they can cause non-serious viral pneumonia, and rarely they can also cause Severe Acute Respiratory Syndrome (SARS).</a:t>
             </a:r>
           </a:p>
           <a:p>
@@ -17397,111 +17153,31 @@
                   <a:schemeClr val="tx1"/>
                 </a:solidFill>
               </a:rPr>
-              <a:t>In case of mutations, the </a:t>
-            </a:r>
-            <a:r>
-              <a:rPr lang="en-US" dirty="0" smtClean="0">
-                <a:solidFill>
-                  <a:schemeClr val="tx1"/>
-                </a:solidFill>
-              </a:rPr>
-              <a:t>disease’s </a:t>
-            </a:r>
+              <a:t>In case of mutations, the disease’s severity depends on the fact that, if the virus is new, our immune system does not recognize it because it has never come into contact with it before, it does not know how to defend itself and undergoes the attack that becomes particularly violent and dangerous in immunologically weak or immunosuppressed subjects.</a:t>
+            </a:r>
+            <a:endParaRPr lang="it-IT" dirty="0">
+              <a:solidFill>
+                <a:schemeClr val="tx1"/>
+              </a:solidFill>
+            </a:endParaRPr>
+          </a:p>
+          <a:p>
+            <a:pPr algn="l" fontAlgn="base"/>
+            <a:endParaRPr lang="it-IT" dirty="0">
+              <a:solidFill>
+                <a:schemeClr val="tx1"/>
+              </a:solidFill>
+            </a:endParaRPr>
+          </a:p>
+          <a:p>
+            <a:pPr algn="l" fontAlgn="base"/>
             <a:r>
               <a:rPr lang="en-US" dirty="0">
                 <a:solidFill>
                   <a:schemeClr val="tx1"/>
                 </a:solidFill>
               </a:rPr>
-              <a:t>severity</a:t>
-            </a:r>
-            <a:r>
-              <a:rPr lang="en-US" dirty="0" smtClean="0">
-                <a:solidFill>
-                  <a:schemeClr val="tx1"/>
-                </a:solidFill>
-              </a:rPr>
-              <a:t> </a:t>
-            </a:r>
-            <a:r>
-              <a:rPr lang="en-US" dirty="0">
-                <a:solidFill>
-                  <a:schemeClr val="tx1"/>
-                </a:solidFill>
-              </a:rPr>
-              <a:t>depends on the fact that, if the virus is new, our immune system does not recognize it because it has never come into contact with it before, it does not know how to defend itself and undergoes the attack that becomes particularly violent and dangerous in immunologically weak or immunosuppressed subjects.</a:t>
-            </a:r>
-            <a:endParaRPr lang="it-IT" dirty="0">
-              <a:solidFill>
-                <a:schemeClr val="tx1"/>
-              </a:solidFill>
-            </a:endParaRPr>
-          </a:p>
-          <a:p>
-            <a:pPr algn="l" fontAlgn="base"/>
-            <a:endParaRPr lang="it-IT" dirty="0" smtClean="0">
-              <a:solidFill>
-                <a:schemeClr val="tx1"/>
-              </a:solidFill>
-            </a:endParaRPr>
-          </a:p>
-          <a:p>
-            <a:pPr algn="l" fontAlgn="base"/>
-            <a:r>
-              <a:rPr lang="en-US" dirty="0">
-                <a:solidFill>
-                  <a:schemeClr val="tx1"/>
-                </a:solidFill>
-              </a:rPr>
-              <a:t>We’ve decided to choose this project because it is </a:t>
-            </a:r>
-            <a:r>
-              <a:rPr lang="en-US" dirty="0" smtClean="0">
-                <a:solidFill>
-                  <a:schemeClr val="tx1"/>
-                </a:solidFill>
-              </a:rPr>
-              <a:t>about a subject that </a:t>
-            </a:r>
-            <a:r>
-              <a:rPr lang="en-US" dirty="0">
-                <a:solidFill>
-                  <a:schemeClr val="tx1"/>
-                </a:solidFill>
-              </a:rPr>
-              <a:t>we are experiencing firsthand and </a:t>
-            </a:r>
-            <a:r>
-              <a:rPr lang="en-US" dirty="0" smtClean="0">
-                <a:solidFill>
-                  <a:schemeClr val="tx1"/>
-                </a:solidFill>
-              </a:rPr>
-              <a:t>an </a:t>
-            </a:r>
-            <a:r>
-              <a:rPr lang="en-US" dirty="0">
-                <a:solidFill>
-                  <a:schemeClr val="tx1"/>
-                </a:solidFill>
-              </a:rPr>
-              <a:t>IT approach </a:t>
-            </a:r>
-            <a:r>
-              <a:rPr lang="en-US" dirty="0" smtClean="0">
-                <a:solidFill>
-                  <a:schemeClr val="tx1"/>
-                </a:solidFill>
-              </a:rPr>
-              <a:t>to it </a:t>
-            </a:r>
-            <a:r>
-              <a:rPr lang="en-US" dirty="0">
-                <a:solidFill>
-                  <a:schemeClr val="tx1"/>
-                </a:solidFill>
-              </a:rPr>
-              <a:t>could be of help for future studies.</a:t>
+              <a:t>We’ve decided to choose this project because it is about a subject that we are experiencing firsthand and an IT approach to it could be of help for future studies.</a:t>
             </a:r>
             <a:endParaRPr lang="it-IT" dirty="0">
               <a:solidFill>
@@ -17528,13 +17204,6 @@
   <p:clrMapOvr>
     <a:masterClrMapping/>
   </p:clrMapOvr>
-  <p:timing>
-    <p:tnLst>
-      <p:par>
-        <p:cTn id="1" dur="indefinite" restart="never" nodeType="tmRoot"/>
-      </p:par>
-    </p:tnLst>
-  </p:timing>
 </p:sld>
 </file>
 
@@ -17560,7 +17229,7 @@
           <p:cNvPr id="3" name="Segnaposto contenuto 2">
             <a:extLst>
               <a:ext uri="{FF2B5EF4-FFF2-40B4-BE49-F238E27FC236}">
-                <a16:creationId xmlns="" xmlns:a16="http://schemas.microsoft.com/office/drawing/2014/main" id="{FFFDE446-7210-F64F-B1A5-20B34C5813D6}"/>
+                <a16:creationId xmlns:a16="http://schemas.microsoft.com/office/drawing/2014/main" id="{FFFDE446-7210-F64F-B1A5-20B34C5813D6}"/>
               </a:ext>
             </a:extLst>
           </p:cNvPr>
@@ -17587,67 +17256,67 @@
               <a:buNone/>
             </a:pPr>
             <a:r>
-              <a:rPr lang="it-IT" sz="3200" dirty="0" err="1" smtClean="0"/>
+              <a:rPr lang="it-IT" sz="3200" dirty="0" err="1"/>
               <a:t>We</a:t>
-            </a:r>
-            <a:r>
-              <a:rPr lang="it-IT" sz="3200" dirty="0" smtClean="0"/>
-              <a:t> </a:t>
-            </a:r>
-            <a:r>
-              <a:rPr lang="it-IT" sz="3200" dirty="0" err="1" smtClean="0"/>
-              <a:t>have</a:t>
-            </a:r>
-            <a:r>
-              <a:rPr lang="it-IT" sz="3200" dirty="0" smtClean="0"/>
-              <a:t> </a:t>
-            </a:r>
-            <a:r>
-              <a:rPr lang="it-IT" sz="3200" dirty="0" err="1" smtClean="0"/>
-              <a:t>followed</a:t>
-            </a:r>
-            <a:r>
-              <a:rPr lang="it-IT" sz="3200" dirty="0" smtClean="0"/>
-              <a:t> the </a:t>
-            </a:r>
-            <a:r>
-              <a:rPr lang="it-IT" sz="3200" dirty="0" err="1" smtClean="0"/>
-              <a:t>steps</a:t>
-            </a:r>
-            <a:r>
-              <a:rPr lang="it-IT" sz="3200" dirty="0" smtClean="0"/>
-              <a:t> </a:t>
-            </a:r>
-            <a:r>
-              <a:rPr lang="it-IT" sz="3200" dirty="0" err="1" smtClean="0"/>
-              <a:t>below</a:t>
-            </a:r>
-            <a:r>
-              <a:rPr lang="it-IT" sz="3200" dirty="0" smtClean="0"/>
-              <a:t> for </a:t>
-            </a:r>
-            <a:r>
-              <a:rPr lang="it-IT" sz="3200" dirty="0" err="1" smtClean="0"/>
-              <a:t>both</a:t>
             </a:r>
             <a:r>
               <a:rPr lang="it-IT" sz="3200" dirty="0"/>
               <a:t> </a:t>
             </a:r>
             <a:r>
-              <a:rPr lang="it-IT" sz="3200" dirty="0" err="1" smtClean="0"/>
+              <a:rPr lang="it-IT" sz="3200" dirty="0" err="1"/>
+              <a:t>have</a:t>
+            </a:r>
+            <a:r>
+              <a:rPr lang="it-IT" sz="3200" dirty="0"/>
+              <a:t> </a:t>
+            </a:r>
+            <a:r>
+              <a:rPr lang="it-IT" sz="3200" dirty="0" err="1"/>
+              <a:t>followed</a:t>
+            </a:r>
+            <a:r>
+              <a:rPr lang="it-IT" sz="3200" dirty="0"/>
+              <a:t> the </a:t>
+            </a:r>
+            <a:r>
+              <a:rPr lang="it-IT" sz="3200" dirty="0" err="1"/>
+              <a:t>steps</a:t>
+            </a:r>
+            <a:r>
+              <a:rPr lang="it-IT" sz="3200" dirty="0"/>
+              <a:t> </a:t>
+            </a:r>
+            <a:r>
+              <a:rPr lang="it-IT" sz="3200" dirty="0" err="1"/>
+              <a:t>below</a:t>
+            </a:r>
+            <a:r>
+              <a:rPr lang="it-IT" sz="3200" dirty="0"/>
+              <a:t> for </a:t>
+            </a:r>
+            <a:r>
+              <a:rPr lang="it-IT" sz="3200" dirty="0" err="1"/>
+              <a:t>both</a:t>
+            </a:r>
+            <a:r>
+              <a:rPr lang="it-IT" sz="3200" dirty="0"/>
+              <a:t> </a:t>
+            </a:r>
+            <a:r>
+              <a:rPr lang="it-IT" sz="3200" dirty="0" err="1"/>
               <a:t>our</a:t>
             </a:r>
             <a:r>
-              <a:rPr lang="it-IT" sz="3200" dirty="0" smtClean="0"/>
+              <a:rPr lang="it-IT" sz="3200" dirty="0"/>
               <a:t> </a:t>
             </a:r>
             <a:r>
-              <a:rPr lang="it-IT" sz="3200" dirty="0" err="1" smtClean="0"/>
+              <a:rPr lang="it-IT" sz="3200" dirty="0" err="1"/>
               <a:t>projects</a:t>
             </a:r>
             <a:r>
-              <a:rPr lang="it-IT" sz="3200" dirty="0" smtClean="0"/>
+              <a:rPr lang="it-IT" sz="3200" dirty="0"/>
               <a:t>:</a:t>
             </a:r>
           </a:p>
@@ -17659,38 +17328,29 @@
           </a:p>
           <a:p>
             <a:r>
-              <a:rPr lang="it-IT" sz="3200" dirty="0" err="1" smtClean="0"/>
+              <a:rPr lang="it-IT" sz="3200" dirty="0" err="1"/>
               <a:t>Sequences</a:t>
             </a:r>
             <a:r>
-              <a:rPr lang="it-IT" sz="3200" dirty="0" smtClean="0"/>
+              <a:rPr lang="it-IT" sz="3200" dirty="0"/>
               <a:t> </a:t>
             </a:r>
             <a:r>
-              <a:rPr lang="it-IT" sz="3200" dirty="0" err="1" smtClean="0"/>
+              <a:rPr lang="it-IT" sz="3200" dirty="0" err="1"/>
               <a:t>selection</a:t>
             </a:r>
             <a:r>
-              <a:rPr lang="it-IT" sz="3200" dirty="0" smtClean="0"/>
+              <a:rPr lang="it-IT" sz="3200" dirty="0"/>
               <a:t> on the NCBI site</a:t>
             </a:r>
-            <a:endParaRPr lang="it-IT" sz="3200" dirty="0"/>
-          </a:p>
-          <a:p>
-            <a:r>
-              <a:rPr lang="en-US" sz="3200" dirty="0" smtClean="0"/>
-              <a:t>Sequences </a:t>
-            </a:r>
+          </a:p>
+          <a:p>
             <a:r>
               <a:rPr lang="en-US" sz="3200" dirty="0"/>
-              <a:t>a</a:t>
-            </a:r>
-            <a:r>
-              <a:rPr lang="en-US" sz="3200" dirty="0" smtClean="0"/>
-              <a:t>lignment </a:t>
-            </a:r>
-            <a:r>
-              <a:rPr lang="it-IT" sz="3200" dirty="0" smtClean="0"/>
+              <a:t>Sequences alignment </a:t>
+            </a:r>
+            <a:r>
+              <a:rPr lang="it-IT" sz="3200" dirty="0"/>
               <a:t>by the </a:t>
             </a:r>
             <a:r>
@@ -17702,11 +17362,11 @@
               <a:t> </a:t>
             </a:r>
             <a:r>
-              <a:rPr lang="it-IT" sz="3200" dirty="0" err="1" smtClean="0"/>
+              <a:rPr lang="it-IT" sz="3200" dirty="0" err="1"/>
               <a:t>Clustal</a:t>
             </a:r>
             <a:r>
-              <a:rPr lang="el-GR" sz="3200" dirty="0" smtClean="0"/>
+              <a:rPr lang="el-GR" sz="3200" dirty="0"/>
               <a:t>Ω</a:t>
             </a:r>
             <a:endParaRPr lang="it-IT" sz="3200" dirty="0"/>
@@ -17724,7 +17384,7 @@
           <p:cNvPr id="4" name="Segnaposto piè di pagina 3">
             <a:extLst>
               <a:ext uri="{FF2B5EF4-FFF2-40B4-BE49-F238E27FC236}">
-                <a16:creationId xmlns="" xmlns:a16="http://schemas.microsoft.com/office/drawing/2014/main" id="{7BEA13E5-1936-9340-8D03-C6FA72C9587F}"/>
+                <a16:creationId xmlns:a16="http://schemas.microsoft.com/office/drawing/2014/main" id="{7BEA13E5-1936-9340-8D03-C6FA72C9587F}"/>
               </a:ext>
             </a:extLst>
           </p:cNvPr>
@@ -17756,7 +17416,7 @@
           <p:cNvPr id="5" name="Segnaposto numero diapositiva 4">
             <a:extLst>
               <a:ext uri="{FF2B5EF4-FFF2-40B4-BE49-F238E27FC236}">
-                <a16:creationId xmlns="" xmlns:a16="http://schemas.microsoft.com/office/drawing/2014/main" id="{577F604D-4F99-A94E-A1D1-9E1951821D70}"/>
+                <a16:creationId xmlns:a16="http://schemas.microsoft.com/office/drawing/2014/main" id="{577F604D-4F99-A94E-A1D1-9E1951821D70}"/>
               </a:ext>
             </a:extLst>
           </p:cNvPr>
@@ -17784,20 +17444,13 @@
     </p:spTree>
     <p:extLst>
       <p:ext uri="{BB962C8B-B14F-4D97-AF65-F5344CB8AC3E}">
-        <p14:creationId xmlns="" xmlns:p14="http://schemas.microsoft.com/office/powerpoint/2010/main" val="152750251"/>
+        <p14:creationId xmlns:p14="http://schemas.microsoft.com/office/powerpoint/2010/main" val="152750251"/>
       </p:ext>
     </p:extLst>
   </p:cSld>
   <p:clrMapOvr>
     <a:masterClrMapping/>
   </p:clrMapOvr>
-  <p:timing>
-    <p:tnLst>
-      <p:par>
-        <p:cTn id="1" dur="indefinite" restart="never" nodeType="tmRoot"/>
-      </p:par>
-    </p:tnLst>
-  </p:timing>
 </p:sld>
 </file>
 
@@ -17823,7 +17476,7 @@
           <p:cNvPr id="2" name="Titolo 1">
             <a:extLst>
               <a:ext uri="{FF2B5EF4-FFF2-40B4-BE49-F238E27FC236}">
-                <a16:creationId xmlns="" xmlns:a16="http://schemas.microsoft.com/office/drawing/2014/main" id="{A8404C61-E819-1045-8CC4-156C066857FE}"/>
+                <a16:creationId xmlns:a16="http://schemas.microsoft.com/office/drawing/2014/main" id="{A8404C61-E819-1045-8CC4-156C066857FE}"/>
               </a:ext>
             </a:extLst>
           </p:cNvPr>
@@ -17840,24 +17493,20 @@
           <a:lstStyle/>
           <a:p>
             <a:r>
-              <a:rPr lang="it-IT" dirty="0" err="1" smtClean="0"/>
+              <a:rPr lang="it-IT" dirty="0" err="1"/>
               <a:t>Sequences</a:t>
             </a:r>
             <a:r>
-              <a:rPr lang="it-IT" dirty="0" smtClean="0"/>
+              <a:rPr lang="it-IT" dirty="0"/>
               <a:t> </a:t>
             </a:r>
             <a:r>
-              <a:rPr lang="it-IT" dirty="0" err="1" smtClean="0"/>
+              <a:rPr lang="it-IT" dirty="0" err="1"/>
               <a:t>selection</a:t>
             </a:r>
             <a:r>
-              <a:rPr lang="it-IT" dirty="0" smtClean="0"/>
+              <a:rPr lang="it-IT" dirty="0"/>
               <a:t> on the NCBI site</a:t>
-            </a:r>
-            <a:r>
-              <a:rPr lang="it-IT" dirty="0"/>
-              <a:t/>
             </a:r>
             <a:br>
               <a:rPr lang="it-IT" dirty="0"/>
@@ -17871,7 +17520,7 @@
           <p:cNvPr id="5" name="Segnaposto contenuto 4" descr="Immagine che contiene testo, tavolo&#10;&#10;Descrizione generata automaticamente">
             <a:extLst>
               <a:ext uri="{FF2B5EF4-FFF2-40B4-BE49-F238E27FC236}">
-                <a16:creationId xmlns="" xmlns:a16="http://schemas.microsoft.com/office/drawing/2014/main" id="{6AD3680A-B307-1443-8174-14CACF041985}"/>
+                <a16:creationId xmlns:a16="http://schemas.microsoft.com/office/drawing/2014/main" id="{6AD3680A-B307-1443-8174-14CACF041985}"/>
               </a:ext>
             </a:extLst>
           </p:cNvPr>
@@ -17905,7 +17554,7 @@
           <p:cNvPr id="9" name="Immagine 8" descr="Immagine che contiene testo&#10;&#10;Descrizione generata automaticamente">
             <a:extLst>
               <a:ext uri="{FF2B5EF4-FFF2-40B4-BE49-F238E27FC236}">
-                <a16:creationId xmlns="" xmlns:a16="http://schemas.microsoft.com/office/drawing/2014/main" id="{67DE1FD3-587F-CF41-8141-551DF1540A15}"/>
+                <a16:creationId xmlns:a16="http://schemas.microsoft.com/office/drawing/2014/main" id="{67DE1FD3-587F-CF41-8141-551DF1540A15}"/>
               </a:ext>
             </a:extLst>
           </p:cNvPr>
@@ -17940,7 +17589,7 @@
           <p:cNvPr id="12" name="CasellaDiTesto 11">
             <a:extLst>
               <a:ext uri="{FF2B5EF4-FFF2-40B4-BE49-F238E27FC236}">
-                <a16:creationId xmlns="" xmlns:a16="http://schemas.microsoft.com/office/drawing/2014/main" id="{FA08A4FC-1285-814D-A2E9-0A92A49C5417}"/>
+                <a16:creationId xmlns:a16="http://schemas.microsoft.com/office/drawing/2014/main" id="{FA08A4FC-1285-814D-A2E9-0A92A49C5417}"/>
               </a:ext>
             </a:extLst>
           </p:cNvPr>
@@ -17964,59 +17613,59 @@
           <a:lstStyle/>
           <a:p>
             <a:r>
-              <a:rPr lang="it-IT" dirty="0" err="1" smtClean="0"/>
+              <a:rPr lang="it-IT" dirty="0" err="1"/>
               <a:t>We</a:t>
             </a:r>
             <a:r>
-              <a:rPr lang="it-IT" dirty="0" smtClean="0"/>
+              <a:rPr lang="it-IT" dirty="0"/>
               <a:t> </a:t>
             </a:r>
             <a:r>
-              <a:rPr lang="it-IT" dirty="0" err="1" smtClean="0"/>
+              <a:rPr lang="it-IT" dirty="0" err="1"/>
               <a:t>have</a:t>
             </a:r>
             <a:r>
-              <a:rPr lang="it-IT" dirty="0" smtClean="0"/>
+              <a:rPr lang="it-IT" dirty="0"/>
               <a:t> </a:t>
             </a:r>
             <a:r>
-              <a:rPr lang="it-IT" dirty="0" err="1" smtClean="0"/>
+              <a:rPr lang="it-IT" dirty="0" err="1"/>
               <a:t>selected</a:t>
             </a:r>
             <a:r>
-              <a:rPr lang="it-IT" dirty="0" smtClean="0"/>
+              <a:rPr lang="it-IT" dirty="0"/>
               <a:t> </a:t>
             </a:r>
             <a:r>
-              <a:rPr lang="it-IT" dirty="0" err="1" smtClean="0"/>
+              <a:rPr lang="it-IT" dirty="0" err="1"/>
               <a:t>sequences</a:t>
             </a:r>
             <a:r>
-              <a:rPr lang="it-IT" dirty="0" smtClean="0"/>
+              <a:rPr lang="it-IT" dirty="0"/>
               <a:t> from 2 </a:t>
             </a:r>
             <a:r>
-              <a:rPr lang="it-IT" dirty="0" err="1" smtClean="0"/>
+              <a:rPr lang="it-IT" dirty="0" err="1"/>
               <a:t>geographic</a:t>
             </a:r>
             <a:r>
-              <a:rPr lang="it-IT" dirty="0" smtClean="0"/>
+              <a:rPr lang="it-IT" dirty="0"/>
               <a:t> </a:t>
             </a:r>
             <a:r>
-              <a:rPr lang="it-IT" dirty="0" err="1" smtClean="0"/>
+              <a:rPr lang="it-IT" dirty="0" err="1"/>
               <a:t>regions</a:t>
             </a:r>
             <a:r>
-              <a:rPr lang="it-IT" dirty="0" smtClean="0"/>
+              <a:rPr lang="it-IT" dirty="0"/>
               <a:t>: India and </a:t>
             </a:r>
             <a:r>
-              <a:rPr lang="it-IT" dirty="0" err="1" smtClean="0"/>
+              <a:rPr lang="it-IT" dirty="0" err="1"/>
               <a:t>Italy</a:t>
             </a:r>
             <a:r>
-              <a:rPr lang="it-IT" dirty="0" smtClean="0"/>
+              <a:rPr lang="it-IT" dirty="0"/>
               <a:t>.</a:t>
             </a:r>
           </a:p>
@@ -18025,115 +17674,115 @@
           </a:p>
           <a:p>
             <a:r>
-              <a:rPr lang="it-IT" dirty="0" err="1" smtClean="0"/>
+              <a:rPr lang="it-IT" dirty="0" err="1"/>
               <a:t>Our</a:t>
             </a:r>
             <a:r>
-              <a:rPr lang="it-IT" dirty="0" smtClean="0"/>
+              <a:rPr lang="it-IT" dirty="0"/>
               <a:t> </a:t>
             </a:r>
             <a:r>
-              <a:rPr lang="it-IT" dirty="0" err="1" smtClean="0"/>
+              <a:rPr lang="it-IT" dirty="0" err="1"/>
               <a:t>sequences</a:t>
             </a:r>
             <a:r>
-              <a:rPr lang="it-IT" dirty="0" smtClean="0"/>
+              <a:rPr lang="it-IT" dirty="0"/>
               <a:t> </a:t>
             </a:r>
             <a:r>
-              <a:rPr lang="it-IT" dirty="0" err="1" smtClean="0"/>
+              <a:rPr lang="it-IT" dirty="0" err="1"/>
               <a:t>length’s</a:t>
             </a:r>
             <a:r>
-              <a:rPr lang="it-IT" dirty="0" smtClean="0"/>
+              <a:rPr lang="it-IT" dirty="0"/>
               <a:t> </a:t>
             </a:r>
             <a:r>
-              <a:rPr lang="it-IT" dirty="0" err="1" smtClean="0"/>
+              <a:rPr lang="it-IT" dirty="0" err="1"/>
               <a:t>range</a:t>
             </a:r>
             <a:r>
-              <a:rPr lang="it-IT" dirty="0" smtClean="0"/>
+              <a:rPr lang="it-IT" dirty="0"/>
               <a:t> </a:t>
             </a:r>
             <a:r>
-              <a:rPr lang="it-IT" dirty="0" err="1" smtClean="0"/>
+              <a:rPr lang="it-IT" dirty="0" err="1"/>
               <a:t>is</a:t>
             </a:r>
             <a:r>
-              <a:rPr lang="it-IT" dirty="0" smtClean="0"/>
+              <a:rPr lang="it-IT" dirty="0"/>
               <a:t> </a:t>
             </a:r>
             <a:r>
-              <a:rPr lang="it-IT" dirty="0" err="1" smtClean="0"/>
+              <a:rPr lang="it-IT" dirty="0" err="1"/>
               <a:t>between</a:t>
             </a:r>
             <a:r>
-              <a:rPr lang="it-IT" dirty="0" smtClean="0"/>
+              <a:rPr lang="it-IT" dirty="0"/>
               <a:t> a </a:t>
             </a:r>
             <a:r>
-              <a:rPr lang="it-IT" dirty="0" err="1" smtClean="0"/>
+              <a:rPr lang="it-IT" dirty="0" err="1"/>
               <a:t>min</a:t>
             </a:r>
             <a:r>
-              <a:rPr lang="it-IT" dirty="0" smtClean="0"/>
+              <a:rPr lang="it-IT" dirty="0"/>
               <a:t> </a:t>
             </a:r>
             <a:r>
-              <a:rPr lang="it-IT" dirty="0" err="1" smtClean="0"/>
+              <a:rPr lang="it-IT" dirty="0" err="1"/>
               <a:t>value</a:t>
             </a:r>
             <a:r>
-              <a:rPr lang="it-IT" dirty="0" smtClean="0"/>
+              <a:rPr lang="it-IT" dirty="0"/>
               <a:t> of 29000 and a </a:t>
             </a:r>
             <a:r>
-              <a:rPr lang="it-IT" dirty="0" err="1" smtClean="0"/>
+              <a:rPr lang="it-IT" dirty="0" err="1"/>
               <a:t>max</a:t>
             </a:r>
             <a:r>
-              <a:rPr lang="it-IT" dirty="0" smtClean="0"/>
+              <a:rPr lang="it-IT" dirty="0"/>
               <a:t> </a:t>
             </a:r>
             <a:r>
-              <a:rPr lang="it-IT" dirty="0" err="1" smtClean="0"/>
+              <a:rPr lang="it-IT" dirty="0" err="1"/>
               <a:t>value</a:t>
             </a:r>
             <a:r>
-              <a:rPr lang="it-IT" dirty="0" smtClean="0"/>
+              <a:rPr lang="it-IT" dirty="0"/>
               <a:t> of 30000, in </a:t>
             </a:r>
             <a:r>
-              <a:rPr lang="it-IT" dirty="0" err="1" smtClean="0"/>
+              <a:rPr lang="it-IT" dirty="0" err="1"/>
               <a:t>order</a:t>
             </a:r>
             <a:r>
-              <a:rPr lang="it-IT" dirty="0" smtClean="0"/>
+              <a:rPr lang="it-IT" dirty="0"/>
               <a:t> to </a:t>
             </a:r>
             <a:r>
-              <a:rPr lang="it-IT" dirty="0" err="1" smtClean="0"/>
+              <a:rPr lang="it-IT" dirty="0" err="1"/>
               <a:t>minimize</a:t>
             </a:r>
             <a:r>
-              <a:rPr lang="it-IT" dirty="0" smtClean="0"/>
+              <a:rPr lang="it-IT" dirty="0"/>
               <a:t> the gap </a:t>
             </a:r>
             <a:r>
-              <a:rPr lang="it-IT" dirty="0" err="1" smtClean="0"/>
+              <a:rPr lang="it-IT" dirty="0" err="1"/>
               <a:t>among</a:t>
             </a:r>
             <a:r>
-              <a:rPr lang="it-IT" dirty="0" smtClean="0"/>
+              <a:rPr lang="it-IT" dirty="0"/>
               <a:t> </a:t>
             </a:r>
             <a:r>
-              <a:rPr lang="it-IT" dirty="0" err="1" smtClean="0"/>
+              <a:rPr lang="it-IT" dirty="0" err="1"/>
               <a:t>them</a:t>
             </a:r>
             <a:r>
-              <a:rPr lang="it-IT" sz="1600" dirty="0" smtClean="0"/>
+              <a:rPr lang="it-IT" sz="1600" dirty="0"/>
               <a:t>.</a:t>
             </a:r>
           </a:p>
@@ -18150,7 +17799,7 @@
           <p:cNvPr id="3" name="Segnaposto piè di pagina 2">
             <a:extLst>
               <a:ext uri="{FF2B5EF4-FFF2-40B4-BE49-F238E27FC236}">
-                <a16:creationId xmlns="" xmlns:a16="http://schemas.microsoft.com/office/drawing/2014/main" id="{04053313-C97E-1B4B-A7F2-9EE0F47D8929}"/>
+                <a16:creationId xmlns:a16="http://schemas.microsoft.com/office/drawing/2014/main" id="{04053313-C97E-1B4B-A7F2-9EE0F47D8929}"/>
               </a:ext>
             </a:extLst>
           </p:cNvPr>
@@ -18182,7 +17831,7 @@
           <p:cNvPr id="4" name="Segnaposto numero diapositiva 3">
             <a:extLst>
               <a:ext uri="{FF2B5EF4-FFF2-40B4-BE49-F238E27FC236}">
-                <a16:creationId xmlns="" xmlns:a16="http://schemas.microsoft.com/office/drawing/2014/main" id="{38E32A06-4A3E-5546-BDBF-9D8E866BB7E5}"/>
+                <a16:creationId xmlns:a16="http://schemas.microsoft.com/office/drawing/2014/main" id="{38E32A06-4A3E-5546-BDBF-9D8E866BB7E5}"/>
               </a:ext>
             </a:extLst>
           </p:cNvPr>
@@ -18212,7 +17861,7 @@
           <p:cNvPr id="6" name="CasellaDiTesto 5">
             <a:extLst>
               <a:ext uri="{FF2B5EF4-FFF2-40B4-BE49-F238E27FC236}">
-                <a16:creationId xmlns="" xmlns:a16="http://schemas.microsoft.com/office/drawing/2014/main" id="{BCA93B6D-4612-7A4B-8B45-AC6740C4A9F5}"/>
+                <a16:creationId xmlns:a16="http://schemas.microsoft.com/office/drawing/2014/main" id="{BCA93B6D-4612-7A4B-8B45-AC6740C4A9F5}"/>
               </a:ext>
             </a:extLst>
           </p:cNvPr>
@@ -18244,7 +17893,7 @@
                 <a:hlinkClick r:id="rId4">
                   <a:extLst>
                     <a:ext uri="{A12FA001-AC4F-418D-AE19-62706E023703}">
-                      <ahyp:hlinkClr xmlns="" xmlns:ahyp="http://schemas.microsoft.com/office/drawing/2018/hyperlinkcolor" val="tx"/>
+                      <ahyp:hlinkClr xmlns:ahyp="http://schemas.microsoft.com/office/drawing/2018/hyperlinkcolor" val="tx"/>
                     </a:ext>
                   </a:extLst>
                 </a:hlinkClick>
@@ -18262,20 +17911,13 @@
     </p:spTree>
     <p:extLst>
       <p:ext uri="{BB962C8B-B14F-4D97-AF65-F5344CB8AC3E}">
-        <p14:creationId xmlns="" xmlns:p14="http://schemas.microsoft.com/office/powerpoint/2010/main" val="2213807407"/>
+        <p14:creationId xmlns:p14="http://schemas.microsoft.com/office/powerpoint/2010/main" val="2213807407"/>
       </p:ext>
     </p:extLst>
   </p:cSld>
   <p:clrMapOvr>
     <a:masterClrMapping/>
   </p:clrMapOvr>
-  <p:timing>
-    <p:tnLst>
-      <p:par>
-        <p:cTn id="1" dur="indefinite" restart="never" nodeType="tmRoot"/>
-      </p:par>
-    </p:tnLst>
-  </p:timing>
 </p:sld>
 </file>
 
@@ -18301,7 +17943,7 @@
           <p:cNvPr id="2" name="Titolo 1">
             <a:extLst>
               <a:ext uri="{FF2B5EF4-FFF2-40B4-BE49-F238E27FC236}">
-                <a16:creationId xmlns="" xmlns:a16="http://schemas.microsoft.com/office/drawing/2014/main" id="{9A7F4A1B-38CC-694F-85E4-E8E96C4BC592}"/>
+                <a16:creationId xmlns:a16="http://schemas.microsoft.com/office/drawing/2014/main" id="{9A7F4A1B-38CC-694F-85E4-E8E96C4BC592}"/>
               </a:ext>
             </a:extLst>
           </p:cNvPr>
@@ -18319,18 +17961,14 @@
           <a:p>
             <a:r>
               <a:rPr lang="it-IT" dirty="0"/>
-              <a:t>M</a:t>
-            </a:r>
-            <a:r>
-              <a:rPr lang="it-IT" dirty="0" smtClean="0"/>
-              <a:t>ultiple </a:t>
-            </a:r>
-            <a:r>
-              <a:rPr lang="it-IT" dirty="0" err="1" smtClean="0"/>
+              <a:t>Multiple </a:t>
+            </a:r>
+            <a:r>
+              <a:rPr lang="it-IT" dirty="0" err="1"/>
               <a:t>Sequence</a:t>
             </a:r>
             <a:r>
-              <a:rPr lang="it-IT" dirty="0" smtClean="0"/>
+              <a:rPr lang="it-IT" dirty="0"/>
               <a:t> </a:t>
             </a:r>
             <a:r>
@@ -18349,7 +17987,7 @@
           <p:cNvPr id="18" name="CasellaDiTesto 17">
             <a:extLst>
               <a:ext uri="{FF2B5EF4-FFF2-40B4-BE49-F238E27FC236}">
-                <a16:creationId xmlns="" xmlns:a16="http://schemas.microsoft.com/office/drawing/2014/main" id="{7D04F854-C456-CE4A-8154-0D9531BBB13C}"/>
+                <a16:creationId xmlns:a16="http://schemas.microsoft.com/office/drawing/2014/main" id="{7D04F854-C456-CE4A-8154-0D9531BBB13C}"/>
               </a:ext>
             </a:extLst>
           </p:cNvPr>
@@ -18380,74 +18018,68 @@
               <a:rPr lang="en-US" dirty="0"/>
               <a:t> is generally the alignment of three or more biological sequences (protein or nucleic acid) of similar length. From the output, homology can be inferred and the evolutionary relationships between the sequences studied. </a:t>
             </a:r>
-            <a:endParaRPr lang="en-US" dirty="0" smtClean="0"/>
-          </a:p>
-          <a:p>
-            <a:r>
-              <a:rPr lang="it-IT" dirty="0" err="1" smtClean="0"/>
+          </a:p>
+          <a:p>
+            <a:r>
+              <a:rPr lang="it-IT" dirty="0" err="1"/>
               <a:t>We</a:t>
-            </a:r>
-            <a:r>
-              <a:rPr lang="it-IT" dirty="0" smtClean="0"/>
-              <a:t> </a:t>
-            </a:r>
-            <a:r>
-              <a:rPr lang="it-IT" dirty="0" err="1" smtClean="0"/>
-              <a:t>have</a:t>
-            </a:r>
-            <a:r>
-              <a:rPr lang="it-IT" dirty="0" smtClean="0"/>
-              <a:t> use the </a:t>
-            </a:r>
-            <a:r>
-              <a:rPr lang="it-IT" dirty="0" err="1" smtClean="0"/>
-              <a:t>tool</a:t>
-            </a:r>
-            <a:r>
-              <a:rPr lang="it-IT" dirty="0" smtClean="0"/>
-              <a:t> </a:t>
-            </a:r>
-            <a:r>
-              <a:rPr lang="it-IT" dirty="0" err="1" smtClean="0"/>
-              <a:t>Clustal</a:t>
-            </a:r>
-            <a:r>
-              <a:rPr lang="el-GR" dirty="0" smtClean="0"/>
-              <a:t>Ω</a:t>
             </a:r>
             <a:r>
               <a:rPr lang="it-IT" dirty="0"/>
               <a:t> </a:t>
             </a:r>
             <a:r>
-              <a:rPr lang="it-IT" dirty="0" smtClean="0"/>
-              <a:t>to </a:t>
-            </a:r>
-            <a:r>
-              <a:rPr lang="it-IT" dirty="0" err="1" smtClean="0"/>
+              <a:rPr lang="it-IT" dirty="0" err="1"/>
+              <a:t>have</a:t>
+            </a:r>
+            <a:r>
+              <a:rPr lang="it-IT" dirty="0"/>
+              <a:t> use the </a:t>
+            </a:r>
+            <a:r>
+              <a:rPr lang="it-IT" dirty="0" err="1"/>
+              <a:t>tool</a:t>
+            </a:r>
+            <a:r>
+              <a:rPr lang="it-IT" dirty="0"/>
+              <a:t> </a:t>
+            </a:r>
+            <a:r>
+              <a:rPr lang="it-IT" dirty="0" err="1"/>
+              <a:t>Clustal</a:t>
+            </a:r>
+            <a:r>
+              <a:rPr lang="el-GR" dirty="0"/>
+              <a:t>Ω</a:t>
+            </a:r>
+            <a:r>
+              <a:rPr lang="it-IT" dirty="0"/>
+              <a:t> to </a:t>
+            </a:r>
+            <a:r>
+              <a:rPr lang="it-IT" dirty="0" err="1"/>
               <a:t>perform</a:t>
             </a:r>
             <a:r>
-              <a:rPr lang="it-IT" dirty="0" smtClean="0"/>
+              <a:rPr lang="it-IT" dirty="0"/>
               <a:t> </a:t>
             </a:r>
             <a:r>
-              <a:rPr lang="it-IT" dirty="0" err="1" smtClean="0"/>
+              <a:rPr lang="it-IT" dirty="0" err="1"/>
               <a:t>our</a:t>
             </a:r>
             <a:r>
-              <a:rPr lang="it-IT" dirty="0" smtClean="0"/>
+              <a:rPr lang="it-IT" dirty="0"/>
               <a:t> </a:t>
             </a:r>
             <a:r>
-              <a:rPr lang="it-IT" dirty="0" err="1" smtClean="0"/>
+              <a:rPr lang="it-IT" dirty="0" err="1"/>
               <a:t>analysis</a:t>
             </a:r>
             <a:r>
-              <a:rPr lang="it-IT" dirty="0" smtClean="0"/>
+              <a:rPr lang="it-IT" dirty="0"/>
               <a:t>.</a:t>
             </a:r>
-            <a:endParaRPr lang="it-IT" dirty="0"/>
           </a:p>
           <a:p>
             <a:r>
@@ -18471,27 +18103,12 @@
                 <a:hlinkClick r:id="rId3">
                   <a:extLst>
                     <a:ext uri="{A12FA001-AC4F-418D-AE19-62706E023703}">
-                      <ahyp:hlinkClr xmlns="" xmlns:ahyp="http://schemas.microsoft.com/office/drawing/2018/hyperlinkcolor" val="tx"/>
+                      <ahyp:hlinkClr xmlns:ahyp="http://schemas.microsoft.com/office/drawing/2018/hyperlinkcolor" val="tx"/>
                     </a:ext>
                   </a:extLst>
                 </a:hlinkClick>
               </a:rPr>
-              <a:t>www.clustal.org</a:t>
-            </a:r>
-            <a:r>
-              <a:rPr lang="it-IT" dirty="0">
-                <a:solidFill>
-                  <a:srgbClr val="00B0F0"/>
-                </a:solidFill>
-                <a:hlinkClick r:id="rId3">
-                  <a:extLst>
-                    <a:ext uri="{A12FA001-AC4F-418D-AE19-62706E023703}">
-                      <ahyp:hlinkClr xmlns="" xmlns:ahyp="http://schemas.microsoft.com/office/drawing/2018/hyperlinkcolor" val="tx"/>
-                    </a:ext>
-                  </a:extLst>
-                </a:hlinkClick>
-              </a:rPr>
-              <a:t>/omega/</a:t>
+              <a:t>www.clustal.org/omega/</a:t>
             </a:r>
             <a:r>
               <a:rPr lang="it-IT" dirty="0" err="1">
@@ -18501,7 +18118,7 @@
                 <a:hlinkClick r:id="rId3">
                   <a:extLst>
                     <a:ext uri="{A12FA001-AC4F-418D-AE19-62706E023703}">
-                      <ahyp:hlinkClr xmlns="" xmlns:ahyp="http://schemas.microsoft.com/office/drawing/2018/hyperlinkcolor" val="tx"/>
+                      <ahyp:hlinkClr xmlns:ahyp="http://schemas.microsoft.com/office/drawing/2018/hyperlinkcolor" val="tx"/>
                     </a:ext>
                   </a:extLst>
                 </a:hlinkClick>
@@ -18509,10 +18126,9 @@
               <a:t>#Download</a:t>
             </a:r>
             <a:r>
-              <a:rPr lang="it-IT" dirty="0" smtClean="0"/>
+              <a:rPr lang="it-IT" dirty="0"/>
               <a:t>’</a:t>
             </a:r>
-            <a:endParaRPr lang="it-IT" dirty="0"/>
           </a:p>
         </p:txBody>
       </p:sp>
@@ -18521,7 +18137,7 @@
           <p:cNvPr id="3" name="Segnaposto piè di pagina 2">
             <a:extLst>
               <a:ext uri="{FF2B5EF4-FFF2-40B4-BE49-F238E27FC236}">
-                <a16:creationId xmlns="" xmlns:a16="http://schemas.microsoft.com/office/drawing/2014/main" id="{3C4F739E-6368-7B49-B9C3-33C9C8ACC52D}"/>
+                <a16:creationId xmlns:a16="http://schemas.microsoft.com/office/drawing/2014/main" id="{3C4F739E-6368-7B49-B9C3-33C9C8ACC52D}"/>
               </a:ext>
             </a:extLst>
           </p:cNvPr>
@@ -18550,7 +18166,7 @@
           <p:cNvPr id="4" name="Segnaposto numero diapositiva 3">
             <a:extLst>
               <a:ext uri="{FF2B5EF4-FFF2-40B4-BE49-F238E27FC236}">
-                <a16:creationId xmlns="" xmlns:a16="http://schemas.microsoft.com/office/drawing/2014/main" id="{22CFC354-0B0A-2A4B-9836-0341D789BAFA}"/>
+                <a16:creationId xmlns:a16="http://schemas.microsoft.com/office/drawing/2014/main" id="{22CFC354-0B0A-2A4B-9836-0341D789BAFA}"/>
               </a:ext>
             </a:extLst>
           </p:cNvPr>
@@ -18604,20 +18220,13 @@
     </p:spTree>
     <p:extLst>
       <p:ext uri="{BB962C8B-B14F-4D97-AF65-F5344CB8AC3E}">
-        <p14:creationId xmlns="" xmlns:p14="http://schemas.microsoft.com/office/powerpoint/2010/main" val="2367315196"/>
+        <p14:creationId xmlns:p14="http://schemas.microsoft.com/office/powerpoint/2010/main" val="2367315196"/>
       </p:ext>
     </p:extLst>
   </p:cSld>
   <p:clrMapOvr>
     <a:masterClrMapping/>
   </p:clrMapOvr>
-  <p:timing>
-    <p:tnLst>
-      <p:par>
-        <p:cTn id="1" dur="indefinite" restart="never" nodeType="tmRoot"/>
-      </p:par>
-    </p:tnLst>
-  </p:timing>
 </p:sld>
 </file>
 
@@ -18643,7 +18252,7 @@
           <p:cNvPr id="2" name="Titolo 1">
             <a:extLst>
               <a:ext uri="{FF2B5EF4-FFF2-40B4-BE49-F238E27FC236}">
-                <a16:creationId xmlns="" xmlns:a16="http://schemas.microsoft.com/office/drawing/2014/main" id="{0EB1C86D-03D6-B940-9855-140D08242DA1}"/>
+                <a16:creationId xmlns:a16="http://schemas.microsoft.com/office/drawing/2014/main" id="{0EB1C86D-03D6-B940-9855-140D08242DA1}"/>
               </a:ext>
             </a:extLst>
           </p:cNvPr>
@@ -18660,18 +18269,17 @@
           <a:lstStyle/>
           <a:p>
             <a:r>
-              <a:rPr lang="it-IT" dirty="0" smtClean="0"/>
+              <a:rPr lang="it-IT" dirty="0"/>
               <a:t>A </a:t>
             </a:r>
             <a:r>
-              <a:rPr lang="it-IT" dirty="0" err="1" smtClean="0"/>
+              <a:rPr lang="it-IT" dirty="0" err="1"/>
               <a:t>very</a:t>
             </a:r>
             <a:r>
-              <a:rPr lang="it-IT" dirty="0" smtClean="0"/>
+              <a:rPr lang="it-IT" dirty="0"/>
               <a:t> intuitive console</a:t>
             </a:r>
-            <a:endParaRPr lang="it-IT" dirty="0"/>
           </a:p>
         </p:txBody>
       </p:sp>
@@ -18680,7 +18288,7 @@
           <p:cNvPr id="3" name="Segnaposto contenuto 2">
             <a:extLst>
               <a:ext uri="{FF2B5EF4-FFF2-40B4-BE49-F238E27FC236}">
-                <a16:creationId xmlns="" xmlns:a16="http://schemas.microsoft.com/office/drawing/2014/main" id="{7FE9D8BE-78FB-244C-8D52-5A7DF779CAD0}"/>
+                <a16:creationId xmlns:a16="http://schemas.microsoft.com/office/drawing/2014/main" id="{7FE9D8BE-78FB-244C-8D52-5A7DF779CAD0}"/>
               </a:ext>
             </a:extLst>
           </p:cNvPr>
@@ -18707,123 +18315,119 @@
               <a:buNone/>
             </a:pPr>
             <a:r>
-              <a:rPr lang="it-IT" dirty="0" smtClean="0"/>
+              <a:rPr lang="it-IT" dirty="0"/>
               <a:t>The </a:t>
             </a:r>
             <a:r>
-              <a:rPr lang="it-IT" dirty="0" err="1" smtClean="0"/>
+              <a:rPr lang="it-IT" dirty="0" err="1"/>
               <a:t>tool</a:t>
-            </a:r>
-            <a:r>
-              <a:rPr lang="it-IT" dirty="0" smtClean="0"/>
-              <a:t> </a:t>
-            </a:r>
-            <a:r>
-              <a:rPr lang="it-IT" dirty="0" err="1" smtClean="0"/>
-              <a:t>is</a:t>
-            </a:r>
-            <a:r>
-              <a:rPr lang="it-IT" dirty="0" smtClean="0"/>
-              <a:t> </a:t>
-            </a:r>
-            <a:r>
-              <a:rPr lang="it-IT" dirty="0" err="1" smtClean="0"/>
-              <a:t>equipped</a:t>
-            </a:r>
-            <a:r>
-              <a:rPr lang="it-IT" dirty="0" smtClean="0"/>
-              <a:t> with a </a:t>
-            </a:r>
-            <a:r>
-              <a:rPr lang="it-IT" dirty="0" err="1" smtClean="0"/>
-              <a:t>very</a:t>
-            </a:r>
-            <a:r>
-              <a:rPr lang="it-IT" dirty="0" smtClean="0"/>
-              <a:t> intuitive console/terminal, </a:t>
-            </a:r>
-            <a:r>
-              <a:rPr lang="it-IT" dirty="0" err="1" smtClean="0"/>
-              <a:t>where</a:t>
-            </a:r>
-            <a:r>
-              <a:rPr lang="it-IT" dirty="0" smtClean="0"/>
-              <a:t> </a:t>
-            </a:r>
-            <a:r>
-              <a:rPr lang="it-IT" dirty="0" err="1" smtClean="0"/>
-              <a:t>all</a:t>
-            </a:r>
-            <a:r>
-              <a:rPr lang="it-IT" dirty="0" smtClean="0"/>
-              <a:t> the </a:t>
-            </a:r>
-            <a:r>
-              <a:rPr lang="it-IT" dirty="0" err="1" smtClean="0"/>
-              <a:t>options</a:t>
-            </a:r>
-            <a:r>
-              <a:rPr lang="it-IT" dirty="0" smtClean="0"/>
-              <a:t> are </a:t>
-            </a:r>
-            <a:r>
-              <a:rPr lang="it-IT" dirty="0" err="1" smtClean="0"/>
-              <a:t>listed</a:t>
-            </a:r>
-            <a:r>
-              <a:rPr lang="it-IT" dirty="0" smtClean="0"/>
-              <a:t>. The </a:t>
-            </a:r>
-            <a:r>
-              <a:rPr lang="it-IT" dirty="0" err="1" smtClean="0"/>
-              <a:t>user</a:t>
-            </a:r>
-            <a:r>
-              <a:rPr lang="it-IT" dirty="0" smtClean="0"/>
-              <a:t> </a:t>
-            </a:r>
-            <a:r>
-              <a:rPr lang="it-IT" dirty="0" err="1" smtClean="0"/>
-              <a:t>runs</a:t>
-            </a:r>
-            <a:r>
-              <a:rPr lang="it-IT" dirty="0" smtClean="0"/>
-              <a:t> the </a:t>
-            </a:r>
-            <a:r>
-              <a:rPr lang="it-IT" dirty="0" err="1" smtClean="0"/>
-              <a:t>tool</a:t>
-            </a:r>
-            <a:r>
-              <a:rPr lang="it-IT" dirty="0" smtClean="0"/>
-              <a:t> by </a:t>
-            </a:r>
-            <a:r>
-              <a:rPr lang="it-IT" dirty="0" err="1" smtClean="0"/>
-              <a:t>sending</a:t>
-            </a:r>
-            <a:r>
-              <a:rPr lang="it-IT" dirty="0" smtClean="0"/>
-              <a:t> </a:t>
-            </a:r>
-            <a:r>
-              <a:rPr lang="it-IT" dirty="0" err="1" smtClean="0"/>
-              <a:t>commands</a:t>
             </a:r>
             <a:r>
               <a:rPr lang="it-IT" dirty="0"/>
               <a:t> </a:t>
             </a:r>
             <a:r>
-              <a:rPr lang="it-IT" dirty="0" smtClean="0"/>
-              <a:t>from </a:t>
-            </a:r>
-            <a:r>
-              <a:rPr lang="it-IT" dirty="0" err="1" smtClean="0"/>
+              <a:rPr lang="it-IT" dirty="0" err="1"/>
+              <a:t>is</a:t>
+            </a:r>
+            <a:r>
+              <a:rPr lang="it-IT" dirty="0"/>
+              <a:t> </a:t>
+            </a:r>
+            <a:r>
+              <a:rPr lang="it-IT" dirty="0" err="1"/>
+              <a:t>equipped</a:t>
+            </a:r>
+            <a:r>
+              <a:rPr lang="it-IT" dirty="0"/>
+              <a:t> with a </a:t>
+            </a:r>
+            <a:r>
+              <a:rPr lang="it-IT" dirty="0" err="1"/>
+              <a:t>very</a:t>
+            </a:r>
+            <a:r>
+              <a:rPr lang="it-IT" dirty="0"/>
+              <a:t> intuitive console/terminal, </a:t>
+            </a:r>
+            <a:r>
+              <a:rPr lang="it-IT" dirty="0" err="1"/>
+              <a:t>where</a:t>
+            </a:r>
+            <a:r>
+              <a:rPr lang="it-IT" dirty="0"/>
+              <a:t> </a:t>
+            </a:r>
+            <a:r>
+              <a:rPr lang="it-IT" dirty="0" err="1"/>
+              <a:t>all</a:t>
+            </a:r>
+            <a:r>
+              <a:rPr lang="it-IT" dirty="0"/>
+              <a:t> the </a:t>
+            </a:r>
+            <a:r>
+              <a:rPr lang="it-IT" dirty="0" err="1"/>
+              <a:t>options</a:t>
+            </a:r>
+            <a:r>
+              <a:rPr lang="it-IT" dirty="0"/>
+              <a:t> are </a:t>
+            </a:r>
+            <a:r>
+              <a:rPr lang="it-IT" dirty="0" err="1"/>
+              <a:t>listed</a:t>
+            </a:r>
+            <a:r>
+              <a:rPr lang="it-IT" dirty="0"/>
+              <a:t>. The </a:t>
+            </a:r>
+            <a:r>
+              <a:rPr lang="it-IT" dirty="0" err="1"/>
+              <a:t>user</a:t>
+            </a:r>
+            <a:r>
+              <a:rPr lang="it-IT" dirty="0"/>
+              <a:t> </a:t>
+            </a:r>
+            <a:r>
+              <a:rPr lang="it-IT" dirty="0" err="1"/>
+              <a:t>runs</a:t>
+            </a:r>
+            <a:r>
+              <a:rPr lang="it-IT" dirty="0"/>
+              <a:t> the </a:t>
+            </a:r>
+            <a:r>
+              <a:rPr lang="it-IT" dirty="0" err="1"/>
+              <a:t>tool</a:t>
+            </a:r>
+            <a:r>
+              <a:rPr lang="it-IT" dirty="0"/>
+              <a:t> by </a:t>
+            </a:r>
+            <a:r>
+              <a:rPr lang="it-IT" dirty="0" err="1"/>
+              <a:t>sending</a:t>
+            </a:r>
+            <a:r>
+              <a:rPr lang="it-IT" dirty="0"/>
+              <a:t> </a:t>
+            </a:r>
+            <a:r>
+              <a:rPr lang="it-IT" dirty="0" err="1"/>
+              <a:t>commands</a:t>
+            </a:r>
+            <a:r>
+              <a:rPr lang="it-IT" dirty="0"/>
+              <a:t> from </a:t>
+            </a:r>
+            <a:r>
+              <a:rPr lang="it-IT" dirty="0" err="1"/>
               <a:t>this</a:t>
             </a:r>
             <a:r>
-              <a:rPr lang="it-IT" dirty="0" smtClean="0"/>
+              <a:rPr lang="it-IT" dirty="0"/>
               <a:t> console.</a:t>
             </a:r>
           </a:p>
@@ -18834,7 +18438,7 @@
           <p:cNvPr id="4" name="Segnaposto piè di pagina 3">
             <a:extLst>
               <a:ext uri="{FF2B5EF4-FFF2-40B4-BE49-F238E27FC236}">
-                <a16:creationId xmlns="" xmlns:a16="http://schemas.microsoft.com/office/drawing/2014/main" id="{841B0C22-B7DA-4645-9A37-9BC43400D65E}"/>
+                <a16:creationId xmlns:a16="http://schemas.microsoft.com/office/drawing/2014/main" id="{841B0C22-B7DA-4645-9A37-9BC43400D65E}"/>
               </a:ext>
             </a:extLst>
           </p:cNvPr>
@@ -18866,7 +18470,7 @@
           <p:cNvPr id="5" name="Segnaposto numero diapositiva 4">
             <a:extLst>
               <a:ext uri="{FF2B5EF4-FFF2-40B4-BE49-F238E27FC236}">
-                <a16:creationId xmlns="" xmlns:a16="http://schemas.microsoft.com/office/drawing/2014/main" id="{759A6A41-14E7-FA42-B52D-3486B01409E3}"/>
+                <a16:creationId xmlns:a16="http://schemas.microsoft.com/office/drawing/2014/main" id="{759A6A41-14E7-FA42-B52D-3486B01409E3}"/>
               </a:ext>
             </a:extLst>
           </p:cNvPr>
@@ -18920,20 +18524,13 @@
     </p:spTree>
     <p:extLst>
       <p:ext uri="{BB962C8B-B14F-4D97-AF65-F5344CB8AC3E}">
-        <p14:creationId xmlns="" xmlns:p14="http://schemas.microsoft.com/office/powerpoint/2010/main" val="3961696920"/>
+        <p14:creationId xmlns:p14="http://schemas.microsoft.com/office/powerpoint/2010/main" val="3961696920"/>
       </p:ext>
     </p:extLst>
   </p:cSld>
   <p:clrMapOvr>
     <a:masterClrMapping/>
   </p:clrMapOvr>
-  <p:timing>
-    <p:tnLst>
-      <p:par>
-        <p:cTn id="1" dur="indefinite" restart="never" nodeType="tmRoot"/>
-      </p:par>
-    </p:tnLst>
-  </p:timing>
 </p:sld>
 </file>
 
@@ -18959,7 +18556,7 @@
           <p:cNvPr id="2" name="Titolo 1">
             <a:extLst>
               <a:ext uri="{FF2B5EF4-FFF2-40B4-BE49-F238E27FC236}">
-                <a16:creationId xmlns="" xmlns:a16="http://schemas.microsoft.com/office/drawing/2014/main" id="{7DC7D9B7-68BA-9947-BBC5-9C70547D0B17}"/>
+                <a16:creationId xmlns:a16="http://schemas.microsoft.com/office/drawing/2014/main" id="{7DC7D9B7-68BA-9947-BBC5-9C70547D0B17}"/>
               </a:ext>
             </a:extLst>
           </p:cNvPr>
@@ -18991,7 +18588,7 @@
           <p:cNvPr id="3" name="Segnaposto contenuto 2">
             <a:extLst>
               <a:ext uri="{FF2B5EF4-FFF2-40B4-BE49-F238E27FC236}">
-                <a16:creationId xmlns="" xmlns:a16="http://schemas.microsoft.com/office/drawing/2014/main" id="{B6B7432C-AA01-FF40-AD5A-CD6321D6B880}"/>
+                <a16:creationId xmlns:a16="http://schemas.microsoft.com/office/drawing/2014/main" id="{B6B7432C-AA01-FF40-AD5A-CD6321D6B880}"/>
               </a:ext>
             </a:extLst>
           </p:cNvPr>
@@ -19184,7 +18781,7 @@
           <p:cNvPr id="4" name="Segnaposto piè di pagina 3">
             <a:extLst>
               <a:ext uri="{FF2B5EF4-FFF2-40B4-BE49-F238E27FC236}">
-                <a16:creationId xmlns="" xmlns:a16="http://schemas.microsoft.com/office/drawing/2014/main" id="{05DB6A4B-CC21-CF48-9656-57C25468D292}"/>
+                <a16:creationId xmlns:a16="http://schemas.microsoft.com/office/drawing/2014/main" id="{05DB6A4B-CC21-CF48-9656-57C25468D292}"/>
               </a:ext>
             </a:extLst>
           </p:cNvPr>
@@ -19213,7 +18810,7 @@
           <p:cNvPr id="5" name="Segnaposto numero diapositiva 4">
             <a:extLst>
               <a:ext uri="{FF2B5EF4-FFF2-40B4-BE49-F238E27FC236}">
-                <a16:creationId xmlns="" xmlns:a16="http://schemas.microsoft.com/office/drawing/2014/main" id="{B56064E6-AEB5-9A46-8820-91B0AA3467D8}"/>
+                <a16:creationId xmlns:a16="http://schemas.microsoft.com/office/drawing/2014/main" id="{B56064E6-AEB5-9A46-8820-91B0AA3467D8}"/>
               </a:ext>
             </a:extLst>
           </p:cNvPr>
@@ -19241,7 +18838,7 @@
     </p:spTree>
     <p:extLst>
       <p:ext uri="{BB962C8B-B14F-4D97-AF65-F5344CB8AC3E}">
-        <p14:creationId xmlns="" xmlns:p14="http://schemas.microsoft.com/office/powerpoint/2010/main" val="702730902"/>
+        <p14:creationId xmlns:p14="http://schemas.microsoft.com/office/powerpoint/2010/main" val="702730902"/>
       </p:ext>
     </p:extLst>
   </p:cSld>
@@ -19273,7 +18870,7 @@
           <p:cNvPr id="2" name="Titolo 1">
             <a:extLst>
               <a:ext uri="{FF2B5EF4-FFF2-40B4-BE49-F238E27FC236}">
-                <a16:creationId xmlns="" xmlns:a16="http://schemas.microsoft.com/office/drawing/2014/main" id="{82A13A88-1286-4840-B73B-ED4798520CDB}"/>
+                <a16:creationId xmlns:a16="http://schemas.microsoft.com/office/drawing/2014/main" id="{82A13A88-1286-4840-B73B-ED4798520CDB}"/>
               </a:ext>
             </a:extLst>
           </p:cNvPr>
@@ -19308,7 +18905,7 @@
           <p:cNvPr id="4" name="Segnaposto piè di pagina 3">
             <a:extLst>
               <a:ext uri="{FF2B5EF4-FFF2-40B4-BE49-F238E27FC236}">
-                <a16:creationId xmlns="" xmlns:a16="http://schemas.microsoft.com/office/drawing/2014/main" id="{96F39C26-4AD6-0E45-9E97-C2AD57637CFA}"/>
+                <a16:creationId xmlns:a16="http://schemas.microsoft.com/office/drawing/2014/main" id="{96F39C26-4AD6-0E45-9E97-C2AD57637CFA}"/>
               </a:ext>
             </a:extLst>
           </p:cNvPr>
@@ -19348,7 +18945,7 @@
           <p:cNvPr id="5" name="Segnaposto numero diapositiva 4">
             <a:extLst>
               <a:ext uri="{FF2B5EF4-FFF2-40B4-BE49-F238E27FC236}">
-                <a16:creationId xmlns="" xmlns:a16="http://schemas.microsoft.com/office/drawing/2014/main" id="{A920B736-6239-F04A-A273-16C60B0D8D95}"/>
+                <a16:creationId xmlns:a16="http://schemas.microsoft.com/office/drawing/2014/main" id="{A920B736-6239-F04A-A273-16C60B0D8D95}"/>
               </a:ext>
             </a:extLst>
           </p:cNvPr>
@@ -19394,7 +18991,7 @@
           <p:cNvPr id="7" name="Segnaposto contenuto 2">
             <a:extLst>
               <a:ext uri="{FF2B5EF4-FFF2-40B4-BE49-F238E27FC236}">
-                <a16:creationId xmlns="" xmlns:a16="http://schemas.microsoft.com/office/drawing/2014/main" id="{BE484F61-2836-4977-8E95-4AC9C1403161}"/>
+                <a16:creationId xmlns:a16="http://schemas.microsoft.com/office/drawing/2014/main" id="{BE484F61-2836-4977-8E95-4AC9C1403161}"/>
               </a:ext>
             </a:extLst>
           </p:cNvPr>
@@ -19405,7 +19002,7 @@
             <p:ph idx="1"/>
             <p:extLst>
               <p:ext uri="{D42A27DB-BD31-4B8C-83A1-F6EECF244321}">
-                <p14:modId xmlns="" xmlns:p14="http://schemas.microsoft.com/office/powerpoint/2010/main" val="1613755479"/>
+                <p14:modId xmlns:p14="http://schemas.microsoft.com/office/powerpoint/2010/main" val="1613755479"/>
               </p:ext>
             </p:extLst>
           </p:nvPr>
@@ -19423,7 +19020,7 @@
     </p:spTree>
     <p:extLst>
       <p:ext uri="{BB962C8B-B14F-4D97-AF65-F5344CB8AC3E}">
-        <p14:creationId xmlns="" xmlns:p14="http://schemas.microsoft.com/office/powerpoint/2010/main" val="2674066672"/>
+        <p14:creationId xmlns:p14="http://schemas.microsoft.com/office/powerpoint/2010/main" val="2674066672"/>
       </p:ext>
     </p:extLst>
   </p:cSld>
@@ -19455,7 +19052,7 @@
           <p:cNvPr id="2" name="Titolo 1">
             <a:extLst>
               <a:ext uri="{FF2B5EF4-FFF2-40B4-BE49-F238E27FC236}">
-                <a16:creationId xmlns="" xmlns:a16="http://schemas.microsoft.com/office/drawing/2014/main" id="{8B5D1911-2549-3549-AE0F-3A97D8191259}"/>
+                <a16:creationId xmlns:a16="http://schemas.microsoft.com/office/drawing/2014/main" id="{8B5D1911-2549-3549-AE0F-3A97D8191259}"/>
               </a:ext>
             </a:extLst>
           </p:cNvPr>
@@ -19497,7 +19094,7 @@
           <p:cNvPr id="6" name="Segnaposto piè di pagina 5">
             <a:extLst>
               <a:ext uri="{FF2B5EF4-FFF2-40B4-BE49-F238E27FC236}">
-                <a16:creationId xmlns="" xmlns:a16="http://schemas.microsoft.com/office/drawing/2014/main" id="{4E213601-FD50-864D-B93F-1A23705A4C20}"/>
+                <a16:creationId xmlns:a16="http://schemas.microsoft.com/office/drawing/2014/main" id="{4E213601-FD50-864D-B93F-1A23705A4C20}"/>
               </a:ext>
             </a:extLst>
           </p:cNvPr>
@@ -19526,7 +19123,7 @@
           <p:cNvPr id="7" name="Segnaposto numero diapositiva 6">
             <a:extLst>
               <a:ext uri="{FF2B5EF4-FFF2-40B4-BE49-F238E27FC236}">
-                <a16:creationId xmlns="" xmlns:a16="http://schemas.microsoft.com/office/drawing/2014/main" id="{2359C1BA-07D3-8E4F-9F89-F2A99F3E08FE}"/>
+                <a16:creationId xmlns:a16="http://schemas.microsoft.com/office/drawing/2014/main" id="{2359C1BA-07D3-8E4F-9F89-F2A99F3E08FE}"/>
               </a:ext>
             </a:extLst>
           </p:cNvPr>
@@ -19556,7 +19153,7 @@
           <p:cNvPr id="10" name="CasellaDiTesto 9">
             <a:extLst>
               <a:ext uri="{FF2B5EF4-FFF2-40B4-BE49-F238E27FC236}">
-                <a16:creationId xmlns="" xmlns:a16="http://schemas.microsoft.com/office/drawing/2014/main" id="{FEF6A0E0-74AA-4848-BCED-3248B2D14A11}"/>
+                <a16:creationId xmlns:a16="http://schemas.microsoft.com/office/drawing/2014/main" id="{FEF6A0E0-74AA-4848-BCED-3248B2D14A11}"/>
               </a:ext>
             </a:extLst>
           </p:cNvPr>
@@ -19580,88 +19177,84 @@
           <a:lstStyle/>
           <a:p>
             <a:r>
-              <a:rPr lang="it-IT" dirty="0" err="1" smtClean="0"/>
+              <a:rPr lang="it-IT" dirty="0" err="1"/>
               <a:t>We</a:t>
             </a:r>
             <a:r>
-              <a:rPr lang="it-IT" dirty="0" smtClean="0"/>
+              <a:rPr lang="it-IT" dirty="0"/>
               <a:t> </a:t>
             </a:r>
             <a:r>
-              <a:rPr lang="it-IT" dirty="0" err="1" smtClean="0"/>
+              <a:rPr lang="it-IT" dirty="0" err="1"/>
               <a:t>have</a:t>
             </a:r>
             <a:r>
-              <a:rPr lang="it-IT" dirty="0" smtClean="0"/>
+              <a:rPr lang="it-IT" dirty="0"/>
               <a:t> </a:t>
             </a:r>
             <a:r>
-              <a:rPr lang="it-IT" dirty="0" err="1" smtClean="0"/>
+              <a:rPr lang="it-IT" dirty="0" err="1"/>
               <a:t>chosen</a:t>
             </a:r>
             <a:r>
-              <a:rPr lang="it-IT" dirty="0" smtClean="0"/>
+              <a:rPr lang="it-IT" dirty="0"/>
               <a:t> to </a:t>
             </a:r>
             <a:r>
-              <a:rPr lang="it-IT" dirty="0" err="1" smtClean="0"/>
+              <a:rPr lang="it-IT" dirty="0" err="1"/>
               <a:t>analyze</a:t>
             </a:r>
             <a:r>
-              <a:rPr lang="it-IT" dirty="0" smtClean="0"/>
+              <a:rPr lang="it-IT" dirty="0"/>
               <a:t> </a:t>
             </a:r>
             <a:r>
-              <a:rPr lang="it-IT" dirty="0" err="1" smtClean="0"/>
+              <a:rPr lang="it-IT" dirty="0" err="1"/>
               <a:t>mutations</a:t>
             </a:r>
             <a:r>
-              <a:rPr lang="it-IT" dirty="0" smtClean="0"/>
+              <a:rPr lang="it-IT" dirty="0"/>
               <a:t> in </a:t>
             </a:r>
             <a:r>
-              <a:rPr lang="it-IT" dirty="0" err="1" smtClean="0"/>
+              <a:rPr lang="it-IT" dirty="0" err="1"/>
               <a:t>our</a:t>
             </a:r>
             <a:r>
-              <a:rPr lang="it-IT" dirty="0" smtClean="0"/>
+              <a:rPr lang="it-IT" dirty="0"/>
               <a:t> </a:t>
             </a:r>
             <a:r>
-              <a:rPr lang="it-IT" dirty="0" err="1" smtClean="0"/>
+              <a:rPr lang="it-IT" dirty="0" err="1"/>
               <a:t>sequences</a:t>
             </a:r>
             <a:r>
-              <a:rPr lang="it-IT" dirty="0" smtClean="0"/>
+              <a:rPr lang="it-IT" dirty="0"/>
               <a:t> </a:t>
             </a:r>
             <a:r>
-              <a:rPr lang="it-IT" dirty="0" err="1" smtClean="0"/>
+              <a:rPr lang="it-IT" dirty="0" err="1"/>
               <a:t>rather</a:t>
             </a:r>
             <a:r>
-              <a:rPr lang="it-IT" dirty="0" smtClean="0"/>
+              <a:rPr lang="it-IT" dirty="0"/>
               <a:t> </a:t>
             </a:r>
             <a:r>
-              <a:rPr lang="it-IT" dirty="0" err="1" smtClean="0"/>
+              <a:rPr lang="it-IT" dirty="0" err="1"/>
               <a:t>than</a:t>
             </a:r>
             <a:r>
-              <a:rPr lang="it-IT" dirty="0" smtClean="0"/>
+              <a:rPr lang="it-IT" dirty="0"/>
               <a:t> </a:t>
             </a:r>
             <a:r>
-              <a:rPr lang="sv-SE" dirty="0" err="1" smtClean="0"/>
+              <a:rPr lang="sv-SE" dirty="0" err="1"/>
               <a:t>identifying</a:t>
             </a:r>
             <a:r>
-              <a:rPr lang="sv-SE" dirty="0" smtClean="0"/>
-              <a:t> </a:t>
-            </a:r>
-            <a:r>
               <a:rPr lang="sv-SE" dirty="0"/>
-              <a:t>regions </a:t>
+              <a:t> regions </a:t>
             </a:r>
             <a:r>
               <a:rPr lang="sv-SE" dirty="0" err="1"/>
@@ -19672,90 +19265,86 @@
               <a:t> </a:t>
             </a:r>
             <a:r>
-              <a:rPr lang="sv-SE" dirty="0" err="1" smtClean="0"/>
+              <a:rPr lang="sv-SE" dirty="0" err="1"/>
               <a:t>similarity</a:t>
             </a:r>
             <a:r>
-              <a:rPr lang="sv-SE" dirty="0" smtClean="0"/>
+              <a:rPr lang="sv-SE" dirty="0"/>
               <a:t>.</a:t>
             </a:r>
-            <a:endParaRPr lang="it-IT" dirty="0" smtClean="0"/>
-          </a:p>
-          <a:p>
-            <a:endParaRPr lang="it-IT" dirty="0" smtClean="0"/>
-          </a:p>
-          <a:p>
-            <a:r>
-              <a:rPr lang="it-IT" dirty="0" smtClean="0"/>
+            <a:endParaRPr lang="it-IT" dirty="0"/>
+          </a:p>
+          <a:p>
+            <a:endParaRPr lang="it-IT" dirty="0"/>
+          </a:p>
+          <a:p>
+            <a:r>
+              <a:rPr lang="it-IT" dirty="0"/>
               <a:t>To </a:t>
             </a:r>
             <a:r>
-              <a:rPr lang="it-IT" dirty="0" err="1" smtClean="0"/>
+              <a:rPr lang="it-IT" dirty="0" err="1"/>
               <a:t>achieve</a:t>
             </a:r>
             <a:r>
-              <a:rPr lang="it-IT" dirty="0" smtClean="0"/>
+              <a:rPr lang="it-IT" dirty="0"/>
               <a:t> </a:t>
             </a:r>
             <a:r>
-              <a:rPr lang="it-IT" dirty="0" err="1" smtClean="0"/>
+              <a:rPr lang="it-IT" dirty="0" err="1"/>
               <a:t>this</a:t>
             </a:r>
             <a:r>
-              <a:rPr lang="it-IT" dirty="0" smtClean="0"/>
+              <a:rPr lang="it-IT" dirty="0"/>
               <a:t> goal, </a:t>
             </a:r>
             <a:r>
-              <a:rPr lang="it-IT" dirty="0" err="1" smtClean="0"/>
+              <a:rPr lang="it-IT" dirty="0" err="1"/>
               <a:t>we</a:t>
             </a:r>
             <a:r>
-              <a:rPr lang="it-IT" dirty="0" smtClean="0"/>
+              <a:rPr lang="it-IT" dirty="0"/>
               <a:t> </a:t>
             </a:r>
             <a:r>
-              <a:rPr lang="it-IT" dirty="0" err="1" smtClean="0"/>
+              <a:rPr lang="it-IT" dirty="0" err="1"/>
               <a:t>have</a:t>
             </a:r>
             <a:r>
-              <a:rPr lang="it-IT" dirty="0" smtClean="0"/>
+              <a:rPr lang="it-IT" dirty="0"/>
               <a:t> </a:t>
             </a:r>
             <a:r>
-              <a:rPr lang="it-IT" dirty="0" err="1" smtClean="0"/>
+              <a:rPr lang="it-IT" dirty="0" err="1"/>
               <a:t>created</a:t>
             </a:r>
             <a:r>
-              <a:rPr lang="it-IT" dirty="0" smtClean="0"/>
+              <a:rPr lang="it-IT" dirty="0"/>
               <a:t> an </a:t>
             </a:r>
             <a:r>
-              <a:rPr lang="it-IT" dirty="0" err="1" smtClean="0"/>
+              <a:rPr lang="it-IT" dirty="0" err="1"/>
               <a:t>algorithm</a:t>
             </a:r>
             <a:r>
-              <a:rPr lang="it-IT" dirty="0" smtClean="0"/>
+              <a:rPr lang="it-IT" dirty="0"/>
               <a:t> </a:t>
             </a:r>
             <a:r>
-              <a:rPr lang="it-IT" dirty="0" err="1" smtClean="0"/>
+              <a:rPr lang="it-IT" dirty="0" err="1"/>
               <a:t>that</a:t>
             </a:r>
             <a:r>
-              <a:rPr lang="it-IT" dirty="0" smtClean="0"/>
+              <a:rPr lang="it-IT" dirty="0"/>
               <a:t> </a:t>
             </a:r>
             <a:r>
-              <a:rPr lang="it-IT" dirty="0" err="1" smtClean="0"/>
+              <a:rPr lang="it-IT" dirty="0" err="1"/>
               <a:t>compares</a:t>
             </a:r>
             <a:r>
-              <a:rPr lang="it-IT" dirty="0" smtClean="0"/>
-              <a:t> </a:t>
-            </a:r>
-            <a:r>
               <a:rPr lang="it-IT" dirty="0"/>
-              <a:t>the </a:t>
+              <a:t> the </a:t>
             </a:r>
             <a:r>
               <a:rPr lang="it-IT" dirty="0" err="1"/>
@@ -19766,67 +19355,67 @@
               <a:t> of </a:t>
             </a:r>
             <a:r>
-              <a:rPr lang="it-IT" dirty="0" err="1" smtClean="0"/>
+              <a:rPr lang="it-IT" dirty="0" err="1"/>
               <a:t>each</a:t>
             </a:r>
             <a:r>
-              <a:rPr lang="it-IT" dirty="0" smtClean="0"/>
+              <a:rPr lang="it-IT" dirty="0"/>
               <a:t> </a:t>
             </a:r>
             <a:r>
-              <a:rPr lang="it-IT" dirty="0" err="1" smtClean="0"/>
+              <a:rPr lang="it-IT" dirty="0" err="1"/>
               <a:t>sequence</a:t>
             </a:r>
             <a:r>
-              <a:rPr lang="it-IT" dirty="0" smtClean="0"/>
+              <a:rPr lang="it-IT" dirty="0"/>
               <a:t> with the </a:t>
             </a:r>
             <a:r>
-              <a:rPr lang="it-IT" dirty="0" err="1" smtClean="0"/>
+              <a:rPr lang="it-IT" dirty="0" err="1"/>
               <a:t>analysis</a:t>
             </a:r>
             <a:r>
-              <a:rPr lang="it-IT" dirty="0" smtClean="0"/>
+              <a:rPr lang="it-IT" dirty="0"/>
               <a:t> of </a:t>
             </a:r>
             <a:r>
-              <a:rPr lang="it-IT" dirty="0" err="1" smtClean="0"/>
+              <a:rPr lang="it-IT" dirty="0" err="1"/>
               <a:t>each</a:t>
             </a:r>
             <a:r>
-              <a:rPr lang="it-IT" dirty="0" smtClean="0"/>
+              <a:rPr lang="it-IT" dirty="0"/>
               <a:t> and </a:t>
             </a:r>
             <a:r>
-              <a:rPr lang="it-IT" dirty="0" err="1" smtClean="0"/>
+              <a:rPr lang="it-IT" dirty="0" err="1"/>
               <a:t>every</a:t>
             </a:r>
             <a:r>
-              <a:rPr lang="it-IT" dirty="0" smtClean="0"/>
+              <a:rPr lang="it-IT" dirty="0"/>
               <a:t> </a:t>
             </a:r>
             <a:r>
-              <a:rPr lang="it-IT" dirty="0" err="1" smtClean="0"/>
+              <a:rPr lang="it-IT" dirty="0" err="1"/>
               <a:t>other</a:t>
             </a:r>
             <a:r>
-              <a:rPr lang="it-IT" dirty="0" smtClean="0"/>
+              <a:rPr lang="it-IT" dirty="0"/>
               <a:t> </a:t>
             </a:r>
             <a:r>
-              <a:rPr lang="it-IT" dirty="0" err="1" smtClean="0"/>
+              <a:rPr lang="it-IT" dirty="0" err="1"/>
               <a:t>sequence</a:t>
             </a:r>
             <a:r>
-              <a:rPr lang="it-IT" dirty="0" smtClean="0"/>
+              <a:rPr lang="it-IT" dirty="0"/>
               <a:t>, </a:t>
             </a:r>
             <a:r>
-              <a:rPr lang="it-IT" dirty="0" err="1" smtClean="0"/>
+              <a:rPr lang="it-IT" dirty="0" err="1"/>
               <a:t>looking</a:t>
             </a:r>
             <a:r>
-              <a:rPr lang="it-IT" dirty="0" smtClean="0"/>
+              <a:rPr lang="it-IT" dirty="0"/>
               <a:t> for </a:t>
             </a:r>
             <a:r>
@@ -19846,31 +19435,23 @@
               <a:t> </a:t>
             </a:r>
             <a:r>
-              <a:rPr lang="it-IT" dirty="0" err="1" smtClean="0"/>
+              <a:rPr lang="it-IT" dirty="0" err="1"/>
               <a:t>variations</a:t>
             </a:r>
             <a:r>
-              <a:rPr lang="it-IT" dirty="0" smtClean="0"/>
+              <a:rPr lang="it-IT" dirty="0"/>
               <a:t>.</a:t>
             </a:r>
           </a:p>
           <a:p>
-            <a:endParaRPr lang="it-IT" dirty="0" smtClean="0"/>
-          </a:p>
-          <a:p>
-            <a:r>
-              <a:rPr lang="en-US" dirty="0" smtClean="0"/>
-              <a:t>The </a:t>
-            </a:r>
-            <a:r>
-              <a:rPr lang="en-US" dirty="0" smtClean="0"/>
-              <a:t>output will consist of a table containing a reference id for the sequence, and each column in which there is a mutation between the chosen </a:t>
-            </a:r>
-            <a:r>
-              <a:rPr lang="en-US" dirty="0" smtClean="0"/>
-              <a:t>sequences.</a:t>
-            </a:r>
-            <a:endParaRPr lang="it-IT" dirty="0" smtClean="0"/>
+            <a:endParaRPr lang="it-IT" dirty="0"/>
+          </a:p>
+          <a:p>
+            <a:r>
+              <a:rPr lang="en-US" dirty="0"/>
+              <a:t>The output will consist of a table containing a reference id for the sequence, and each column in which there is a mutation between the chosen sequences.</a:t>
+            </a:r>
+            <a:endParaRPr lang="it-IT" dirty="0"/>
           </a:p>
         </p:txBody>
       </p:sp>
@@ -19929,7 +19510,7 @@
     </p:spTree>
     <p:extLst>
       <p:ext uri="{BB962C8B-B14F-4D97-AF65-F5344CB8AC3E}">
-        <p14:creationId xmlns="" xmlns:p14="http://schemas.microsoft.com/office/powerpoint/2010/main" val="1145378670"/>
+        <p14:creationId xmlns:p14="http://schemas.microsoft.com/office/powerpoint/2010/main" val="1145378670"/>
       </p:ext>
     </p:extLst>
   </p:cSld>
@@ -20190,7 +19771,7 @@
   <a:extraClrSchemeLst/>
   <a:extLst>
     <a:ext uri="{05A4C25C-085E-4340-85A3-A5531E510DB2}">
-      <thm15:themeFamily xmlns="" xmlns:thm15="http://schemas.microsoft.com/office/thememl/2012/main" name="Facet" id="{C0C680CD-088A-49FC-A102-D699147F32B2}" vid="{CFBC31BA-B70F-4F30-BCAA-4F3011E16C4D}"/>
+      <thm15:themeFamily xmlns:thm15="http://schemas.microsoft.com/office/thememl/2012/main" name="Facet" id="{C0C680CD-088A-49FC-A102-D699147F32B2}" vid="{CFBC31BA-B70F-4F30-BCAA-4F3011E16C4D}"/>
     </a:ext>
   </a:extLst>
 </a:theme>
@@ -20485,7 +20066,7 @@
   <a:extraClrSchemeLst/>
   <a:extLst>
     <a:ext uri="{05A4C25C-085E-4340-85A3-A5531E510DB2}">
-      <thm15:themeFamily xmlns="" xmlns:thm15="http://schemas.microsoft.com/office/thememl/2012/main" name="Office Theme" id="{62F939B6-93AF-4DB8-9C6B-D6C7DFDC589F}" vid="{4A3C46E8-61CC-4603-A589-7422A47A8E4A}"/>
+      <thm15:themeFamily xmlns:thm15="http://schemas.microsoft.com/office/thememl/2012/main" name="Office Theme" id="{62F939B6-93AF-4DB8-9C6B-D6C7DFDC589F}" vid="{4A3C46E8-61CC-4603-A589-7422A47A8E4A}"/>
     </a:ext>
   </a:extLst>
 </a:theme>
